--- a/IPAS中階/PPT/風險管理.pptx
+++ b/IPAS中階/PPT/風險管理.pptx
@@ -149,7 +149,7 @@
   </p:defaultTextStyle>
   <p:extLst>
     <p:ext uri="{EFAFB233-063F-42B5-8137-9DF3F51BA10A}">
-      <p15:sldGuideLst xmlns:p15="http://schemas.microsoft.com/office/powerpoint/2012/main">
+      <p15:sldGuideLst xmlns:p15="http://schemas.microsoft.com/office/powerpoint/2012/main" xmlns="">
         <p15:guide id="1" orient="horz" pos="2160">
           <p15:clr>
             <a:srgbClr val="A4A3A4"/>
@@ -4555,10 +4555,24 @@
         </dgm:presLayoutVars>
       </dgm:prSet>
       <dgm:spPr/>
+      <dgm:t>
+        <a:bodyPr/>
+        <a:lstStyle/>
+        <a:p>
+          <a:endParaRPr lang="zh-TW" altLang="en-US"/>
+        </a:p>
+      </dgm:t>
     </dgm:pt>
     <dgm:pt modelId="{35EFA47A-893B-431E-A6B3-E405DDA7BD44}" type="pres">
       <dgm:prSet presAssocID="{FB5574AB-6DE6-4380-89F9-F054DAF0FAC3}" presName="centerShape" presStyleLbl="node0" presStyleIdx="0" presStyleCnt="1"/>
       <dgm:spPr/>
+      <dgm:t>
+        <a:bodyPr/>
+        <a:lstStyle/>
+        <a:p>
+          <a:endParaRPr lang="zh-TW" altLang="en-US"/>
+        </a:p>
+      </dgm:t>
     </dgm:pt>
     <dgm:pt modelId="{74A4C110-C2BC-4D63-A746-8AC384864CDD}" type="pres">
       <dgm:prSet presAssocID="{4C71AA09-D1BC-43DE-A89D-96A2EEAA1C53}" presName="node" presStyleLbl="node1" presStyleIdx="0" presStyleCnt="5">
@@ -4567,6 +4581,13 @@
         </dgm:presLayoutVars>
       </dgm:prSet>
       <dgm:spPr/>
+      <dgm:t>
+        <a:bodyPr/>
+        <a:lstStyle/>
+        <a:p>
+          <a:endParaRPr lang="zh-TW" altLang="en-US"/>
+        </a:p>
+      </dgm:t>
     </dgm:pt>
     <dgm:pt modelId="{782E5AA5-DC0E-4D4A-8C81-E4075C5816F9}" type="pres">
       <dgm:prSet presAssocID="{4C71AA09-D1BC-43DE-A89D-96A2EEAA1C53}" presName="dummy" presStyleCnt="0"/>
@@ -4575,6 +4596,13 @@
     <dgm:pt modelId="{6854F4B8-BB90-406F-8BA7-6D0AE979B98B}" type="pres">
       <dgm:prSet presAssocID="{5D09CD82-D35D-4ABB-8C9F-83975B9DB7D3}" presName="sibTrans" presStyleLbl="sibTrans2D1" presStyleIdx="0" presStyleCnt="5"/>
       <dgm:spPr/>
+      <dgm:t>
+        <a:bodyPr/>
+        <a:lstStyle/>
+        <a:p>
+          <a:endParaRPr lang="zh-TW" altLang="en-US"/>
+        </a:p>
+      </dgm:t>
     </dgm:pt>
     <dgm:pt modelId="{94A2BDD6-EB4B-4BE2-944A-942708FFF9A7}" type="pres">
       <dgm:prSet presAssocID="{0C3BF454-0FE2-48A4-9677-940B1BD9DF44}" presName="node" presStyleLbl="node1" presStyleIdx="1" presStyleCnt="5">
@@ -4583,6 +4611,13 @@
         </dgm:presLayoutVars>
       </dgm:prSet>
       <dgm:spPr/>
+      <dgm:t>
+        <a:bodyPr/>
+        <a:lstStyle/>
+        <a:p>
+          <a:endParaRPr lang="zh-TW" altLang="en-US"/>
+        </a:p>
+      </dgm:t>
     </dgm:pt>
     <dgm:pt modelId="{1E7DDD41-1622-45F5-95B2-821CFA1A1F13}" type="pres">
       <dgm:prSet presAssocID="{0C3BF454-0FE2-48A4-9677-940B1BD9DF44}" presName="dummy" presStyleCnt="0"/>
@@ -4591,6 +4626,13 @@
     <dgm:pt modelId="{33A1AF8C-BE4E-4311-A3E9-E53DF24A77BA}" type="pres">
       <dgm:prSet presAssocID="{27EC0217-645B-4064-BCD1-3C7C6DB1FA09}" presName="sibTrans" presStyleLbl="sibTrans2D1" presStyleIdx="1" presStyleCnt="5"/>
       <dgm:spPr/>
+      <dgm:t>
+        <a:bodyPr/>
+        <a:lstStyle/>
+        <a:p>
+          <a:endParaRPr lang="zh-TW" altLang="en-US"/>
+        </a:p>
+      </dgm:t>
     </dgm:pt>
     <dgm:pt modelId="{AB725242-184F-474E-98FE-3F28BA05852A}" type="pres">
       <dgm:prSet presAssocID="{77233D0E-D7CA-4F40-8AED-02F8F56538DA}" presName="node" presStyleLbl="node1" presStyleIdx="2" presStyleCnt="5">
@@ -4599,6 +4641,13 @@
         </dgm:presLayoutVars>
       </dgm:prSet>
       <dgm:spPr/>
+      <dgm:t>
+        <a:bodyPr/>
+        <a:lstStyle/>
+        <a:p>
+          <a:endParaRPr lang="zh-TW" altLang="en-US"/>
+        </a:p>
+      </dgm:t>
     </dgm:pt>
     <dgm:pt modelId="{060EA88C-A9EE-4925-BDC3-5E6911A806BB}" type="pres">
       <dgm:prSet presAssocID="{77233D0E-D7CA-4F40-8AED-02F8F56538DA}" presName="dummy" presStyleCnt="0"/>
@@ -4607,6 +4656,13 @@
     <dgm:pt modelId="{7BAA712C-940E-49EB-881B-908EF15AB481}" type="pres">
       <dgm:prSet presAssocID="{672FB860-4A2A-4333-ABF4-074E811CB4D7}" presName="sibTrans" presStyleLbl="sibTrans2D1" presStyleIdx="2" presStyleCnt="5"/>
       <dgm:spPr/>
+      <dgm:t>
+        <a:bodyPr/>
+        <a:lstStyle/>
+        <a:p>
+          <a:endParaRPr lang="zh-TW" altLang="en-US"/>
+        </a:p>
+      </dgm:t>
     </dgm:pt>
     <dgm:pt modelId="{B50889EA-2391-4C4F-A4DC-B239915BD4E3}" type="pres">
       <dgm:prSet presAssocID="{E0F3928D-5B76-49A5-B749-61C5C3BA5C99}" presName="node" presStyleLbl="node1" presStyleIdx="3" presStyleCnt="5">
@@ -4615,6 +4671,13 @@
         </dgm:presLayoutVars>
       </dgm:prSet>
       <dgm:spPr/>
+      <dgm:t>
+        <a:bodyPr/>
+        <a:lstStyle/>
+        <a:p>
+          <a:endParaRPr lang="zh-TW" altLang="en-US"/>
+        </a:p>
+      </dgm:t>
     </dgm:pt>
     <dgm:pt modelId="{76D43489-BEB1-4557-9C03-82F69FFC00B9}" type="pres">
       <dgm:prSet presAssocID="{E0F3928D-5B76-49A5-B749-61C5C3BA5C99}" presName="dummy" presStyleCnt="0"/>
@@ -4623,6 +4686,13 @@
     <dgm:pt modelId="{ECC675C4-A95E-441C-8A22-7B113C6E83CB}" type="pres">
       <dgm:prSet presAssocID="{8DFE2427-B267-4B81-98D6-A3CE8071777C}" presName="sibTrans" presStyleLbl="sibTrans2D1" presStyleIdx="3" presStyleCnt="5"/>
       <dgm:spPr/>
+      <dgm:t>
+        <a:bodyPr/>
+        <a:lstStyle/>
+        <a:p>
+          <a:endParaRPr lang="zh-TW" altLang="en-US"/>
+        </a:p>
+      </dgm:t>
     </dgm:pt>
     <dgm:pt modelId="{76DFC2CF-38DC-4DF9-B6A2-90E63046B28C}" type="pres">
       <dgm:prSet presAssocID="{0254A81D-CD93-4293-9138-A1E278C5C401}" presName="node" presStyleLbl="node1" presStyleIdx="4" presStyleCnt="5">
@@ -4631,6 +4701,13 @@
         </dgm:presLayoutVars>
       </dgm:prSet>
       <dgm:spPr/>
+      <dgm:t>
+        <a:bodyPr/>
+        <a:lstStyle/>
+        <a:p>
+          <a:endParaRPr lang="zh-TW" altLang="en-US"/>
+        </a:p>
+      </dgm:t>
     </dgm:pt>
     <dgm:pt modelId="{5D0B14D7-7D17-4E25-97C8-DA4771BBDCE7}" type="pres">
       <dgm:prSet presAssocID="{0254A81D-CD93-4293-9138-A1E278C5C401}" presName="dummy" presStyleCnt="0"/>
@@ -4639,27 +4716,34 @@
     <dgm:pt modelId="{F50F4644-B30B-42C8-83C8-3F81D1D04F13}" type="pres">
       <dgm:prSet presAssocID="{2EDDA6A9-9E88-4DC5-8AE6-BAFC2E6A6935}" presName="sibTrans" presStyleLbl="sibTrans2D1" presStyleIdx="4" presStyleCnt="5"/>
       <dgm:spPr/>
+      <dgm:t>
+        <a:bodyPr/>
+        <a:lstStyle/>
+        <a:p>
+          <a:endParaRPr lang="zh-TW" altLang="en-US"/>
+        </a:p>
+      </dgm:t>
     </dgm:pt>
   </dgm:ptLst>
   <dgm:cxnLst>
+    <dgm:cxn modelId="{7654351C-A9C7-4D48-998C-B35F319374C5}" type="presOf" srcId="{672FB860-4A2A-4333-ABF4-074E811CB4D7}" destId="{7BAA712C-940E-49EB-881B-908EF15AB481}" srcOrd="0" destOrd="0" presId="urn:microsoft.com/office/officeart/2005/8/layout/radial6"/>
+    <dgm:cxn modelId="{34817992-FFA2-4760-82FD-0F2D4C482D8D}" srcId="{FB5574AB-6DE6-4380-89F9-F054DAF0FAC3}" destId="{4C71AA09-D1BC-43DE-A89D-96A2EEAA1C53}" srcOrd="0" destOrd="0" parTransId="{0B1D2EA2-CFE8-4ABD-987F-A74AF2BB418A}" sibTransId="{5D09CD82-D35D-4ABB-8C9F-83975B9DB7D3}"/>
+    <dgm:cxn modelId="{20EF34B6-6152-4906-A65B-0B239E624730}" srcId="{FB5574AB-6DE6-4380-89F9-F054DAF0FAC3}" destId="{0C3BF454-0FE2-48A4-9677-940B1BD9DF44}" srcOrd="1" destOrd="0" parTransId="{6B257874-4B7C-4A6B-9F23-FBBE940CD4C1}" sibTransId="{27EC0217-645B-4064-BCD1-3C7C6DB1FA09}"/>
+    <dgm:cxn modelId="{2A6D36E4-7CDA-4C1A-92C1-781F98DDA08D}" type="presOf" srcId="{77121403-7CCA-447A-AA89-9639E703382C}" destId="{6BDA55FE-3640-4E5B-A26D-3DC30D64269E}" srcOrd="0" destOrd="0" presId="urn:microsoft.com/office/officeart/2005/8/layout/radial6"/>
     <dgm:cxn modelId="{60BC2001-448A-43FF-AF83-6F9800A5E7D8}" type="presOf" srcId="{0254A81D-CD93-4293-9138-A1E278C5C401}" destId="{76DFC2CF-38DC-4DF9-B6A2-90E63046B28C}" srcOrd="0" destOrd="0" presId="urn:microsoft.com/office/officeart/2005/8/layout/radial6"/>
-    <dgm:cxn modelId="{1C8A3115-B276-4D40-AC0E-351DB6629C66}" type="presOf" srcId="{27EC0217-645B-4064-BCD1-3C7C6DB1FA09}" destId="{33A1AF8C-BE4E-4311-A3E9-E53DF24A77BA}" srcOrd="0" destOrd="0" presId="urn:microsoft.com/office/officeart/2005/8/layout/radial6"/>
-    <dgm:cxn modelId="{7654351C-A9C7-4D48-998C-B35F319374C5}" type="presOf" srcId="{672FB860-4A2A-4333-ABF4-074E811CB4D7}" destId="{7BAA712C-940E-49EB-881B-908EF15AB481}" srcOrd="0" destOrd="0" presId="urn:microsoft.com/office/officeart/2005/8/layout/radial6"/>
-    <dgm:cxn modelId="{0FAA5649-08C3-45FB-86BC-97B4D99BEF91}" srcId="{77121403-7CCA-447A-AA89-9639E703382C}" destId="{FB5574AB-6DE6-4380-89F9-F054DAF0FAC3}" srcOrd="0" destOrd="0" parTransId="{AC83F5A1-5F4E-4505-AB9E-EB0C3A1F6B25}" sibTransId="{D777AA6D-C85C-499F-BB2E-23A24AF54050}"/>
+    <dgm:cxn modelId="{3F33CECE-D060-4C24-8775-9812297D1DD4}" type="presOf" srcId="{5D09CD82-D35D-4ABB-8C9F-83975B9DB7D3}" destId="{6854F4B8-BB90-406F-8BA7-6D0AE979B98B}" srcOrd="0" destOrd="0" presId="urn:microsoft.com/office/officeart/2005/8/layout/radial6"/>
+    <dgm:cxn modelId="{88542B76-CA52-46C1-B2A7-2A40388F37CD}" type="presOf" srcId="{FB5574AB-6DE6-4380-89F9-F054DAF0FAC3}" destId="{35EFA47A-893B-431E-A6B3-E405DDA7BD44}" srcOrd="0" destOrd="0" presId="urn:microsoft.com/office/officeart/2005/8/layout/radial6"/>
+    <dgm:cxn modelId="{02901693-A304-4E52-B9AF-28419903FA6C}" type="presOf" srcId="{2EDDA6A9-9E88-4DC5-8AE6-BAFC2E6A6935}" destId="{F50F4644-B30B-42C8-83C8-3F81D1D04F13}" srcOrd="0" destOrd="0" presId="urn:microsoft.com/office/officeart/2005/8/layout/radial6"/>
     <dgm:cxn modelId="{4718F754-A699-436A-A869-1A3183D87A27}" srcId="{FB5574AB-6DE6-4380-89F9-F054DAF0FAC3}" destId="{E0F3928D-5B76-49A5-B749-61C5C3BA5C99}" srcOrd="3" destOrd="0" parTransId="{66941862-CD7D-493B-9FE6-B63F9D903322}" sibTransId="{8DFE2427-B267-4B81-98D6-A3CE8071777C}"/>
-    <dgm:cxn modelId="{88542B76-CA52-46C1-B2A7-2A40388F37CD}" type="presOf" srcId="{FB5574AB-6DE6-4380-89F9-F054DAF0FAC3}" destId="{35EFA47A-893B-431E-A6B3-E405DDA7BD44}" srcOrd="0" destOrd="0" presId="urn:microsoft.com/office/officeart/2005/8/layout/radial6"/>
-    <dgm:cxn modelId="{2650F57F-F8E9-4EF1-8D12-B263967EF374}" srcId="{FB5574AB-6DE6-4380-89F9-F054DAF0FAC3}" destId="{77233D0E-D7CA-4F40-8AED-02F8F56538DA}" srcOrd="2" destOrd="0" parTransId="{E247F5C1-7EDE-4552-B823-AE99DCFEA53F}" sibTransId="{672FB860-4A2A-4333-ABF4-074E811CB4D7}"/>
-    <dgm:cxn modelId="{7F1BAE86-0107-43F8-AA85-9D1905C5255C}" type="presOf" srcId="{E0F3928D-5B76-49A5-B749-61C5C3BA5C99}" destId="{B50889EA-2391-4C4F-A4DC-B239915BD4E3}" srcOrd="0" destOrd="0" presId="urn:microsoft.com/office/officeart/2005/8/layout/radial6"/>
-    <dgm:cxn modelId="{34817992-FFA2-4760-82FD-0F2D4C482D8D}" srcId="{FB5574AB-6DE6-4380-89F9-F054DAF0FAC3}" destId="{4C71AA09-D1BC-43DE-A89D-96A2EEAA1C53}" srcOrd="0" destOrd="0" parTransId="{0B1D2EA2-CFE8-4ABD-987F-A74AF2BB418A}" sibTransId="{5D09CD82-D35D-4ABB-8C9F-83975B9DB7D3}"/>
-    <dgm:cxn modelId="{02901693-A304-4E52-B9AF-28419903FA6C}" type="presOf" srcId="{2EDDA6A9-9E88-4DC5-8AE6-BAFC2E6A6935}" destId="{F50F4644-B30B-42C8-83C8-3F81D1D04F13}" srcOrd="0" destOrd="0" presId="urn:microsoft.com/office/officeart/2005/8/layout/radial6"/>
-    <dgm:cxn modelId="{B1804AB3-2C3B-4E31-A827-8355944BA1D2}" type="presOf" srcId="{8DFE2427-B267-4B81-98D6-A3CE8071777C}" destId="{ECC675C4-A95E-441C-8A22-7B113C6E83CB}" srcOrd="0" destOrd="0" presId="urn:microsoft.com/office/officeart/2005/8/layout/radial6"/>
-    <dgm:cxn modelId="{20EF34B6-6152-4906-A65B-0B239E624730}" srcId="{FB5574AB-6DE6-4380-89F9-F054DAF0FAC3}" destId="{0C3BF454-0FE2-48A4-9677-940B1BD9DF44}" srcOrd="1" destOrd="0" parTransId="{6B257874-4B7C-4A6B-9F23-FBBE940CD4C1}" sibTransId="{27EC0217-645B-4064-BCD1-3C7C6DB1FA09}"/>
+    <dgm:cxn modelId="{1AC984F9-85EB-4FEC-B25A-1699885E2DA7}" srcId="{FB5574AB-6DE6-4380-89F9-F054DAF0FAC3}" destId="{0254A81D-CD93-4293-9138-A1E278C5C401}" srcOrd="4" destOrd="0" parTransId="{481FC3AD-E8A7-4C8D-BAC6-17D4929E334A}" sibTransId="{2EDDA6A9-9E88-4DC5-8AE6-BAFC2E6A6935}"/>
     <dgm:cxn modelId="{AE65A7BD-C5BF-4326-A29C-EB323D20E842}" type="presOf" srcId="{0C3BF454-0FE2-48A4-9677-940B1BD9DF44}" destId="{94A2BDD6-EB4B-4BE2-944A-942708FFF9A7}" srcOrd="0" destOrd="0" presId="urn:microsoft.com/office/officeart/2005/8/layout/radial6"/>
     <dgm:cxn modelId="{9AD6C5C6-56F3-42AF-9AC6-D272DE83E4E3}" type="presOf" srcId="{4C71AA09-D1BC-43DE-A89D-96A2EEAA1C53}" destId="{74A4C110-C2BC-4D63-A746-8AC384864CDD}" srcOrd="0" destOrd="0" presId="urn:microsoft.com/office/officeart/2005/8/layout/radial6"/>
-    <dgm:cxn modelId="{3F33CECE-D060-4C24-8775-9812297D1DD4}" type="presOf" srcId="{5D09CD82-D35D-4ABB-8C9F-83975B9DB7D3}" destId="{6854F4B8-BB90-406F-8BA7-6D0AE979B98B}" srcOrd="0" destOrd="0" presId="urn:microsoft.com/office/officeart/2005/8/layout/radial6"/>
+    <dgm:cxn modelId="{B1804AB3-2C3B-4E31-A827-8355944BA1D2}" type="presOf" srcId="{8DFE2427-B267-4B81-98D6-A3CE8071777C}" destId="{ECC675C4-A95E-441C-8A22-7B113C6E83CB}" srcOrd="0" destOrd="0" presId="urn:microsoft.com/office/officeart/2005/8/layout/radial6"/>
+    <dgm:cxn modelId="{0FAA5649-08C3-45FB-86BC-97B4D99BEF91}" srcId="{77121403-7CCA-447A-AA89-9639E703382C}" destId="{FB5574AB-6DE6-4380-89F9-F054DAF0FAC3}" srcOrd="0" destOrd="0" parTransId="{AC83F5A1-5F4E-4505-AB9E-EB0C3A1F6B25}" sibTransId="{D777AA6D-C85C-499F-BB2E-23A24AF54050}"/>
     <dgm:cxn modelId="{763080E0-3258-4F4E-8AE9-DF08106C8453}" type="presOf" srcId="{77233D0E-D7CA-4F40-8AED-02F8F56538DA}" destId="{AB725242-184F-474E-98FE-3F28BA05852A}" srcOrd="0" destOrd="0" presId="urn:microsoft.com/office/officeart/2005/8/layout/radial6"/>
-    <dgm:cxn modelId="{2A6D36E4-7CDA-4C1A-92C1-781F98DDA08D}" type="presOf" srcId="{77121403-7CCA-447A-AA89-9639E703382C}" destId="{6BDA55FE-3640-4E5B-A26D-3DC30D64269E}" srcOrd="0" destOrd="0" presId="urn:microsoft.com/office/officeart/2005/8/layout/radial6"/>
-    <dgm:cxn modelId="{1AC984F9-85EB-4FEC-B25A-1699885E2DA7}" srcId="{FB5574AB-6DE6-4380-89F9-F054DAF0FAC3}" destId="{0254A81D-CD93-4293-9138-A1E278C5C401}" srcOrd="4" destOrd="0" parTransId="{481FC3AD-E8A7-4C8D-BAC6-17D4929E334A}" sibTransId="{2EDDA6A9-9E88-4DC5-8AE6-BAFC2E6A6935}"/>
+    <dgm:cxn modelId="{1C8A3115-B276-4D40-AC0E-351DB6629C66}" type="presOf" srcId="{27EC0217-645B-4064-BCD1-3C7C6DB1FA09}" destId="{33A1AF8C-BE4E-4311-A3E9-E53DF24A77BA}" srcOrd="0" destOrd="0" presId="urn:microsoft.com/office/officeart/2005/8/layout/radial6"/>
+    <dgm:cxn modelId="{7F1BAE86-0107-43F8-AA85-9D1905C5255C}" type="presOf" srcId="{E0F3928D-5B76-49A5-B749-61C5C3BA5C99}" destId="{B50889EA-2391-4C4F-A4DC-B239915BD4E3}" srcOrd="0" destOrd="0" presId="urn:microsoft.com/office/officeart/2005/8/layout/radial6"/>
+    <dgm:cxn modelId="{2650F57F-F8E9-4EF1-8D12-B263967EF374}" srcId="{FB5574AB-6DE6-4380-89F9-F054DAF0FAC3}" destId="{77233D0E-D7CA-4F40-8AED-02F8F56538DA}" srcOrd="2" destOrd="0" parTransId="{E247F5C1-7EDE-4552-B823-AE99DCFEA53F}" sibTransId="{672FB860-4A2A-4333-ABF4-074E811CB4D7}"/>
     <dgm:cxn modelId="{244799AE-D07B-43AB-90A2-8144B0A751D4}" type="presParOf" srcId="{6BDA55FE-3640-4E5B-A26D-3DC30D64269E}" destId="{35EFA47A-893B-431E-A6B3-E405DDA7BD44}" srcOrd="0" destOrd="0" presId="urn:microsoft.com/office/officeart/2005/8/layout/radial6"/>
     <dgm:cxn modelId="{16BC01AE-04C8-4AB4-AC8B-32CD9E16825F}" type="presParOf" srcId="{6BDA55FE-3640-4E5B-A26D-3DC30D64269E}" destId="{74A4C110-C2BC-4D63-A746-8AC384864CDD}" srcOrd="1" destOrd="0" presId="urn:microsoft.com/office/officeart/2005/8/layout/radial6"/>
     <dgm:cxn modelId="{A47737F9-1CF6-4DD3-A85E-028CC0319342}" type="presParOf" srcId="{6BDA55FE-3640-4E5B-A26D-3DC30D64269E}" destId="{782E5AA5-DC0E-4D4A-8C81-E4075C5816F9}" srcOrd="2" destOrd="0" presId="urn:microsoft.com/office/officeart/2005/8/layout/radial6"/>
@@ -5012,6 +5096,13 @@
         </dgm:presLayoutVars>
       </dgm:prSet>
       <dgm:spPr/>
+      <dgm:t>
+        <a:bodyPr/>
+        <a:lstStyle/>
+        <a:p>
+          <a:endParaRPr lang="zh-TW" altLang="en-US"/>
+        </a:p>
+      </dgm:t>
     </dgm:pt>
     <dgm:pt modelId="{6349046E-4329-4753-A3EF-26BD383475BC}" type="pres">
       <dgm:prSet presAssocID="{E7E8188F-3953-4216-98C1-0997DC010C0D}" presName="composite" presStyleCnt="0"/>
@@ -5025,6 +5116,13 @@
         </dgm:presLayoutVars>
       </dgm:prSet>
       <dgm:spPr/>
+      <dgm:t>
+        <a:bodyPr/>
+        <a:lstStyle/>
+        <a:p>
+          <a:endParaRPr lang="zh-TW" altLang="en-US"/>
+        </a:p>
+      </dgm:t>
     </dgm:pt>
     <dgm:pt modelId="{FC0D3199-EEF8-4E1C-91DF-26E7D2CCA694}" type="pres">
       <dgm:prSet presAssocID="{E7E8188F-3953-4216-98C1-0997DC010C0D}" presName="descendantText" presStyleLbl="alignAcc1" presStyleIdx="0" presStyleCnt="3">
@@ -5033,6 +5131,13 @@
         </dgm:presLayoutVars>
       </dgm:prSet>
       <dgm:spPr/>
+      <dgm:t>
+        <a:bodyPr/>
+        <a:lstStyle/>
+        <a:p>
+          <a:endParaRPr lang="zh-TW" altLang="en-US"/>
+        </a:p>
+      </dgm:t>
     </dgm:pt>
     <dgm:pt modelId="{5C50EA4D-C32E-46BC-A346-C741E75A8F93}" type="pres">
       <dgm:prSet presAssocID="{B71304BF-6EDB-4A1B-B48E-DEB732D66552}" presName="sp" presStyleCnt="0"/>
@@ -5050,6 +5155,13 @@
         </dgm:presLayoutVars>
       </dgm:prSet>
       <dgm:spPr/>
+      <dgm:t>
+        <a:bodyPr/>
+        <a:lstStyle/>
+        <a:p>
+          <a:endParaRPr lang="zh-TW" altLang="en-US"/>
+        </a:p>
+      </dgm:t>
     </dgm:pt>
     <dgm:pt modelId="{362859BB-9FAF-426D-9498-6376E39D7692}" type="pres">
       <dgm:prSet presAssocID="{AEE96CDD-38A7-46AE-8A58-F1F44689473F}" presName="descendantText" presStyleLbl="alignAcc1" presStyleIdx="1" presStyleCnt="3">
@@ -5058,6 +5170,13 @@
         </dgm:presLayoutVars>
       </dgm:prSet>
       <dgm:spPr/>
+      <dgm:t>
+        <a:bodyPr/>
+        <a:lstStyle/>
+        <a:p>
+          <a:endParaRPr lang="zh-TW" altLang="en-US"/>
+        </a:p>
+      </dgm:t>
     </dgm:pt>
     <dgm:pt modelId="{72D9539A-33E8-4448-9979-41EEA81B9D10}" type="pres">
       <dgm:prSet presAssocID="{B47A758B-3CE7-418B-91D4-8865B61EEA20}" presName="sp" presStyleCnt="0"/>
@@ -5075,6 +5194,13 @@
         </dgm:presLayoutVars>
       </dgm:prSet>
       <dgm:spPr/>
+      <dgm:t>
+        <a:bodyPr/>
+        <a:lstStyle/>
+        <a:p>
+          <a:endParaRPr lang="zh-TW" altLang="en-US"/>
+        </a:p>
+      </dgm:t>
     </dgm:pt>
     <dgm:pt modelId="{07878322-7332-4445-8673-0B4677FA4A6B}" type="pres">
       <dgm:prSet presAssocID="{D3EDC043-2FD2-43D9-935B-807933B2C6FD}" presName="descendantText" presStyleLbl="alignAcc1" presStyleIdx="2" presStyleCnt="3">
@@ -5083,22 +5209,29 @@
         </dgm:presLayoutVars>
       </dgm:prSet>
       <dgm:spPr/>
+      <dgm:t>
+        <a:bodyPr/>
+        <a:lstStyle/>
+        <a:p>
+          <a:endParaRPr lang="zh-TW" altLang="en-US"/>
+        </a:p>
+      </dgm:t>
     </dgm:pt>
   </dgm:ptLst>
   <dgm:cxnLst>
+    <dgm:cxn modelId="{8EEFFB51-E2EE-4E35-8D8A-9E89BE149365}" srcId="{E7E8188F-3953-4216-98C1-0997DC010C0D}" destId="{91E8E06D-8507-4631-B7DD-9D8048A42926}" srcOrd="0" destOrd="0" parTransId="{89935531-F496-4466-B547-A2CFBB842D73}" sibTransId="{3C31DA0F-181E-4459-B86D-186E19D1D3C8}"/>
+    <dgm:cxn modelId="{1572F0C3-2C8B-485B-8D1C-8AA62A4EDCF2}" srcId="{A2141025-0988-458D-A3A6-CEB8DD98935A}" destId="{AEE96CDD-38A7-46AE-8A58-F1F44689473F}" srcOrd="1" destOrd="0" parTransId="{CDE533BF-2F91-4DF8-A3F9-B2E1B8C364C4}" sibTransId="{B47A758B-3CE7-418B-91D4-8865B61EEA20}"/>
+    <dgm:cxn modelId="{B19C7B8D-DBF6-42FB-A8E1-F88C45742E1B}" srcId="{A2141025-0988-458D-A3A6-CEB8DD98935A}" destId="{D3EDC043-2FD2-43D9-935B-807933B2C6FD}" srcOrd="2" destOrd="0" parTransId="{07FBE609-020A-40BA-9DFE-CD7BAC50915A}" sibTransId="{CF2F9AA2-2C68-4354-89E2-92451EF5472D}"/>
+    <dgm:cxn modelId="{3FE45DD6-F93D-47DC-B978-BB4E62B63372}" type="presOf" srcId="{E7E8188F-3953-4216-98C1-0997DC010C0D}" destId="{1EAC7CFB-4BF9-4886-A6BD-A7AB675CDFBA}" srcOrd="0" destOrd="0" presId="urn:microsoft.com/office/officeart/2005/8/layout/chevron2"/>
+    <dgm:cxn modelId="{974BBE61-31C3-4E29-B628-3DC0952468A5}" type="presOf" srcId="{A2141025-0988-458D-A3A6-CEB8DD98935A}" destId="{363E2725-7904-4421-9533-068CB261E9B9}" srcOrd="0" destOrd="0" presId="urn:microsoft.com/office/officeart/2005/8/layout/chevron2"/>
     <dgm:cxn modelId="{3E87A224-FE5D-4AA8-AF96-B09F1D2EC651}" type="presOf" srcId="{91E8E06D-8507-4631-B7DD-9D8048A42926}" destId="{FC0D3199-EEF8-4E1C-91DF-26E7D2CCA694}" srcOrd="0" destOrd="0" presId="urn:microsoft.com/office/officeart/2005/8/layout/chevron2"/>
-    <dgm:cxn modelId="{974BBE61-31C3-4E29-B628-3DC0952468A5}" type="presOf" srcId="{A2141025-0988-458D-A3A6-CEB8DD98935A}" destId="{363E2725-7904-4421-9533-068CB261E9B9}" srcOrd="0" destOrd="0" presId="urn:microsoft.com/office/officeart/2005/8/layout/chevron2"/>
+    <dgm:cxn modelId="{882EDBC6-45CC-4898-B6E4-228C199830E4}" srcId="{A2141025-0988-458D-A3A6-CEB8DD98935A}" destId="{E7E8188F-3953-4216-98C1-0997DC010C0D}" srcOrd="0" destOrd="0" parTransId="{C6812075-8537-4CF7-915D-BD5F00D1A180}" sibTransId="{B71304BF-6EDB-4A1B-B48E-DEB732D66552}"/>
+    <dgm:cxn modelId="{D1E23176-BB22-478C-A70D-44844C14AB92}" srcId="{AEE96CDD-38A7-46AE-8A58-F1F44689473F}" destId="{BD747C17-56C9-40AC-BB1A-5BBFB0E8102E}" srcOrd="0" destOrd="0" parTransId="{F2D30466-FBF8-4593-8F22-5C31128FDBEF}" sibTransId="{DEE8BF13-D0D7-49C4-B219-BD727132831A}"/>
     <dgm:cxn modelId="{36A44246-EDE4-46E7-BA52-412A0F30C4E2}" type="presOf" srcId="{AEE96CDD-38A7-46AE-8A58-F1F44689473F}" destId="{E2B24A99-C4F0-4E43-900A-91065A189733}" srcOrd="0" destOrd="0" presId="urn:microsoft.com/office/officeart/2005/8/layout/chevron2"/>
-    <dgm:cxn modelId="{8EEFFB51-E2EE-4E35-8D8A-9E89BE149365}" srcId="{E7E8188F-3953-4216-98C1-0997DC010C0D}" destId="{91E8E06D-8507-4631-B7DD-9D8048A42926}" srcOrd="0" destOrd="0" parTransId="{89935531-F496-4466-B547-A2CFBB842D73}" sibTransId="{3C31DA0F-181E-4459-B86D-186E19D1D3C8}"/>
-    <dgm:cxn modelId="{D1E23176-BB22-478C-A70D-44844C14AB92}" srcId="{AEE96CDD-38A7-46AE-8A58-F1F44689473F}" destId="{BD747C17-56C9-40AC-BB1A-5BBFB0E8102E}" srcOrd="0" destOrd="0" parTransId="{F2D30466-FBF8-4593-8F22-5C31128FDBEF}" sibTransId="{DEE8BF13-D0D7-49C4-B219-BD727132831A}"/>
     <dgm:cxn modelId="{CDE61A79-2FFF-4B90-ACD8-0102A60FB9E7}" type="presOf" srcId="{D3EDC043-2FD2-43D9-935B-807933B2C6FD}" destId="{1E6025C0-790E-4361-8477-5ED5735EF21E}" srcOrd="0" destOrd="0" presId="urn:microsoft.com/office/officeart/2005/8/layout/chevron2"/>
+    <dgm:cxn modelId="{A3CC8EA4-2A64-4833-8A36-E6ED815892A1}" type="presOf" srcId="{7A859E0C-3A6D-4367-A068-2266F6984E84}" destId="{07878322-7332-4445-8673-0B4677FA4A6B}" srcOrd="0" destOrd="0" presId="urn:microsoft.com/office/officeart/2005/8/layout/chevron2"/>
     <dgm:cxn modelId="{4908597C-EE21-454A-8DFF-1999F244153D}" srcId="{D3EDC043-2FD2-43D9-935B-807933B2C6FD}" destId="{7A859E0C-3A6D-4367-A068-2266F6984E84}" srcOrd="0" destOrd="0" parTransId="{44946614-CDB5-4FA2-B6E2-78254B6AE96D}" sibTransId="{E71C9E62-BDDB-488A-B11B-09A9487AF92D}"/>
-    <dgm:cxn modelId="{B19C7B8D-DBF6-42FB-A8E1-F88C45742E1B}" srcId="{A2141025-0988-458D-A3A6-CEB8DD98935A}" destId="{D3EDC043-2FD2-43D9-935B-807933B2C6FD}" srcOrd="2" destOrd="0" parTransId="{07FBE609-020A-40BA-9DFE-CD7BAC50915A}" sibTransId="{CF2F9AA2-2C68-4354-89E2-92451EF5472D}"/>
-    <dgm:cxn modelId="{A3CC8EA4-2A64-4833-8A36-E6ED815892A1}" type="presOf" srcId="{7A859E0C-3A6D-4367-A068-2266F6984E84}" destId="{07878322-7332-4445-8673-0B4677FA4A6B}" srcOrd="0" destOrd="0" presId="urn:microsoft.com/office/officeart/2005/8/layout/chevron2"/>
     <dgm:cxn modelId="{ABF286C0-846D-4154-92B0-6CA18908040B}" type="presOf" srcId="{BD747C17-56C9-40AC-BB1A-5BBFB0E8102E}" destId="{362859BB-9FAF-426D-9498-6376E39D7692}" srcOrd="0" destOrd="0" presId="urn:microsoft.com/office/officeart/2005/8/layout/chevron2"/>
-    <dgm:cxn modelId="{1572F0C3-2C8B-485B-8D1C-8AA62A4EDCF2}" srcId="{A2141025-0988-458D-A3A6-CEB8DD98935A}" destId="{AEE96CDD-38A7-46AE-8A58-F1F44689473F}" srcOrd="1" destOrd="0" parTransId="{CDE533BF-2F91-4DF8-A3F9-B2E1B8C364C4}" sibTransId="{B47A758B-3CE7-418B-91D4-8865B61EEA20}"/>
-    <dgm:cxn modelId="{882EDBC6-45CC-4898-B6E4-228C199830E4}" srcId="{A2141025-0988-458D-A3A6-CEB8DD98935A}" destId="{E7E8188F-3953-4216-98C1-0997DC010C0D}" srcOrd="0" destOrd="0" parTransId="{C6812075-8537-4CF7-915D-BD5F00D1A180}" sibTransId="{B71304BF-6EDB-4A1B-B48E-DEB732D66552}"/>
-    <dgm:cxn modelId="{3FE45DD6-F93D-47DC-B978-BB4E62B63372}" type="presOf" srcId="{E7E8188F-3953-4216-98C1-0997DC010C0D}" destId="{1EAC7CFB-4BF9-4886-A6BD-A7AB675CDFBA}" srcOrd="0" destOrd="0" presId="urn:microsoft.com/office/officeart/2005/8/layout/chevron2"/>
     <dgm:cxn modelId="{E27AC0D9-CA3B-4D40-A1E8-E07FF9DFD9D2}" type="presParOf" srcId="{363E2725-7904-4421-9533-068CB261E9B9}" destId="{6349046E-4329-4753-A3EF-26BD383475BC}" srcOrd="0" destOrd="0" presId="urn:microsoft.com/office/officeart/2005/8/layout/chevron2"/>
     <dgm:cxn modelId="{099EF1CC-895C-4BB3-99DC-5DBC467C4240}" type="presParOf" srcId="{6349046E-4329-4753-A3EF-26BD383475BC}" destId="{1EAC7CFB-4BF9-4886-A6BD-A7AB675CDFBA}" srcOrd="0" destOrd="0" presId="urn:microsoft.com/office/officeart/2005/8/layout/chevron2"/>
     <dgm:cxn modelId="{60BB7E8A-A037-4932-AFEF-920DC6470C72}" type="presParOf" srcId="{6349046E-4329-4753-A3EF-26BD383475BC}" destId="{FC0D3199-EEF8-4E1C-91DF-26E7D2CCA694}" srcOrd="1" destOrd="0" presId="urn:microsoft.com/office/officeart/2005/8/layout/chevron2"/>
@@ -5361,10 +5494,24 @@
         </dgm:presLayoutVars>
       </dgm:prSet>
       <dgm:spPr/>
+      <dgm:t>
+        <a:bodyPr/>
+        <a:lstStyle/>
+        <a:p>
+          <a:endParaRPr lang="zh-TW" altLang="en-US"/>
+        </a:p>
+      </dgm:t>
     </dgm:pt>
     <dgm:pt modelId="{21F8C858-12A7-4215-8F95-4E468E6A2E33}" type="pres">
       <dgm:prSet presAssocID="{E6E290E8-89A6-46D1-9895-78323AC6F01E}" presName="centerShape" presStyleLbl="node0" presStyleIdx="0" presStyleCnt="1"/>
       <dgm:spPr/>
+      <dgm:t>
+        <a:bodyPr/>
+        <a:lstStyle/>
+        <a:p>
+          <a:endParaRPr lang="zh-TW" altLang="en-US"/>
+        </a:p>
+      </dgm:t>
     </dgm:pt>
     <dgm:pt modelId="{8B0903E1-364B-45FA-B367-9B0C82D1481B}" type="pres">
       <dgm:prSet presAssocID="{67CF0A5D-48F8-41F6-92ED-62848809BD57}" presName="node" presStyleLbl="node1" presStyleIdx="0" presStyleCnt="5">
@@ -5373,6 +5520,13 @@
         </dgm:presLayoutVars>
       </dgm:prSet>
       <dgm:spPr/>
+      <dgm:t>
+        <a:bodyPr/>
+        <a:lstStyle/>
+        <a:p>
+          <a:endParaRPr lang="zh-TW" altLang="en-US"/>
+        </a:p>
+      </dgm:t>
     </dgm:pt>
     <dgm:pt modelId="{BAFA24B1-5554-48FF-8BC0-8F40AD5EF468}" type="pres">
       <dgm:prSet presAssocID="{67CF0A5D-48F8-41F6-92ED-62848809BD57}" presName="dummy" presStyleCnt="0"/>
@@ -5381,6 +5535,13 @@
     <dgm:pt modelId="{1795ED59-8334-40E3-842B-1622F64DF518}" type="pres">
       <dgm:prSet presAssocID="{7A4B3CCE-D006-4CD2-9130-A515EFF9900A}" presName="sibTrans" presStyleLbl="sibTrans2D1" presStyleIdx="0" presStyleCnt="5"/>
       <dgm:spPr/>
+      <dgm:t>
+        <a:bodyPr/>
+        <a:lstStyle/>
+        <a:p>
+          <a:endParaRPr lang="zh-TW" altLang="en-US"/>
+        </a:p>
+      </dgm:t>
     </dgm:pt>
     <dgm:pt modelId="{B9B207D2-1182-4849-802D-F2F57B9F576F}" type="pres">
       <dgm:prSet presAssocID="{D67F82EC-94E5-4848-B6AB-D06AAD4BFF87}" presName="node" presStyleLbl="node1" presStyleIdx="1" presStyleCnt="5">
@@ -5389,6 +5550,13 @@
         </dgm:presLayoutVars>
       </dgm:prSet>
       <dgm:spPr/>
+      <dgm:t>
+        <a:bodyPr/>
+        <a:lstStyle/>
+        <a:p>
+          <a:endParaRPr lang="zh-TW" altLang="en-US"/>
+        </a:p>
+      </dgm:t>
     </dgm:pt>
     <dgm:pt modelId="{FADF835B-39C9-405F-B8F3-F760863CDEF7}" type="pres">
       <dgm:prSet presAssocID="{D67F82EC-94E5-4848-B6AB-D06AAD4BFF87}" presName="dummy" presStyleCnt="0"/>
@@ -5397,6 +5565,13 @@
     <dgm:pt modelId="{547CCDB2-D7AA-4E40-92BD-1ECC725F1E2A}" type="pres">
       <dgm:prSet presAssocID="{C7F280FD-BEF3-46AB-A005-E3E6E31A2E42}" presName="sibTrans" presStyleLbl="sibTrans2D1" presStyleIdx="1" presStyleCnt="5"/>
       <dgm:spPr/>
+      <dgm:t>
+        <a:bodyPr/>
+        <a:lstStyle/>
+        <a:p>
+          <a:endParaRPr lang="zh-TW" altLang="en-US"/>
+        </a:p>
+      </dgm:t>
     </dgm:pt>
     <dgm:pt modelId="{7DB356E5-1A66-4574-A62B-8D2A43594B62}" type="pres">
       <dgm:prSet presAssocID="{92974FCC-1D52-431B-BFC5-D84552290C31}" presName="node" presStyleLbl="node1" presStyleIdx="2" presStyleCnt="5">
@@ -5405,6 +5580,13 @@
         </dgm:presLayoutVars>
       </dgm:prSet>
       <dgm:spPr/>
+      <dgm:t>
+        <a:bodyPr/>
+        <a:lstStyle/>
+        <a:p>
+          <a:endParaRPr lang="zh-TW" altLang="en-US"/>
+        </a:p>
+      </dgm:t>
     </dgm:pt>
     <dgm:pt modelId="{42E59413-A7B1-4E8B-8AF0-498BA5344F34}" type="pres">
       <dgm:prSet presAssocID="{92974FCC-1D52-431B-BFC5-D84552290C31}" presName="dummy" presStyleCnt="0"/>
@@ -5413,6 +5595,13 @@
     <dgm:pt modelId="{F01C5140-5A68-4FB9-BCF0-A7851D2C186A}" type="pres">
       <dgm:prSet presAssocID="{40FB43BA-B05B-4506-B996-A19E7D57C193}" presName="sibTrans" presStyleLbl="sibTrans2D1" presStyleIdx="2" presStyleCnt="5"/>
       <dgm:spPr/>
+      <dgm:t>
+        <a:bodyPr/>
+        <a:lstStyle/>
+        <a:p>
+          <a:endParaRPr lang="zh-TW" altLang="en-US"/>
+        </a:p>
+      </dgm:t>
     </dgm:pt>
     <dgm:pt modelId="{56217ED4-0EAC-4523-8FE1-4804E8A055B8}" type="pres">
       <dgm:prSet presAssocID="{1919956A-4514-4CDF-BD8D-68490A97AC7A}" presName="node" presStyleLbl="node1" presStyleIdx="3" presStyleCnt="5">
@@ -5421,6 +5610,13 @@
         </dgm:presLayoutVars>
       </dgm:prSet>
       <dgm:spPr/>
+      <dgm:t>
+        <a:bodyPr/>
+        <a:lstStyle/>
+        <a:p>
+          <a:endParaRPr lang="zh-TW" altLang="en-US"/>
+        </a:p>
+      </dgm:t>
     </dgm:pt>
     <dgm:pt modelId="{5C11A2DC-5192-4E94-A0C9-C93FD00E15EC}" type="pres">
       <dgm:prSet presAssocID="{1919956A-4514-4CDF-BD8D-68490A97AC7A}" presName="dummy" presStyleCnt="0"/>
@@ -5429,6 +5625,13 @@
     <dgm:pt modelId="{05913E64-3F4C-4BA8-BBBC-66C019458ECA}" type="pres">
       <dgm:prSet presAssocID="{326CB937-650A-4E26-B935-5903C8F7FCD3}" presName="sibTrans" presStyleLbl="sibTrans2D1" presStyleIdx="3" presStyleCnt="5"/>
       <dgm:spPr/>
+      <dgm:t>
+        <a:bodyPr/>
+        <a:lstStyle/>
+        <a:p>
+          <a:endParaRPr lang="zh-TW" altLang="en-US"/>
+        </a:p>
+      </dgm:t>
     </dgm:pt>
     <dgm:pt modelId="{793F2270-DB10-47A8-A610-6069DF0F802E}" type="pres">
       <dgm:prSet presAssocID="{CD9D5C8D-8582-41DB-A508-62129F94D360}" presName="node" presStyleLbl="node1" presStyleIdx="4" presStyleCnt="5">
@@ -5437,6 +5640,13 @@
         </dgm:presLayoutVars>
       </dgm:prSet>
       <dgm:spPr/>
+      <dgm:t>
+        <a:bodyPr/>
+        <a:lstStyle/>
+        <a:p>
+          <a:endParaRPr lang="zh-TW" altLang="en-US"/>
+        </a:p>
+      </dgm:t>
     </dgm:pt>
     <dgm:pt modelId="{F80DD180-32E7-4BE3-AA87-7A34879F0F38}" type="pres">
       <dgm:prSet presAssocID="{CD9D5C8D-8582-41DB-A508-62129F94D360}" presName="dummy" presStyleCnt="0"/>
@@ -5445,27 +5655,34 @@
     <dgm:pt modelId="{5D11BE6C-B544-4719-B57F-6CEEC88E7425}" type="pres">
       <dgm:prSet presAssocID="{46CC3F75-11A5-48CF-9F53-F3FCB6ABF4AE}" presName="sibTrans" presStyleLbl="sibTrans2D1" presStyleIdx="4" presStyleCnt="5"/>
       <dgm:spPr/>
+      <dgm:t>
+        <a:bodyPr/>
+        <a:lstStyle/>
+        <a:p>
+          <a:endParaRPr lang="zh-TW" altLang="en-US"/>
+        </a:p>
+      </dgm:t>
     </dgm:pt>
   </dgm:ptLst>
   <dgm:cxnLst>
-    <dgm:cxn modelId="{F0930405-5666-4DAE-BCA4-4C48B9DBFA9B}" srcId="{E6E290E8-89A6-46D1-9895-78323AC6F01E}" destId="{D67F82EC-94E5-4848-B6AB-D06AAD4BFF87}" srcOrd="1" destOrd="0" parTransId="{64512A33-96CE-4A1E-BC0C-2DBE56A53264}" sibTransId="{C7F280FD-BEF3-46AB-A005-E3E6E31A2E42}"/>
-    <dgm:cxn modelId="{D82D1A07-A89C-4965-BD36-05A839A2926E}" type="presOf" srcId="{326CB937-650A-4E26-B935-5903C8F7FCD3}" destId="{05913E64-3F4C-4BA8-BBBC-66C019458ECA}" srcOrd="0" destOrd="0" presId="urn:microsoft.com/office/officeart/2005/8/layout/radial6"/>
-    <dgm:cxn modelId="{F625F81C-F733-480E-92DA-63363CCCD488}" srcId="{E6E290E8-89A6-46D1-9895-78323AC6F01E}" destId="{92974FCC-1D52-431B-BFC5-D84552290C31}" srcOrd="2" destOrd="0" parTransId="{A96F265C-D4E4-4DF5-9926-5E88C6EE27F1}" sibTransId="{40FB43BA-B05B-4506-B996-A19E7D57C193}"/>
-    <dgm:cxn modelId="{A364022D-97AF-47BE-9235-F214CD40F2BF}" type="presOf" srcId="{67CF0A5D-48F8-41F6-92ED-62848809BD57}" destId="{8B0903E1-364B-45FA-B367-9B0C82D1481B}" srcOrd="0" destOrd="0" presId="urn:microsoft.com/office/officeart/2005/8/layout/radial6"/>
-    <dgm:cxn modelId="{0594E43E-ADE4-469C-82EE-AD59CBFFF32A}" srcId="{535D417C-4560-4515-B98B-AAD010043E4B}" destId="{E6E290E8-89A6-46D1-9895-78323AC6F01E}" srcOrd="0" destOrd="0" parTransId="{611E7EA1-E1F9-4060-996A-B7B2C8FF632A}" sibTransId="{A768288D-B393-4940-91CF-2D6293DB00ED}"/>
+    <dgm:cxn modelId="{FF443E87-16E6-4870-AB6F-7E52A6FDCBE4}" type="presOf" srcId="{CD9D5C8D-8582-41DB-A508-62129F94D360}" destId="{793F2270-DB10-47A8-A610-6069DF0F802E}" srcOrd="0" destOrd="0" presId="urn:microsoft.com/office/officeart/2005/8/layout/radial6"/>
+    <dgm:cxn modelId="{F3EFF7C7-2A70-4B25-AB7D-C0737E05764F}" type="presOf" srcId="{7A4B3CCE-D006-4CD2-9130-A515EFF9900A}" destId="{1795ED59-8334-40E3-842B-1622F64DF518}" srcOrd="0" destOrd="0" presId="urn:microsoft.com/office/officeart/2005/8/layout/radial6"/>
+    <dgm:cxn modelId="{4C42EA85-7708-42D1-8AB4-BC406A532D7D}" type="presOf" srcId="{1919956A-4514-4CDF-BD8D-68490A97AC7A}" destId="{56217ED4-0EAC-4523-8FE1-4804E8A055B8}" srcOrd="0" destOrd="0" presId="urn:microsoft.com/office/officeart/2005/8/layout/radial6"/>
+    <dgm:cxn modelId="{78E9977F-AE60-4624-8979-F55D2223531B}" type="presOf" srcId="{92974FCC-1D52-431B-BFC5-D84552290C31}" destId="{7DB356E5-1A66-4574-A62B-8D2A43594B62}" srcOrd="0" destOrd="0" presId="urn:microsoft.com/office/officeart/2005/8/layout/radial6"/>
+    <dgm:cxn modelId="{44F4C599-8E16-4AE7-89DC-EDA915A9DF2A}" type="presOf" srcId="{535D417C-4560-4515-B98B-AAD010043E4B}" destId="{CDE1D7EE-9B72-4DBC-B865-F5428B77844D}" srcOrd="0" destOrd="0" presId="urn:microsoft.com/office/officeart/2005/8/layout/radial6"/>
     <dgm:cxn modelId="{E5DDE660-0242-4F51-99B5-48C25909711C}" srcId="{E6E290E8-89A6-46D1-9895-78323AC6F01E}" destId="{1919956A-4514-4CDF-BD8D-68490A97AC7A}" srcOrd="3" destOrd="0" parTransId="{672B14A4-1CF4-473E-9F83-7A39920C70A4}" sibTransId="{326CB937-650A-4E26-B935-5903C8F7FCD3}"/>
+    <dgm:cxn modelId="{156310AB-F1F4-4B6B-AA0B-8A5DDE4E159E}" srcId="{E6E290E8-89A6-46D1-9895-78323AC6F01E}" destId="{CD9D5C8D-8582-41DB-A508-62129F94D360}" srcOrd="4" destOrd="0" parTransId="{4BCC7C9E-A73B-4965-B4B2-C92D22794739}" sibTransId="{46CC3F75-11A5-48CF-9F53-F3FCB6ABF4AE}"/>
+    <dgm:cxn modelId="{A9E233E5-E262-447C-9567-5AA95BDE4882}" type="presOf" srcId="{D67F82EC-94E5-4848-B6AB-D06AAD4BFF87}" destId="{B9B207D2-1182-4849-802D-F2F57B9F576F}" srcOrd="0" destOrd="0" presId="urn:microsoft.com/office/officeart/2005/8/layout/radial6"/>
+    <dgm:cxn modelId="{AD91988F-B8AC-444D-A470-2D3250268811}" type="presOf" srcId="{40FB43BA-B05B-4506-B996-A19E7D57C193}" destId="{F01C5140-5A68-4FB9-BCF0-A7851D2C186A}" srcOrd="0" destOrd="0" presId="urn:microsoft.com/office/officeart/2005/8/layout/radial6"/>
     <dgm:cxn modelId="{32903C61-5377-4659-8D8E-DF92FC06E3E0}" srcId="{E6E290E8-89A6-46D1-9895-78323AC6F01E}" destId="{67CF0A5D-48F8-41F6-92ED-62848809BD57}" srcOrd="0" destOrd="0" parTransId="{6AC9BD17-5BE5-4BFF-9BF9-CDE5FCB54CCE}" sibTransId="{7A4B3CCE-D006-4CD2-9130-A515EFF9900A}"/>
     <dgm:cxn modelId="{9BB76E42-7E55-4615-A4E5-475DB628BD10}" type="presOf" srcId="{C7F280FD-BEF3-46AB-A005-E3E6E31A2E42}" destId="{547CCDB2-D7AA-4E40-92BD-1ECC725F1E2A}" srcOrd="0" destOrd="0" presId="urn:microsoft.com/office/officeart/2005/8/layout/radial6"/>
-    <dgm:cxn modelId="{78E9977F-AE60-4624-8979-F55D2223531B}" type="presOf" srcId="{92974FCC-1D52-431B-BFC5-D84552290C31}" destId="{7DB356E5-1A66-4574-A62B-8D2A43594B62}" srcOrd="0" destOrd="0" presId="urn:microsoft.com/office/officeart/2005/8/layout/radial6"/>
-    <dgm:cxn modelId="{4C42EA85-7708-42D1-8AB4-BC406A532D7D}" type="presOf" srcId="{1919956A-4514-4CDF-BD8D-68490A97AC7A}" destId="{56217ED4-0EAC-4523-8FE1-4804E8A055B8}" srcOrd="0" destOrd="0" presId="urn:microsoft.com/office/officeart/2005/8/layout/radial6"/>
-    <dgm:cxn modelId="{FF443E87-16E6-4870-AB6F-7E52A6FDCBE4}" type="presOf" srcId="{CD9D5C8D-8582-41DB-A508-62129F94D360}" destId="{793F2270-DB10-47A8-A610-6069DF0F802E}" srcOrd="0" destOrd="0" presId="urn:microsoft.com/office/officeart/2005/8/layout/radial6"/>
-    <dgm:cxn modelId="{AD91988F-B8AC-444D-A470-2D3250268811}" type="presOf" srcId="{40FB43BA-B05B-4506-B996-A19E7D57C193}" destId="{F01C5140-5A68-4FB9-BCF0-A7851D2C186A}" srcOrd="0" destOrd="0" presId="urn:microsoft.com/office/officeart/2005/8/layout/radial6"/>
+    <dgm:cxn modelId="{0594E43E-ADE4-469C-82EE-AD59CBFFF32A}" srcId="{535D417C-4560-4515-B98B-AAD010043E4B}" destId="{E6E290E8-89A6-46D1-9895-78323AC6F01E}" srcOrd="0" destOrd="0" parTransId="{611E7EA1-E1F9-4060-996A-B7B2C8FF632A}" sibTransId="{A768288D-B393-4940-91CF-2D6293DB00ED}"/>
+    <dgm:cxn modelId="{F625F81C-F733-480E-92DA-63363CCCD488}" srcId="{E6E290E8-89A6-46D1-9895-78323AC6F01E}" destId="{92974FCC-1D52-431B-BFC5-D84552290C31}" srcOrd="2" destOrd="0" parTransId="{A96F265C-D4E4-4DF5-9926-5E88C6EE27F1}" sibTransId="{40FB43BA-B05B-4506-B996-A19E7D57C193}"/>
     <dgm:cxn modelId="{B6D92B98-6DF7-47A6-B40C-B024417FA7FD}" type="presOf" srcId="{46CC3F75-11A5-48CF-9F53-F3FCB6ABF4AE}" destId="{5D11BE6C-B544-4719-B57F-6CEEC88E7425}" srcOrd="0" destOrd="0" presId="urn:microsoft.com/office/officeart/2005/8/layout/radial6"/>
-    <dgm:cxn modelId="{44F4C599-8E16-4AE7-89DC-EDA915A9DF2A}" type="presOf" srcId="{535D417C-4560-4515-B98B-AAD010043E4B}" destId="{CDE1D7EE-9B72-4DBC-B865-F5428B77844D}" srcOrd="0" destOrd="0" presId="urn:microsoft.com/office/officeart/2005/8/layout/radial6"/>
-    <dgm:cxn modelId="{156310AB-F1F4-4B6B-AA0B-8A5DDE4E159E}" srcId="{E6E290E8-89A6-46D1-9895-78323AC6F01E}" destId="{CD9D5C8D-8582-41DB-A508-62129F94D360}" srcOrd="4" destOrd="0" parTransId="{4BCC7C9E-A73B-4965-B4B2-C92D22794739}" sibTransId="{46CC3F75-11A5-48CF-9F53-F3FCB6ABF4AE}"/>
     <dgm:cxn modelId="{BD9B55C5-3480-4F3A-97C6-BFABABC2E63F}" type="presOf" srcId="{E6E290E8-89A6-46D1-9895-78323AC6F01E}" destId="{21F8C858-12A7-4215-8F95-4E468E6A2E33}" srcOrd="0" destOrd="0" presId="urn:microsoft.com/office/officeart/2005/8/layout/radial6"/>
-    <dgm:cxn modelId="{F3EFF7C7-2A70-4B25-AB7D-C0737E05764F}" type="presOf" srcId="{7A4B3CCE-D006-4CD2-9130-A515EFF9900A}" destId="{1795ED59-8334-40E3-842B-1622F64DF518}" srcOrd="0" destOrd="0" presId="urn:microsoft.com/office/officeart/2005/8/layout/radial6"/>
-    <dgm:cxn modelId="{A9E233E5-E262-447C-9567-5AA95BDE4882}" type="presOf" srcId="{D67F82EC-94E5-4848-B6AB-D06AAD4BFF87}" destId="{B9B207D2-1182-4849-802D-F2F57B9F576F}" srcOrd="0" destOrd="0" presId="urn:microsoft.com/office/officeart/2005/8/layout/radial6"/>
+    <dgm:cxn modelId="{A364022D-97AF-47BE-9235-F214CD40F2BF}" type="presOf" srcId="{67CF0A5D-48F8-41F6-92ED-62848809BD57}" destId="{8B0903E1-364B-45FA-B367-9B0C82D1481B}" srcOrd="0" destOrd="0" presId="urn:microsoft.com/office/officeart/2005/8/layout/radial6"/>
+    <dgm:cxn modelId="{D82D1A07-A89C-4965-BD36-05A839A2926E}" type="presOf" srcId="{326CB937-650A-4E26-B935-5903C8F7FCD3}" destId="{05913E64-3F4C-4BA8-BBBC-66C019458ECA}" srcOrd="0" destOrd="0" presId="urn:microsoft.com/office/officeart/2005/8/layout/radial6"/>
+    <dgm:cxn modelId="{F0930405-5666-4DAE-BCA4-4C48B9DBFA9B}" srcId="{E6E290E8-89A6-46D1-9895-78323AC6F01E}" destId="{D67F82EC-94E5-4848-B6AB-D06AAD4BFF87}" srcOrd="1" destOrd="0" parTransId="{64512A33-96CE-4A1E-BC0C-2DBE56A53264}" sibTransId="{C7F280FD-BEF3-46AB-A005-E3E6E31A2E42}"/>
     <dgm:cxn modelId="{4912C89E-FEAB-44A3-80FF-D97C71CC9E23}" type="presParOf" srcId="{CDE1D7EE-9B72-4DBC-B865-F5428B77844D}" destId="{21F8C858-12A7-4215-8F95-4E468E6A2E33}" srcOrd="0" destOrd="0" presId="urn:microsoft.com/office/officeart/2005/8/layout/radial6"/>
     <dgm:cxn modelId="{9B4752CB-89C7-4AE9-8007-8BB6605CE8A8}" type="presParOf" srcId="{CDE1D7EE-9B72-4DBC-B865-F5428B77844D}" destId="{8B0903E1-364B-45FA-B367-9B0C82D1481B}" srcOrd="1" destOrd="0" presId="urn:microsoft.com/office/officeart/2005/8/layout/radial6"/>
     <dgm:cxn modelId="{64A17B75-C29C-4F81-A78D-32F069A5116E}" type="presParOf" srcId="{CDE1D7EE-9B72-4DBC-B865-F5428B77844D}" destId="{BAFA24B1-5554-48FF-8BC0-8F40AD5EF468}" srcOrd="2" destOrd="0" presId="urn:microsoft.com/office/officeart/2005/8/layout/radial6"/>
@@ -6000,6 +6217,13 @@
         </dgm:presLayoutVars>
       </dgm:prSet>
       <dgm:spPr/>
+      <dgm:t>
+        <a:bodyPr/>
+        <a:lstStyle/>
+        <a:p>
+          <a:endParaRPr lang="zh-TW" altLang="en-US"/>
+        </a:p>
+      </dgm:t>
     </dgm:pt>
     <dgm:pt modelId="{B754DEDA-A3C3-462B-9ED1-4349CDF2F8DD}" type="pres">
       <dgm:prSet presAssocID="{7961290A-3446-45D4-8E15-76E088580B47}" presName="linNode" presStyleCnt="0"/>
@@ -6013,6 +6237,13 @@
         </dgm:presLayoutVars>
       </dgm:prSet>
       <dgm:spPr/>
+      <dgm:t>
+        <a:bodyPr/>
+        <a:lstStyle/>
+        <a:p>
+          <a:endParaRPr lang="zh-TW" altLang="en-US"/>
+        </a:p>
+      </dgm:t>
     </dgm:pt>
     <dgm:pt modelId="{3CB2CC21-1E10-4E4D-BCA5-BA8A39F9690C}" type="pres">
       <dgm:prSet presAssocID="{7961290A-3446-45D4-8E15-76E088580B47}" presName="descendantText" presStyleLbl="alignAccFollowNode1" presStyleIdx="0" presStyleCnt="6">
@@ -6021,6 +6252,13 @@
         </dgm:presLayoutVars>
       </dgm:prSet>
       <dgm:spPr/>
+      <dgm:t>
+        <a:bodyPr/>
+        <a:lstStyle/>
+        <a:p>
+          <a:endParaRPr lang="zh-TW" altLang="en-US"/>
+        </a:p>
+      </dgm:t>
     </dgm:pt>
     <dgm:pt modelId="{22D388DB-CCC8-4C35-833C-A13E8D1FCFEB}" type="pres">
       <dgm:prSet presAssocID="{E28DC77C-6EB3-4127-A385-65B88CDBDF7A}" presName="sp" presStyleCnt="0"/>
@@ -6038,6 +6276,13 @@
         </dgm:presLayoutVars>
       </dgm:prSet>
       <dgm:spPr/>
+      <dgm:t>
+        <a:bodyPr/>
+        <a:lstStyle/>
+        <a:p>
+          <a:endParaRPr lang="zh-TW" altLang="en-US"/>
+        </a:p>
+      </dgm:t>
     </dgm:pt>
     <dgm:pt modelId="{FFB0101F-CB71-48F7-BAA5-9853C90D334E}" type="pres">
       <dgm:prSet presAssocID="{21F20222-107B-4DCC-9179-807B243E0E9E}" presName="descendantText" presStyleLbl="alignAccFollowNode1" presStyleIdx="1" presStyleCnt="6">
@@ -6046,6 +6291,13 @@
         </dgm:presLayoutVars>
       </dgm:prSet>
       <dgm:spPr/>
+      <dgm:t>
+        <a:bodyPr/>
+        <a:lstStyle/>
+        <a:p>
+          <a:endParaRPr lang="zh-TW" altLang="en-US"/>
+        </a:p>
+      </dgm:t>
     </dgm:pt>
     <dgm:pt modelId="{AD2C0EFD-0EF4-4A0C-B92F-17C44F43CB16}" type="pres">
       <dgm:prSet presAssocID="{66EA9683-BF75-43AA-A967-526EC9CA15EE}" presName="sp" presStyleCnt="0"/>
@@ -6063,6 +6315,13 @@
         </dgm:presLayoutVars>
       </dgm:prSet>
       <dgm:spPr/>
+      <dgm:t>
+        <a:bodyPr/>
+        <a:lstStyle/>
+        <a:p>
+          <a:endParaRPr lang="zh-TW" altLang="en-US"/>
+        </a:p>
+      </dgm:t>
     </dgm:pt>
     <dgm:pt modelId="{DCDF33FF-A757-4006-B1E4-D442A61F9D61}" type="pres">
       <dgm:prSet presAssocID="{F4947B06-C4F0-4807-9EDD-3E46D55594D3}" presName="descendantText" presStyleLbl="alignAccFollowNode1" presStyleIdx="2" presStyleCnt="6">
@@ -6071,6 +6330,13 @@
         </dgm:presLayoutVars>
       </dgm:prSet>
       <dgm:spPr/>
+      <dgm:t>
+        <a:bodyPr/>
+        <a:lstStyle/>
+        <a:p>
+          <a:endParaRPr lang="zh-TW" altLang="en-US"/>
+        </a:p>
+      </dgm:t>
     </dgm:pt>
     <dgm:pt modelId="{87BFF0B1-66DB-42D3-8414-8DE483E7FDD3}" type="pres">
       <dgm:prSet presAssocID="{6BABE820-F0D3-4C3C-9FB7-102DDDFF046C}" presName="sp" presStyleCnt="0"/>
@@ -6088,6 +6354,13 @@
         </dgm:presLayoutVars>
       </dgm:prSet>
       <dgm:spPr/>
+      <dgm:t>
+        <a:bodyPr/>
+        <a:lstStyle/>
+        <a:p>
+          <a:endParaRPr lang="zh-TW" altLang="en-US"/>
+        </a:p>
+      </dgm:t>
     </dgm:pt>
     <dgm:pt modelId="{7E02BC09-E7DE-4C81-B2B7-31AE4E8D7844}" type="pres">
       <dgm:prSet presAssocID="{D96DD8B0-90FD-4ACA-80FA-6AA38B37F8FD}" presName="descendantText" presStyleLbl="alignAccFollowNode1" presStyleIdx="3" presStyleCnt="6">
@@ -6096,6 +6369,13 @@
         </dgm:presLayoutVars>
       </dgm:prSet>
       <dgm:spPr/>
+      <dgm:t>
+        <a:bodyPr/>
+        <a:lstStyle/>
+        <a:p>
+          <a:endParaRPr lang="zh-TW" altLang="en-US"/>
+        </a:p>
+      </dgm:t>
     </dgm:pt>
     <dgm:pt modelId="{411682F1-B634-4D19-95B9-F8EC70588B08}" type="pres">
       <dgm:prSet presAssocID="{80597B4D-304D-485F-83FE-6C3494813ECC}" presName="sp" presStyleCnt="0"/>
@@ -6113,6 +6393,13 @@
         </dgm:presLayoutVars>
       </dgm:prSet>
       <dgm:spPr/>
+      <dgm:t>
+        <a:bodyPr/>
+        <a:lstStyle/>
+        <a:p>
+          <a:endParaRPr lang="zh-TW" altLang="en-US"/>
+        </a:p>
+      </dgm:t>
     </dgm:pt>
     <dgm:pt modelId="{BED49150-105D-4C93-A7D7-8BF4FD4D4E11}" type="pres">
       <dgm:prSet presAssocID="{12AEC32A-C69A-465F-8F9B-3C43E162DCF9}" presName="descendantText" presStyleLbl="alignAccFollowNode1" presStyleIdx="4" presStyleCnt="6">
@@ -6121,6 +6408,13 @@
         </dgm:presLayoutVars>
       </dgm:prSet>
       <dgm:spPr/>
+      <dgm:t>
+        <a:bodyPr/>
+        <a:lstStyle/>
+        <a:p>
+          <a:endParaRPr lang="zh-TW" altLang="en-US"/>
+        </a:p>
+      </dgm:t>
     </dgm:pt>
     <dgm:pt modelId="{A67307D8-72C5-4A9B-B681-B4703D6D00F4}" type="pres">
       <dgm:prSet presAssocID="{81F068BE-46C6-4DEE-879C-C9E302EECD00}" presName="sp" presStyleCnt="0"/>
@@ -6138,6 +6432,13 @@
         </dgm:presLayoutVars>
       </dgm:prSet>
       <dgm:spPr/>
+      <dgm:t>
+        <a:bodyPr/>
+        <a:lstStyle/>
+        <a:p>
+          <a:endParaRPr lang="zh-TW" altLang="en-US"/>
+        </a:p>
+      </dgm:t>
     </dgm:pt>
     <dgm:pt modelId="{EBC15B12-E02E-41DA-8B1B-252B92ABCA6D}" type="pres">
       <dgm:prSet presAssocID="{FFC668DC-7F87-476F-926B-817C7DD61756}" presName="descendantText" presStyleLbl="alignAccFollowNode1" presStyleIdx="5" presStyleCnt="6">
@@ -6146,34 +6447,41 @@
         </dgm:presLayoutVars>
       </dgm:prSet>
       <dgm:spPr/>
+      <dgm:t>
+        <a:bodyPr/>
+        <a:lstStyle/>
+        <a:p>
+          <a:endParaRPr lang="zh-TW" altLang="en-US"/>
+        </a:p>
+      </dgm:t>
     </dgm:pt>
   </dgm:ptLst>
   <dgm:cxnLst>
-    <dgm:cxn modelId="{FC4E6E04-8DC1-4879-82A4-68AD99BD0DC8}" type="presOf" srcId="{D96DD8B0-90FD-4ACA-80FA-6AA38B37F8FD}" destId="{8C45FCAB-CFF8-44FC-98F0-5F16A64B3C87}" srcOrd="0" destOrd="0" presId="urn:microsoft.com/office/officeart/2005/8/layout/vList5"/>
-    <dgm:cxn modelId="{ECB0A104-FF58-4964-84CB-B11DC1B9244E}" type="presOf" srcId="{7961290A-3446-45D4-8E15-76E088580B47}" destId="{444F90B7-F123-4D48-A5E2-EB7DD6EB58CE}" srcOrd="0" destOrd="0" presId="urn:microsoft.com/office/officeart/2005/8/layout/vList5"/>
-    <dgm:cxn modelId="{AF2F8B15-BB71-4380-A657-61E25FE7E7FF}" srcId="{D57D9E95-9FE3-4E2C-BD3A-8C63BF4F41E9}" destId="{12AEC32A-C69A-465F-8F9B-3C43E162DCF9}" srcOrd="4" destOrd="0" parTransId="{8204DD5D-560A-4694-83E0-6B307415AD22}" sibTransId="{81F068BE-46C6-4DEE-879C-C9E302EECD00}"/>
-    <dgm:cxn modelId="{730EDB2C-CCF2-489A-84AA-2C905D84336D}" type="presOf" srcId="{D57D9E95-9FE3-4E2C-BD3A-8C63BF4F41E9}" destId="{3AA0F398-1C61-4165-9277-7B4636B2DC58}" srcOrd="0" destOrd="0" presId="urn:microsoft.com/office/officeart/2005/8/layout/vList5"/>
-    <dgm:cxn modelId="{238ABE39-45E1-4609-A797-945AD17C9F8C}" type="presOf" srcId="{506973A6-CAE2-49CD-98A8-7132322F6660}" destId="{DCDF33FF-A757-4006-B1E4-D442A61F9D61}" srcOrd="0" destOrd="0" presId="urn:microsoft.com/office/officeart/2005/8/layout/vList5"/>
-    <dgm:cxn modelId="{B62C9744-DBD0-4955-B76C-A2989397D75E}" srcId="{21F20222-107B-4DCC-9179-807B243E0E9E}" destId="{EFBE5609-56F4-4DBD-8174-C8EEF0D86EEB}" srcOrd="0" destOrd="0" parTransId="{A539131A-7B8D-4C6A-BE03-7229AEABE8F4}" sibTransId="{810F3A92-E5DA-40A6-B478-DAC387EB77C5}"/>
-    <dgm:cxn modelId="{38B7A464-9BCA-4B54-B577-887008C8E100}" srcId="{D57D9E95-9FE3-4E2C-BD3A-8C63BF4F41E9}" destId="{FFC668DC-7F87-476F-926B-817C7DD61756}" srcOrd="5" destOrd="0" parTransId="{BE474155-6CA5-415E-B46D-8977EE61DF20}" sibTransId="{C4AF285C-4078-445A-8E8B-8C16E3BDDB0E}"/>
-    <dgm:cxn modelId="{48A7724C-E916-4B8E-A5BD-C7E035AAD6A0}" type="presOf" srcId="{EFBE5609-56F4-4DBD-8174-C8EEF0D86EEB}" destId="{FFB0101F-CB71-48F7-BAA5-9853C90D334E}" srcOrd="0" destOrd="0" presId="urn:microsoft.com/office/officeart/2005/8/layout/vList5"/>
     <dgm:cxn modelId="{21097276-A34B-4E8B-9150-884BCDAF0929}" type="presOf" srcId="{21F20222-107B-4DCC-9179-807B243E0E9E}" destId="{10CACD5B-A4AA-46C9-86C8-9890039F25B4}" srcOrd="0" destOrd="0" presId="urn:microsoft.com/office/officeart/2005/8/layout/vList5"/>
-    <dgm:cxn modelId="{3A8FA476-7BC3-4968-BB6B-6F0C5BD1B3D2}" srcId="{D57D9E95-9FE3-4E2C-BD3A-8C63BF4F41E9}" destId="{21F20222-107B-4DCC-9179-807B243E0E9E}" srcOrd="1" destOrd="0" parTransId="{41004220-0D74-4A65-96F5-96840D904982}" sibTransId="{66EA9683-BF75-43AA-A967-526EC9CA15EE}"/>
-    <dgm:cxn modelId="{D9707685-BE3D-40DE-B562-1F2F81286639}" srcId="{D57D9E95-9FE3-4E2C-BD3A-8C63BF4F41E9}" destId="{7961290A-3446-45D4-8E15-76E088580B47}" srcOrd="0" destOrd="0" parTransId="{EAFADAD5-F43D-4764-99F6-A27C07587DE3}" sibTransId="{E28DC77C-6EB3-4127-A385-65B88CDBDF7A}"/>
-    <dgm:cxn modelId="{23BC2886-7F77-4804-A453-F5BE39A7E8E3}" srcId="{12AEC32A-C69A-465F-8F9B-3C43E162DCF9}" destId="{10955723-D5EF-40A3-8A6A-8FC993B4416A}" srcOrd="0" destOrd="0" parTransId="{B4B5D9EB-8845-4D29-B84F-33465A8D6E79}" sibTransId="{174EAB92-F9C2-4F45-BBD7-5130985EB490}"/>
-    <dgm:cxn modelId="{65934BA1-F7B7-4E37-9C0D-DCC6DD2D8701}" srcId="{F4947B06-C4F0-4807-9EDD-3E46D55594D3}" destId="{506973A6-CAE2-49CD-98A8-7132322F6660}" srcOrd="0" destOrd="0" parTransId="{F792F7FB-13E3-48C1-9057-75D82EADAB52}" sibTransId="{EE929B30-A2AB-4A17-8CB0-124C5CD11F82}"/>
-    <dgm:cxn modelId="{D771A8A1-8684-437E-A512-61AC0C781223}" srcId="{D57D9E95-9FE3-4E2C-BD3A-8C63BF4F41E9}" destId="{D96DD8B0-90FD-4ACA-80FA-6AA38B37F8FD}" srcOrd="3" destOrd="0" parTransId="{6CCB005B-10FE-459F-AE79-112B65FE0641}" sibTransId="{80597B4D-304D-485F-83FE-6C3494813ECC}"/>
-    <dgm:cxn modelId="{9A09EAA5-A38A-439A-BDDA-C26E19B52E93}" type="presOf" srcId="{EABDF523-3103-4350-A409-9A13FC8523CA}" destId="{7E02BC09-E7DE-4C81-B2B7-31AE4E8D7844}" srcOrd="0" destOrd="0" presId="urn:microsoft.com/office/officeart/2005/8/layout/vList5"/>
-    <dgm:cxn modelId="{14747AB5-C56C-4741-A837-8D8E1D1B7A4E}" type="presOf" srcId="{10955723-D5EF-40A3-8A6A-8FC993B4416A}" destId="{BED49150-105D-4C93-A7D7-8BF4FD4D4E11}" srcOrd="0" destOrd="0" presId="urn:microsoft.com/office/officeart/2005/8/layout/vList5"/>
-    <dgm:cxn modelId="{33E0F2B5-C5DD-4EAC-B4B0-613B07923518}" type="presOf" srcId="{FFC668DC-7F87-476F-926B-817C7DD61756}" destId="{686C93F5-057F-451A-8E7C-24D8EA6368CA}" srcOrd="0" destOrd="0" presId="urn:microsoft.com/office/officeart/2005/8/layout/vList5"/>
-    <dgm:cxn modelId="{595F1ABD-80F5-4B00-906C-B341A720930C}" srcId="{D96DD8B0-90FD-4ACA-80FA-6AA38B37F8FD}" destId="{EABDF523-3103-4350-A409-9A13FC8523CA}" srcOrd="0" destOrd="0" parTransId="{5F0DB61F-EF55-4332-9F8D-A9CC2517AA73}" sibTransId="{8028769F-6A7F-429D-A461-CED9ED10C57F}"/>
-    <dgm:cxn modelId="{F0FEBBC9-D1E9-4844-B482-66C1B21BA472}" srcId="{FFC668DC-7F87-476F-926B-817C7DD61756}" destId="{BBE2E153-3FE7-42F7-A8F0-515A08DB4CF8}" srcOrd="0" destOrd="0" parTransId="{07118091-FAA6-49CB-9369-85CFEA4EA5C8}" sibTransId="{7DD1C926-BA59-4B99-BEF3-4DFCB29CA14D}"/>
+    <dgm:cxn modelId="{7F136CDC-0989-42C8-A4E8-FDEEF3D9AC14}" type="presOf" srcId="{BBE2E153-3FE7-42F7-A8F0-515A08DB4CF8}" destId="{EBC15B12-E02E-41DA-8B1B-252B92ABCA6D}" srcOrd="0" destOrd="0" presId="urn:microsoft.com/office/officeart/2005/8/layout/vList5"/>
     <dgm:cxn modelId="{4815FFD1-2652-4F55-8F0A-A283C17C95BF}" srcId="{D57D9E95-9FE3-4E2C-BD3A-8C63BF4F41E9}" destId="{F4947B06-C4F0-4807-9EDD-3E46D55594D3}" srcOrd="2" destOrd="0" parTransId="{2CC45398-BCA0-47AB-9049-606C8C527F76}" sibTransId="{6BABE820-F0D3-4C3C-9FB7-102DDDFF046C}"/>
     <dgm:cxn modelId="{E74F21DC-3AE2-47AB-A3C9-770AF4F60188}" type="presOf" srcId="{E792D721-029A-4060-9243-583D858AF362}" destId="{3CB2CC21-1E10-4E4D-BCA5-BA8A39F9690C}" srcOrd="0" destOrd="0" presId="urn:microsoft.com/office/officeart/2005/8/layout/vList5"/>
-    <dgm:cxn modelId="{7F136CDC-0989-42C8-A4E8-FDEEF3D9AC14}" type="presOf" srcId="{BBE2E153-3FE7-42F7-A8F0-515A08DB4CF8}" destId="{EBC15B12-E02E-41DA-8B1B-252B92ABCA6D}" srcOrd="0" destOrd="0" presId="urn:microsoft.com/office/officeart/2005/8/layout/vList5"/>
+    <dgm:cxn modelId="{595F1ABD-80F5-4B00-906C-B341A720930C}" srcId="{D96DD8B0-90FD-4ACA-80FA-6AA38B37F8FD}" destId="{EABDF523-3103-4350-A409-9A13FC8523CA}" srcOrd="0" destOrd="0" parTransId="{5F0DB61F-EF55-4332-9F8D-A9CC2517AA73}" sibTransId="{8028769F-6A7F-429D-A461-CED9ED10C57F}"/>
     <dgm:cxn modelId="{F6F04FE6-2AFF-4E43-87C8-5A537032F7B6}" type="presOf" srcId="{12AEC32A-C69A-465F-8F9B-3C43E162DCF9}" destId="{D4D0CEA2-B96B-471A-B943-9D9FA24BE58C}" srcOrd="0" destOrd="0" presId="urn:microsoft.com/office/officeart/2005/8/layout/vList5"/>
+    <dgm:cxn modelId="{38B7A464-9BCA-4B54-B577-887008C8E100}" srcId="{D57D9E95-9FE3-4E2C-BD3A-8C63BF4F41E9}" destId="{FFC668DC-7F87-476F-926B-817C7DD61756}" srcOrd="5" destOrd="0" parTransId="{BE474155-6CA5-415E-B46D-8977EE61DF20}" sibTransId="{C4AF285C-4078-445A-8E8B-8C16E3BDDB0E}"/>
+    <dgm:cxn modelId="{9A09EAA5-A38A-439A-BDDA-C26E19B52E93}" type="presOf" srcId="{EABDF523-3103-4350-A409-9A13FC8523CA}" destId="{7E02BC09-E7DE-4C81-B2B7-31AE4E8D7844}" srcOrd="0" destOrd="0" presId="urn:microsoft.com/office/officeart/2005/8/layout/vList5"/>
+    <dgm:cxn modelId="{33E0F2B5-C5DD-4EAC-B4B0-613B07923518}" type="presOf" srcId="{FFC668DC-7F87-476F-926B-817C7DD61756}" destId="{686C93F5-057F-451A-8E7C-24D8EA6368CA}" srcOrd="0" destOrd="0" presId="urn:microsoft.com/office/officeart/2005/8/layout/vList5"/>
+    <dgm:cxn modelId="{238ABE39-45E1-4609-A797-945AD17C9F8C}" type="presOf" srcId="{506973A6-CAE2-49CD-98A8-7132322F6660}" destId="{DCDF33FF-A757-4006-B1E4-D442A61F9D61}" srcOrd="0" destOrd="0" presId="urn:microsoft.com/office/officeart/2005/8/layout/vList5"/>
+    <dgm:cxn modelId="{D9707685-BE3D-40DE-B562-1F2F81286639}" srcId="{D57D9E95-9FE3-4E2C-BD3A-8C63BF4F41E9}" destId="{7961290A-3446-45D4-8E15-76E088580B47}" srcOrd="0" destOrd="0" parTransId="{EAFADAD5-F43D-4764-99F6-A27C07587DE3}" sibTransId="{E28DC77C-6EB3-4127-A385-65B88CDBDF7A}"/>
+    <dgm:cxn modelId="{65934BA1-F7B7-4E37-9C0D-DCC6DD2D8701}" srcId="{F4947B06-C4F0-4807-9EDD-3E46D55594D3}" destId="{506973A6-CAE2-49CD-98A8-7132322F6660}" srcOrd="0" destOrd="0" parTransId="{F792F7FB-13E3-48C1-9057-75D82EADAB52}" sibTransId="{EE929B30-A2AB-4A17-8CB0-124C5CD11F82}"/>
+    <dgm:cxn modelId="{3A8FA476-7BC3-4968-BB6B-6F0C5BD1B3D2}" srcId="{D57D9E95-9FE3-4E2C-BD3A-8C63BF4F41E9}" destId="{21F20222-107B-4DCC-9179-807B243E0E9E}" srcOrd="1" destOrd="0" parTransId="{41004220-0D74-4A65-96F5-96840D904982}" sibTransId="{66EA9683-BF75-43AA-A967-526EC9CA15EE}"/>
+    <dgm:cxn modelId="{D771A8A1-8684-437E-A512-61AC0C781223}" srcId="{D57D9E95-9FE3-4E2C-BD3A-8C63BF4F41E9}" destId="{D96DD8B0-90FD-4ACA-80FA-6AA38B37F8FD}" srcOrd="3" destOrd="0" parTransId="{6CCB005B-10FE-459F-AE79-112B65FE0641}" sibTransId="{80597B4D-304D-485F-83FE-6C3494813ECC}"/>
+    <dgm:cxn modelId="{AF2F8B15-BB71-4380-A657-61E25FE7E7FF}" srcId="{D57D9E95-9FE3-4E2C-BD3A-8C63BF4F41E9}" destId="{12AEC32A-C69A-465F-8F9B-3C43E162DCF9}" srcOrd="4" destOrd="0" parTransId="{8204DD5D-560A-4694-83E0-6B307415AD22}" sibTransId="{81F068BE-46C6-4DEE-879C-C9E302EECD00}"/>
+    <dgm:cxn modelId="{487BAAFF-B719-42C2-920E-AB777A11317F}" type="presOf" srcId="{F4947B06-C4F0-4807-9EDD-3E46D55594D3}" destId="{608B9799-0795-4A75-86FE-0D41190CBBE1}" srcOrd="0" destOrd="0" presId="urn:microsoft.com/office/officeart/2005/8/layout/vList5"/>
+    <dgm:cxn modelId="{23BC2886-7F77-4804-A453-F5BE39A7E8E3}" srcId="{12AEC32A-C69A-465F-8F9B-3C43E162DCF9}" destId="{10955723-D5EF-40A3-8A6A-8FC993B4416A}" srcOrd="0" destOrd="0" parTransId="{B4B5D9EB-8845-4D29-B84F-33465A8D6E79}" sibTransId="{174EAB92-F9C2-4F45-BBD7-5130985EB490}"/>
+    <dgm:cxn modelId="{14747AB5-C56C-4741-A837-8D8E1D1B7A4E}" type="presOf" srcId="{10955723-D5EF-40A3-8A6A-8FC993B4416A}" destId="{BED49150-105D-4C93-A7D7-8BF4FD4D4E11}" srcOrd="0" destOrd="0" presId="urn:microsoft.com/office/officeart/2005/8/layout/vList5"/>
+    <dgm:cxn modelId="{ECB0A104-FF58-4964-84CB-B11DC1B9244E}" type="presOf" srcId="{7961290A-3446-45D4-8E15-76E088580B47}" destId="{444F90B7-F123-4D48-A5E2-EB7DD6EB58CE}" srcOrd="0" destOrd="0" presId="urn:microsoft.com/office/officeart/2005/8/layout/vList5"/>
+    <dgm:cxn modelId="{730EDB2C-CCF2-489A-84AA-2C905D84336D}" type="presOf" srcId="{D57D9E95-9FE3-4E2C-BD3A-8C63BF4F41E9}" destId="{3AA0F398-1C61-4165-9277-7B4636B2DC58}" srcOrd="0" destOrd="0" presId="urn:microsoft.com/office/officeart/2005/8/layout/vList5"/>
+    <dgm:cxn modelId="{FC4E6E04-8DC1-4879-82A4-68AD99BD0DC8}" type="presOf" srcId="{D96DD8B0-90FD-4ACA-80FA-6AA38B37F8FD}" destId="{8C45FCAB-CFF8-44FC-98F0-5F16A64B3C87}" srcOrd="0" destOrd="0" presId="urn:microsoft.com/office/officeart/2005/8/layout/vList5"/>
     <dgm:cxn modelId="{789009EA-93DC-4FC1-88DF-54769E5C0A9F}" srcId="{7961290A-3446-45D4-8E15-76E088580B47}" destId="{E792D721-029A-4060-9243-583D858AF362}" srcOrd="0" destOrd="0" parTransId="{978589B4-BBA0-41BA-9BA7-A98BD6AA0B91}" sibTransId="{F0BA9537-F31B-4309-8AC8-72245CA641B1}"/>
-    <dgm:cxn modelId="{487BAAFF-B719-42C2-920E-AB777A11317F}" type="presOf" srcId="{F4947B06-C4F0-4807-9EDD-3E46D55594D3}" destId="{608B9799-0795-4A75-86FE-0D41190CBBE1}" srcOrd="0" destOrd="0" presId="urn:microsoft.com/office/officeart/2005/8/layout/vList5"/>
+    <dgm:cxn modelId="{F0FEBBC9-D1E9-4844-B482-66C1B21BA472}" srcId="{FFC668DC-7F87-476F-926B-817C7DD61756}" destId="{BBE2E153-3FE7-42F7-A8F0-515A08DB4CF8}" srcOrd="0" destOrd="0" parTransId="{07118091-FAA6-49CB-9369-85CFEA4EA5C8}" sibTransId="{7DD1C926-BA59-4B99-BEF3-4DFCB29CA14D}"/>
+    <dgm:cxn modelId="{B62C9744-DBD0-4955-B76C-A2989397D75E}" srcId="{21F20222-107B-4DCC-9179-807B243E0E9E}" destId="{EFBE5609-56F4-4DBD-8174-C8EEF0D86EEB}" srcOrd="0" destOrd="0" parTransId="{A539131A-7B8D-4C6A-BE03-7229AEABE8F4}" sibTransId="{810F3A92-E5DA-40A6-B478-DAC387EB77C5}"/>
+    <dgm:cxn modelId="{48A7724C-E916-4B8E-A5BD-C7E035AAD6A0}" type="presOf" srcId="{EFBE5609-56F4-4DBD-8174-C8EEF0D86EEB}" destId="{FFB0101F-CB71-48F7-BAA5-9853C90D334E}" srcOrd="0" destOrd="0" presId="urn:microsoft.com/office/officeart/2005/8/layout/vList5"/>
     <dgm:cxn modelId="{CE48346B-57A5-4385-A425-CAEE75C6BFD5}" type="presParOf" srcId="{3AA0F398-1C61-4165-9277-7B4636B2DC58}" destId="{B754DEDA-A3C3-462B-9ED1-4349CDF2F8DD}" srcOrd="0" destOrd="0" presId="urn:microsoft.com/office/officeart/2005/8/layout/vList5"/>
     <dgm:cxn modelId="{1721FB4F-39D9-4D0F-ADEB-13F507D7DF83}" type="presParOf" srcId="{B754DEDA-A3C3-462B-9ED1-4349CDF2F8DD}" destId="{444F90B7-F123-4D48-A5E2-EB7DD6EB58CE}" srcOrd="0" destOrd="0" presId="urn:microsoft.com/office/officeart/2005/8/layout/vList5"/>
     <dgm:cxn modelId="{C4C38073-CEC8-441B-802F-FFF45B883CB9}" type="presParOf" srcId="{B754DEDA-A3C3-462B-9ED1-4349CDF2F8DD}" destId="{3CB2CC21-1E10-4E4D-BCA5-BA8A39F9690C}" srcOrd="1" destOrd="0" presId="urn:microsoft.com/office/officeart/2005/8/layout/vList5"/>
@@ -6456,6 +6764,13 @@
         </dgm:presLayoutVars>
       </dgm:prSet>
       <dgm:spPr/>
+      <dgm:t>
+        <a:bodyPr/>
+        <a:lstStyle/>
+        <a:p>
+          <a:endParaRPr lang="zh-TW" altLang="en-US"/>
+        </a:p>
+      </dgm:t>
     </dgm:pt>
     <dgm:pt modelId="{77C8D52F-D5DE-4A76-9204-8BF192E094C9}" type="pres">
       <dgm:prSet presAssocID="{77E9A8FC-0CBD-4ACC-B768-7D43C7AE0098}" presName="sibTrans" presStyleCnt="0"/>
@@ -6468,6 +6783,13 @@
         </dgm:presLayoutVars>
       </dgm:prSet>
       <dgm:spPr/>
+      <dgm:t>
+        <a:bodyPr/>
+        <a:lstStyle/>
+        <a:p>
+          <a:endParaRPr lang="zh-TW" altLang="en-US"/>
+        </a:p>
+      </dgm:t>
     </dgm:pt>
     <dgm:pt modelId="{EA3FDC4B-88E2-4F2C-AE28-0EB553A0A060}" type="pres">
       <dgm:prSet presAssocID="{E77DBC76-8A12-4D5E-AF98-0C6B0E71557B}" presName="sibTrans" presStyleCnt="0"/>
@@ -6480,6 +6802,13 @@
         </dgm:presLayoutVars>
       </dgm:prSet>
       <dgm:spPr/>
+      <dgm:t>
+        <a:bodyPr/>
+        <a:lstStyle/>
+        <a:p>
+          <a:endParaRPr lang="zh-TW" altLang="en-US"/>
+        </a:p>
+      </dgm:t>
     </dgm:pt>
     <dgm:pt modelId="{96B199A6-A548-42AF-AC6F-49EA8B2A60D1}" type="pres">
       <dgm:prSet presAssocID="{1FC3E494-A784-42AE-834C-286C21D9F717}" presName="sibTrans" presStyleCnt="0"/>
@@ -6492,6 +6821,13 @@
         </dgm:presLayoutVars>
       </dgm:prSet>
       <dgm:spPr/>
+      <dgm:t>
+        <a:bodyPr/>
+        <a:lstStyle/>
+        <a:p>
+          <a:endParaRPr lang="zh-TW" altLang="en-US"/>
+        </a:p>
+      </dgm:t>
     </dgm:pt>
     <dgm:pt modelId="{0FC3C372-743E-4CDE-B999-2F168314F28D}" type="pres">
       <dgm:prSet presAssocID="{24B4F0F6-A9F5-404C-AEA6-0BE84FB6E47F}" presName="sibTrans" presStyleCnt="0"/>
@@ -6504,6 +6840,13 @@
         </dgm:presLayoutVars>
       </dgm:prSet>
       <dgm:spPr/>
+      <dgm:t>
+        <a:bodyPr/>
+        <a:lstStyle/>
+        <a:p>
+          <a:endParaRPr lang="zh-TW" altLang="en-US"/>
+        </a:p>
+      </dgm:t>
     </dgm:pt>
     <dgm:pt modelId="{F22E5306-4F45-415A-B319-BEA6A67AA1CB}" type="pres">
       <dgm:prSet presAssocID="{1FD31143-95A3-485B-B638-7833C4690733}" presName="sibTrans" presStyleCnt="0"/>
@@ -6516,22 +6859,29 @@
         </dgm:presLayoutVars>
       </dgm:prSet>
       <dgm:spPr/>
+      <dgm:t>
+        <a:bodyPr/>
+        <a:lstStyle/>
+        <a:p>
+          <a:endParaRPr lang="zh-TW" altLang="en-US"/>
+        </a:p>
+      </dgm:t>
     </dgm:pt>
   </dgm:ptLst>
   <dgm:cxnLst>
+    <dgm:cxn modelId="{8370B234-AF0C-4DAA-875B-1A684B814F08}" srcId="{667C1807-8907-4C47-8BE8-0C05E95BB932}" destId="{2D8AEA8D-5BB0-4301-9D9C-924614AE697A}" srcOrd="0" destOrd="0" parTransId="{70CCFF5B-4DE1-428C-892A-180F9B81E5DD}" sibTransId="{77E9A8FC-0CBD-4ACC-B768-7D43C7AE0098}"/>
+    <dgm:cxn modelId="{1B7F3790-8A43-4EE7-AE1D-F4E7287A936C}" srcId="{667C1807-8907-4C47-8BE8-0C05E95BB932}" destId="{E9888D89-73AC-4AA3-820C-DFB234323A5E}" srcOrd="1" destOrd="0" parTransId="{616025E7-6F1D-4E14-8FAB-0B665DACE8D4}" sibTransId="{E77DBC76-8A12-4D5E-AF98-0C6B0E71557B}"/>
+    <dgm:cxn modelId="{B77C935F-169A-4D97-9901-75539F8104DF}" type="presOf" srcId="{667C1807-8907-4C47-8BE8-0C05E95BB932}" destId="{D24351BF-ECA7-4A63-B7D1-74E439DB8A7E}" srcOrd="0" destOrd="0" presId="urn:microsoft.com/office/officeart/2005/8/layout/hProcess9"/>
+    <dgm:cxn modelId="{2023016D-D35B-42F1-8618-895732F5C8D3}" srcId="{667C1807-8907-4C47-8BE8-0C05E95BB932}" destId="{62901B8C-2292-4524-BF18-413AAB923430}" srcOrd="3" destOrd="0" parTransId="{033323BA-5040-4C8C-83B0-274DF0486C80}" sibTransId="{24B4F0F6-A9F5-404C-AEA6-0BE84FB6E47F}"/>
+    <dgm:cxn modelId="{C6E080A3-08C9-488C-808D-49F79649EA74}" type="presOf" srcId="{6F933B6F-F7D9-4024-AAA6-15ECE8BE9B41}" destId="{02B3F862-2228-45F6-9E5B-D47A7DF63954}" srcOrd="0" destOrd="0" presId="urn:microsoft.com/office/officeart/2005/8/layout/hProcess9"/>
+    <dgm:cxn modelId="{753213F1-7F37-4BAB-BFA2-2BBFCF51AB9C}" type="presOf" srcId="{4C3709EF-A030-4923-AFE3-6698D5A64C86}" destId="{74BCA458-9B4B-49B2-87B3-5AFFD117153A}" srcOrd="0" destOrd="0" presId="urn:microsoft.com/office/officeart/2005/8/layout/hProcess9"/>
+    <dgm:cxn modelId="{EC550F47-2AF1-4969-92D1-2C4221052525}" type="presOf" srcId="{62901B8C-2292-4524-BF18-413AAB923430}" destId="{BC8408BF-D162-4015-8E2D-92021E91E306}" srcOrd="0" destOrd="0" presId="urn:microsoft.com/office/officeart/2005/8/layout/hProcess9"/>
+    <dgm:cxn modelId="{478D9012-5B8C-4ED0-9AE2-4ECC99C46D37}" srcId="{667C1807-8907-4C47-8BE8-0C05E95BB932}" destId="{6F933B6F-F7D9-4024-AAA6-15ECE8BE9B41}" srcOrd="2" destOrd="0" parTransId="{5BA393BE-EC8F-4166-B18B-DFFB0E4A08BA}" sibTransId="{1FC3E494-A784-42AE-834C-286C21D9F717}"/>
+    <dgm:cxn modelId="{42B6C10D-7C35-40FC-A637-E4C4364C16DA}" srcId="{667C1807-8907-4C47-8BE8-0C05E95BB932}" destId="{F69BEC8B-324C-4690-B618-7777808F241F}" srcOrd="4" destOrd="0" parTransId="{1D99BFF8-BBEB-4D59-8F69-F89255CDDE6E}" sibTransId="{1FD31143-95A3-485B-B638-7833C4690733}"/>
     <dgm:cxn modelId="{34A0BF01-1F1F-4FB4-AC79-D90D2455AA88}" srcId="{667C1807-8907-4C47-8BE8-0C05E95BB932}" destId="{4C3709EF-A030-4923-AFE3-6698D5A64C86}" srcOrd="5" destOrd="0" parTransId="{E5E1B24B-DE4F-4C43-BF37-BEB5161A2FA7}" sibTransId="{E03DC4C9-8A7E-43D0-A6F7-D7463EEB4296}"/>
-    <dgm:cxn modelId="{42B6C10D-7C35-40FC-A637-E4C4364C16DA}" srcId="{667C1807-8907-4C47-8BE8-0C05E95BB932}" destId="{F69BEC8B-324C-4690-B618-7777808F241F}" srcOrd="4" destOrd="0" parTransId="{1D99BFF8-BBEB-4D59-8F69-F89255CDDE6E}" sibTransId="{1FD31143-95A3-485B-B638-7833C4690733}"/>
-    <dgm:cxn modelId="{478D9012-5B8C-4ED0-9AE2-4ECC99C46D37}" srcId="{667C1807-8907-4C47-8BE8-0C05E95BB932}" destId="{6F933B6F-F7D9-4024-AAA6-15ECE8BE9B41}" srcOrd="2" destOrd="0" parTransId="{5BA393BE-EC8F-4166-B18B-DFFB0E4A08BA}" sibTransId="{1FC3E494-A784-42AE-834C-286C21D9F717}"/>
     <dgm:cxn modelId="{A316AD24-A713-4D2B-BFC0-6553E4C9DA80}" type="presOf" srcId="{2D8AEA8D-5BB0-4301-9D9C-924614AE697A}" destId="{CB57765A-E8F6-4CAA-AEF4-BD38621F9DFB}" srcOrd="0" destOrd="0" presId="urn:microsoft.com/office/officeart/2005/8/layout/hProcess9"/>
-    <dgm:cxn modelId="{8370B234-AF0C-4DAA-875B-1A684B814F08}" srcId="{667C1807-8907-4C47-8BE8-0C05E95BB932}" destId="{2D8AEA8D-5BB0-4301-9D9C-924614AE697A}" srcOrd="0" destOrd="0" parTransId="{70CCFF5B-4DE1-428C-892A-180F9B81E5DD}" sibTransId="{77E9A8FC-0CBD-4ACC-B768-7D43C7AE0098}"/>
     <dgm:cxn modelId="{9F4E6637-D850-4CC8-9115-5E7B97052B0E}" type="presOf" srcId="{F69BEC8B-324C-4690-B618-7777808F241F}" destId="{E25C9939-1DAC-44B2-BD9D-324C34C85D2F}" srcOrd="0" destOrd="0" presId="urn:microsoft.com/office/officeart/2005/8/layout/hProcess9"/>
-    <dgm:cxn modelId="{B77C935F-169A-4D97-9901-75539F8104DF}" type="presOf" srcId="{667C1807-8907-4C47-8BE8-0C05E95BB932}" destId="{D24351BF-ECA7-4A63-B7D1-74E439DB8A7E}" srcOrd="0" destOrd="0" presId="urn:microsoft.com/office/officeart/2005/8/layout/hProcess9"/>
-    <dgm:cxn modelId="{EC550F47-2AF1-4969-92D1-2C4221052525}" type="presOf" srcId="{62901B8C-2292-4524-BF18-413AAB923430}" destId="{BC8408BF-D162-4015-8E2D-92021E91E306}" srcOrd="0" destOrd="0" presId="urn:microsoft.com/office/officeart/2005/8/layout/hProcess9"/>
-    <dgm:cxn modelId="{2023016D-D35B-42F1-8618-895732F5C8D3}" srcId="{667C1807-8907-4C47-8BE8-0C05E95BB932}" destId="{62901B8C-2292-4524-BF18-413AAB923430}" srcOrd="3" destOrd="0" parTransId="{033323BA-5040-4C8C-83B0-274DF0486C80}" sibTransId="{24B4F0F6-A9F5-404C-AEA6-0BE84FB6E47F}"/>
-    <dgm:cxn modelId="{1B7F3790-8A43-4EE7-AE1D-F4E7287A936C}" srcId="{667C1807-8907-4C47-8BE8-0C05E95BB932}" destId="{E9888D89-73AC-4AA3-820C-DFB234323A5E}" srcOrd="1" destOrd="0" parTransId="{616025E7-6F1D-4E14-8FAB-0B665DACE8D4}" sibTransId="{E77DBC76-8A12-4D5E-AF98-0C6B0E71557B}"/>
-    <dgm:cxn modelId="{C6E080A3-08C9-488C-808D-49F79649EA74}" type="presOf" srcId="{6F933B6F-F7D9-4024-AAA6-15ECE8BE9B41}" destId="{02B3F862-2228-45F6-9E5B-D47A7DF63954}" srcOrd="0" destOrd="0" presId="urn:microsoft.com/office/officeart/2005/8/layout/hProcess9"/>
     <dgm:cxn modelId="{4D50BAE8-A8BB-4B12-9198-55711027C6E9}" type="presOf" srcId="{E9888D89-73AC-4AA3-820C-DFB234323A5E}" destId="{164AD606-E6F9-4E63-8F0B-00E7908C9A03}" srcOrd="0" destOrd="0" presId="urn:microsoft.com/office/officeart/2005/8/layout/hProcess9"/>
-    <dgm:cxn modelId="{753213F1-7F37-4BAB-BFA2-2BBFCF51AB9C}" type="presOf" srcId="{4C3709EF-A030-4923-AFE3-6698D5A64C86}" destId="{74BCA458-9B4B-49B2-87B3-5AFFD117153A}" srcOrd="0" destOrd="0" presId="urn:microsoft.com/office/officeart/2005/8/layout/hProcess9"/>
     <dgm:cxn modelId="{DB0AFF2B-7C65-4E63-B059-429C4550DD98}" type="presParOf" srcId="{D24351BF-ECA7-4A63-B7D1-74E439DB8A7E}" destId="{12D1E239-8B68-413B-9DC8-B3AC2F862C02}" srcOrd="0" destOrd="0" presId="urn:microsoft.com/office/officeart/2005/8/layout/hProcess9"/>
     <dgm:cxn modelId="{238A1541-5ACC-41A6-A900-BCCB4ACEBE4E}" type="presParOf" srcId="{D24351BF-ECA7-4A63-B7D1-74E439DB8A7E}" destId="{241D3606-20D2-4096-9EC4-DE7430AA2B01}" srcOrd="1" destOrd="0" presId="urn:microsoft.com/office/officeart/2005/8/layout/hProcess9"/>
     <dgm:cxn modelId="{5E8C9C15-C2EB-4570-BC96-2BA30E7C3ED0}" type="presParOf" srcId="{241D3606-20D2-4096-9EC4-DE7430AA2B01}" destId="{CB57765A-E8F6-4CAA-AEF4-BD38621F9DFB}" srcOrd="0" destOrd="0" presId="urn:microsoft.com/office/officeart/2005/8/layout/hProcess9"/>
@@ -6843,7 +7193,7 @@
         </a:bodyPr>
         <a:lstStyle/>
         <a:p>
-          <a:pPr marL="0" lvl="0" indent="0" algn="ctr" defTabSz="933450">
+          <a:pPr lvl="0" algn="ctr" defTabSz="933450">
             <a:lnSpc>
               <a:spcPct val="90000"/>
             </a:lnSpc>
@@ -6853,7 +7203,6 @@
             <a:spcAft>
               <a:spcPct val="35000"/>
             </a:spcAft>
-            <a:buNone/>
           </a:pPr>
           <a:r>
             <a:rPr lang="zh-TW" altLang="en-US" sz="2100" b="1" kern="1200" dirty="0"/>
@@ -6920,7 +7269,7 @@
         </a:bodyPr>
         <a:lstStyle/>
         <a:p>
-          <a:pPr marL="0" lvl="0" indent="0" algn="ctr" defTabSz="844550">
+          <a:pPr lvl="0" algn="ctr" defTabSz="844550">
             <a:lnSpc>
               <a:spcPct val="90000"/>
             </a:lnSpc>
@@ -6930,7 +7279,6 @@
             <a:spcAft>
               <a:spcPct val="35000"/>
             </a:spcAft>
-            <a:buNone/>
           </a:pPr>
           <a:r>
             <a:rPr lang="zh-TW" altLang="en-US" sz="1900" b="1" kern="1200" dirty="0"/>
@@ -6997,7 +7345,7 @@
         </a:bodyPr>
         <a:lstStyle/>
         <a:p>
-          <a:pPr marL="0" lvl="0" indent="0" algn="ctr" defTabSz="844550">
+          <a:pPr lvl="0" algn="ctr" defTabSz="844550">
             <a:lnSpc>
               <a:spcPct val="90000"/>
             </a:lnSpc>
@@ -7007,7 +7355,6 @@
             <a:spcAft>
               <a:spcPct val="35000"/>
             </a:spcAft>
-            <a:buNone/>
           </a:pPr>
           <a:r>
             <a:rPr lang="zh-TW" altLang="en-US" sz="1900" b="1" kern="1200" dirty="0"/>
@@ -7074,7 +7421,7 @@
         </a:bodyPr>
         <a:lstStyle/>
         <a:p>
-          <a:pPr marL="0" lvl="0" indent="0" algn="ctr" defTabSz="844550">
+          <a:pPr lvl="0" algn="ctr" defTabSz="844550">
             <a:lnSpc>
               <a:spcPct val="90000"/>
             </a:lnSpc>
@@ -7084,7 +7431,6 @@
             <a:spcAft>
               <a:spcPct val="35000"/>
             </a:spcAft>
-            <a:buNone/>
           </a:pPr>
           <a:r>
             <a:rPr lang="zh-TW" altLang="en-US" sz="1900" b="1" kern="1200" dirty="0"/>
@@ -7151,7 +7497,7 @@
         </a:bodyPr>
         <a:lstStyle/>
         <a:p>
-          <a:pPr marL="0" lvl="0" indent="0" algn="ctr" defTabSz="844550">
+          <a:pPr lvl="0" algn="ctr" defTabSz="844550">
             <a:lnSpc>
               <a:spcPct val="90000"/>
             </a:lnSpc>
@@ -7161,7 +7507,6 @@
             <a:spcAft>
               <a:spcPct val="35000"/>
             </a:spcAft>
-            <a:buNone/>
           </a:pPr>
           <a:r>
             <a:rPr lang="zh-TW" altLang="en-US" sz="1900" b="1" kern="1200" dirty="0"/>
@@ -7228,7 +7573,7 @@
         </a:bodyPr>
         <a:lstStyle/>
         <a:p>
-          <a:pPr marL="0" lvl="0" indent="0" algn="ctr" defTabSz="844550">
+          <a:pPr lvl="0" algn="ctr" defTabSz="844550">
             <a:lnSpc>
               <a:spcPct val="90000"/>
             </a:lnSpc>
@@ -7238,7 +7583,6 @@
             <a:spcAft>
               <a:spcPct val="35000"/>
             </a:spcAft>
-            <a:buNone/>
           </a:pPr>
           <a:r>
             <a:rPr lang="zh-TW" altLang="en-US" sz="1900" b="1" kern="1200" dirty="0"/>
@@ -7317,7 +7661,7 @@
         </a:bodyPr>
         <a:lstStyle/>
         <a:p>
-          <a:pPr marL="0" lvl="0" indent="0" algn="ctr" defTabSz="1377950">
+          <a:pPr lvl="0" algn="ctr" defTabSz="1377950">
             <a:lnSpc>
               <a:spcPct val="90000"/>
             </a:lnSpc>
@@ -7327,7 +7671,6 @@
             <a:spcAft>
               <a:spcPct val="35000"/>
             </a:spcAft>
-            <a:buNone/>
           </a:pPr>
           <a:endParaRPr lang="zh-TW" altLang="en-US" sz="3100" kern="1200" dirty="0"/>
         </a:p>
@@ -7400,7 +7743,7 @@
             <a:spcAft>
               <a:spcPct val="15000"/>
             </a:spcAft>
-            <a:buChar char="•"/>
+            <a:buChar char="••"/>
           </a:pPr>
           <a:r>
             <a:rPr lang="zh-TW" altLang="en-US" sz="1600" kern="1200" dirty="0"/>
@@ -7557,7 +7900,7 @@
         </a:bodyPr>
         <a:lstStyle/>
         <a:p>
-          <a:pPr marL="0" lvl="0" indent="0" algn="ctr" defTabSz="1377950">
+          <a:pPr lvl="0" algn="ctr" defTabSz="1377950">
             <a:lnSpc>
               <a:spcPct val="90000"/>
             </a:lnSpc>
@@ -7567,7 +7910,6 @@
             <a:spcAft>
               <a:spcPct val="35000"/>
             </a:spcAft>
-            <a:buNone/>
           </a:pPr>
           <a:endParaRPr lang="zh-TW" altLang="en-US" sz="3100" kern="1200"/>
         </a:p>
@@ -7640,7 +7982,7 @@
             <a:spcAft>
               <a:spcPct val="15000"/>
             </a:spcAft>
-            <a:buChar char="•"/>
+            <a:buChar char="••"/>
           </a:pPr>
           <a:r>
             <a:rPr lang="zh-TW" altLang="en-US" sz="1800" kern="1200" dirty="0"/>
@@ -7712,7 +8054,7 @@
         </a:bodyPr>
         <a:lstStyle/>
         <a:p>
-          <a:pPr marL="0" lvl="0" indent="0" algn="ctr" defTabSz="1377950">
+          <a:pPr lvl="0" algn="ctr" defTabSz="1377950">
             <a:lnSpc>
               <a:spcPct val="90000"/>
             </a:lnSpc>
@@ -7722,7 +8064,6 @@
             <a:spcAft>
               <a:spcPct val="35000"/>
             </a:spcAft>
-            <a:buNone/>
           </a:pPr>
           <a:endParaRPr lang="zh-TW" altLang="en-US" sz="3100" kern="1200" dirty="0"/>
         </a:p>
@@ -7795,7 +8136,7 @@
             <a:spcAft>
               <a:spcPct val="15000"/>
             </a:spcAft>
-            <a:buChar char="•"/>
+            <a:buChar char="••"/>
           </a:pPr>
           <a:r>
             <a:rPr lang="zh-TW" altLang="en-US" sz="1800" kern="1200" dirty="0"/>
@@ -8099,7 +8440,7 @@
         </a:bodyPr>
         <a:lstStyle/>
         <a:p>
-          <a:pPr marL="0" lvl="0" indent="0" algn="ctr" defTabSz="1155700">
+          <a:pPr lvl="0" algn="ctr" defTabSz="1155700">
             <a:lnSpc>
               <a:spcPct val="90000"/>
             </a:lnSpc>
@@ -8109,7 +8450,6 @@
             <a:spcAft>
               <a:spcPct val="35000"/>
             </a:spcAft>
-            <a:buNone/>
           </a:pPr>
           <a:r>
             <a:rPr lang="zh-TW" altLang="en-US" sz="2600" kern="1200" dirty="0"/>
@@ -8176,7 +8516,7 @@
         </a:bodyPr>
         <a:lstStyle/>
         <a:p>
-          <a:pPr marL="0" lvl="0" indent="0" algn="ctr" defTabSz="800100">
+          <a:pPr lvl="0" algn="ctr" defTabSz="800100">
             <a:lnSpc>
               <a:spcPct val="90000"/>
             </a:lnSpc>
@@ -8186,7 +8526,6 @@
             <a:spcAft>
               <a:spcPct val="35000"/>
             </a:spcAft>
-            <a:buNone/>
           </a:pPr>
           <a:r>
             <a:rPr lang="zh-TW" altLang="en-US" sz="1800" kern="1200" dirty="0"/>
@@ -8253,7 +8592,7 @@
         </a:bodyPr>
         <a:lstStyle/>
         <a:p>
-          <a:pPr marL="0" lvl="0" indent="0" algn="ctr" defTabSz="800100">
+          <a:pPr lvl="0" algn="ctr" defTabSz="800100">
             <a:lnSpc>
               <a:spcPct val="90000"/>
             </a:lnSpc>
@@ -8263,7 +8602,6 @@
             <a:spcAft>
               <a:spcPct val="35000"/>
             </a:spcAft>
-            <a:buNone/>
           </a:pPr>
           <a:r>
             <a:rPr lang="zh-TW" altLang="en-US" sz="1800" kern="1200" dirty="0"/>
@@ -8330,7 +8668,7 @@
         </a:bodyPr>
         <a:lstStyle/>
         <a:p>
-          <a:pPr marL="0" lvl="0" indent="0" algn="ctr" defTabSz="800100">
+          <a:pPr lvl="0" algn="ctr" defTabSz="800100">
             <a:lnSpc>
               <a:spcPct val="90000"/>
             </a:lnSpc>
@@ -8340,7 +8678,6 @@
             <a:spcAft>
               <a:spcPct val="35000"/>
             </a:spcAft>
-            <a:buNone/>
           </a:pPr>
           <a:r>
             <a:rPr lang="zh-TW" altLang="en-US" sz="1800" kern="1200" dirty="0"/>
@@ -8407,7 +8744,7 @@
         </a:bodyPr>
         <a:lstStyle/>
         <a:p>
-          <a:pPr marL="0" lvl="0" indent="0" algn="ctr" defTabSz="800100">
+          <a:pPr lvl="0" algn="ctr" defTabSz="800100">
             <a:lnSpc>
               <a:spcPct val="90000"/>
             </a:lnSpc>
@@ -8417,7 +8754,6 @@
             <a:spcAft>
               <a:spcPct val="35000"/>
             </a:spcAft>
-            <a:buNone/>
           </a:pPr>
           <a:r>
             <a:rPr lang="zh-TW" altLang="en-US" sz="1800" kern="1200" dirty="0"/>
@@ -8484,7 +8820,7 @@
         </a:bodyPr>
         <a:lstStyle/>
         <a:p>
-          <a:pPr marL="0" lvl="0" indent="0" algn="ctr" defTabSz="800100">
+          <a:pPr lvl="0" algn="ctr" defTabSz="800100">
             <a:lnSpc>
               <a:spcPct val="90000"/>
             </a:lnSpc>
@@ -8494,7 +8830,6 @@
             <a:spcAft>
               <a:spcPct val="35000"/>
             </a:spcAft>
-            <a:buNone/>
           </a:pPr>
           <a:r>
             <a:rPr lang="zh-TW" altLang="en-US" sz="1800" kern="1200" dirty="0"/>
@@ -8585,7 +8920,7 @@
             <a:spcAft>
               <a:spcPct val="15000"/>
             </a:spcAft>
-            <a:buChar char="•"/>
+            <a:buChar char="••"/>
           </a:pPr>
           <a:r>
             <a:rPr lang="zh-TW" altLang="en-US" sz="1400" kern="1200" dirty="0"/>
@@ -8665,7 +9000,7 @@
         </a:bodyPr>
         <a:lstStyle/>
         <a:p>
-          <a:pPr marL="0" lvl="0" indent="0" algn="ctr" defTabSz="1333500">
+          <a:pPr lvl="0" algn="ctr" defTabSz="1333500">
             <a:lnSpc>
               <a:spcPct val="90000"/>
             </a:lnSpc>
@@ -8675,7 +9010,6 @@
             <a:spcAft>
               <a:spcPct val="35000"/>
             </a:spcAft>
-            <a:buNone/>
           </a:pPr>
           <a:r>
             <a:rPr lang="zh-TW" altLang="en-US" sz="3000" kern="1200" dirty="0"/>
@@ -8754,7 +9088,7 @@
             <a:spcAft>
               <a:spcPct val="15000"/>
             </a:spcAft>
-            <a:buChar char="•"/>
+            <a:buChar char="••"/>
           </a:pPr>
           <a:r>
             <a:rPr lang="zh-TW" altLang="en-US" sz="1400" kern="1200" dirty="0"/>
@@ -8834,7 +9168,7 @@
         </a:bodyPr>
         <a:lstStyle/>
         <a:p>
-          <a:pPr marL="0" lvl="0" indent="0" algn="ctr" defTabSz="1333500">
+          <a:pPr lvl="0" algn="ctr" defTabSz="1333500">
             <a:lnSpc>
               <a:spcPct val="90000"/>
             </a:lnSpc>
@@ -8844,7 +9178,6 @@
             <a:spcAft>
               <a:spcPct val="35000"/>
             </a:spcAft>
-            <a:buNone/>
           </a:pPr>
           <a:r>
             <a:rPr lang="zh-TW" altLang="en-US" sz="3000" kern="1200" dirty="0"/>
@@ -8923,7 +9256,7 @@
             <a:spcAft>
               <a:spcPct val="15000"/>
             </a:spcAft>
-            <a:buChar char="•"/>
+            <a:buChar char="••"/>
           </a:pPr>
           <a:r>
             <a:rPr lang="en-US" altLang="en-US" sz="1400" kern="1200" dirty="0"/>
@@ -8999,7 +9332,7 @@
         </a:bodyPr>
         <a:lstStyle/>
         <a:p>
-          <a:pPr marL="0" lvl="0" indent="0" algn="ctr" defTabSz="1333500">
+          <a:pPr lvl="0" algn="ctr" defTabSz="1333500">
             <a:lnSpc>
               <a:spcPct val="90000"/>
             </a:lnSpc>
@@ -9009,7 +9342,6 @@
             <a:spcAft>
               <a:spcPct val="35000"/>
             </a:spcAft>
-            <a:buNone/>
           </a:pPr>
           <a:r>
             <a:rPr lang="zh-TW" altLang="en-US" sz="3000" kern="1200" dirty="0"/>
@@ -9088,7 +9420,7 @@
             <a:spcAft>
               <a:spcPct val="15000"/>
             </a:spcAft>
-            <a:buChar char="•"/>
+            <a:buChar char="••"/>
           </a:pPr>
           <a:r>
             <a:rPr lang="zh-TW" altLang="en-US" sz="1400" kern="1200" dirty="0"/>
@@ -9155,7 +9487,7 @@
         </a:bodyPr>
         <a:lstStyle/>
         <a:p>
-          <a:pPr marL="0" lvl="0" indent="0" algn="ctr" defTabSz="1333500">
+          <a:pPr lvl="0" algn="ctr" defTabSz="1333500">
             <a:lnSpc>
               <a:spcPct val="90000"/>
             </a:lnSpc>
@@ -9165,7 +9497,6 @@
             <a:spcAft>
               <a:spcPct val="35000"/>
             </a:spcAft>
-            <a:buNone/>
           </a:pPr>
           <a:r>
             <a:rPr lang="zh-TW" altLang="en-US" sz="3000" kern="1200" dirty="0"/>
@@ -9244,7 +9575,7 @@
             <a:spcAft>
               <a:spcPct val="15000"/>
             </a:spcAft>
-            <a:buChar char="•"/>
+            <a:buChar char="••"/>
           </a:pPr>
           <a:r>
             <a:rPr lang="en-US" altLang="en-US" sz="1400" kern="1200" dirty="0"/>
@@ -9328,7 +9659,7 @@
         </a:bodyPr>
         <a:lstStyle/>
         <a:p>
-          <a:pPr marL="0" lvl="0" indent="0" algn="ctr" defTabSz="1333500">
+          <a:pPr lvl="0" algn="ctr" defTabSz="1333500">
             <a:lnSpc>
               <a:spcPct val="90000"/>
             </a:lnSpc>
@@ -9338,7 +9669,6 @@
             <a:spcAft>
               <a:spcPct val="35000"/>
             </a:spcAft>
-            <a:buNone/>
           </a:pPr>
           <a:r>
             <a:rPr lang="zh-TW" altLang="en-US" sz="3000" kern="1200" dirty="0"/>
@@ -9417,7 +9747,7 @@
             <a:spcAft>
               <a:spcPct val="15000"/>
             </a:spcAft>
-            <a:buChar char="•"/>
+            <a:buChar char="••"/>
           </a:pPr>
           <a:r>
             <a:rPr lang="zh-TW" altLang="en-US" sz="1400" kern="1200" dirty="0"/>
@@ -9484,7 +9814,7 @@
         </a:bodyPr>
         <a:lstStyle/>
         <a:p>
-          <a:pPr marL="0" lvl="0" indent="0" algn="ctr" defTabSz="1333500">
+          <a:pPr lvl="0" algn="ctr" defTabSz="1333500">
             <a:lnSpc>
               <a:spcPct val="90000"/>
             </a:lnSpc>
@@ -9494,7 +9824,6 @@
             <a:spcAft>
               <a:spcPct val="35000"/>
             </a:spcAft>
-            <a:buNone/>
           </a:pPr>
           <a:r>
             <a:rPr lang="zh-TW" altLang="en-US" sz="3000" kern="1200" dirty="0"/>
@@ -9519,509 +9848,6 @@
       <dsp:cNvGrpSpPr/>
     </dsp:nvGrpSpPr>
     <dsp:grpSpPr/>
-    <dsp:sp modelId="{12D1E239-8B68-413B-9DC8-B3AC2F862C02}">
-      <dsp:nvSpPr>
-        <dsp:cNvPr id="0" name=""/>
-        <dsp:cNvSpPr/>
-      </dsp:nvSpPr>
-      <dsp:spPr>
-        <a:xfrm>
-          <a:off x="504030" y="0"/>
-          <a:ext cx="5712346" cy="4408264"/>
-        </a:xfrm>
-        <a:prstGeom prst="rightArrow">
-          <a:avLst/>
-        </a:prstGeom>
-        <a:solidFill>
-          <a:schemeClr val="accent1">
-            <a:tint val="40000"/>
-            <a:hueOff val="0"/>
-            <a:satOff val="0"/>
-            <a:lumOff val="0"/>
-            <a:alphaOff val="0"/>
-          </a:schemeClr>
-        </a:solidFill>
-        <a:ln>
-          <a:noFill/>
-        </a:ln>
-        <a:effectLst/>
-      </dsp:spPr>
-      <dsp:style>
-        <a:lnRef idx="0">
-          <a:scrgbClr r="0" g="0" b="0"/>
-        </a:lnRef>
-        <a:fillRef idx="1">
-          <a:scrgbClr r="0" g="0" b="0"/>
-        </a:fillRef>
-        <a:effectRef idx="0">
-          <a:scrgbClr r="0" g="0" b="0"/>
-        </a:effectRef>
-        <a:fontRef idx="minor"/>
-      </dsp:style>
-    </dsp:sp>
-    <dsp:sp modelId="{CB57765A-E8F6-4CAA-AEF4-BD38621F9DFB}">
-      <dsp:nvSpPr>
-        <dsp:cNvPr id="0" name=""/>
-        <dsp:cNvSpPr/>
-      </dsp:nvSpPr>
-      <dsp:spPr>
-        <a:xfrm>
-          <a:off x="1845" y="1322479"/>
-          <a:ext cx="1074674" cy="1763305"/>
-        </a:xfrm>
-        <a:prstGeom prst="roundRect">
-          <a:avLst/>
-        </a:prstGeom>
-        <a:solidFill>
-          <a:schemeClr val="accent1">
-            <a:hueOff val="0"/>
-            <a:satOff val="0"/>
-            <a:lumOff val="0"/>
-            <a:alphaOff val="0"/>
-          </a:schemeClr>
-        </a:solidFill>
-        <a:ln w="25400" cap="flat" cmpd="sng" algn="ctr">
-          <a:solidFill>
-            <a:schemeClr val="lt1">
-              <a:hueOff val="0"/>
-              <a:satOff val="0"/>
-              <a:lumOff val="0"/>
-              <a:alphaOff val="0"/>
-            </a:schemeClr>
-          </a:solidFill>
-          <a:prstDash val="solid"/>
-        </a:ln>
-        <a:effectLst/>
-      </dsp:spPr>
-      <dsp:style>
-        <a:lnRef idx="2">
-          <a:scrgbClr r="0" g="0" b="0"/>
-        </a:lnRef>
-        <a:fillRef idx="1">
-          <a:scrgbClr r="0" g="0" b="0"/>
-        </a:fillRef>
-        <a:effectRef idx="0">
-          <a:scrgbClr r="0" g="0" b="0"/>
-        </a:effectRef>
-        <a:fontRef idx="minor">
-          <a:schemeClr val="lt1"/>
-        </a:fontRef>
-      </dsp:style>
-      <dsp:txBody>
-        <a:bodyPr spcFirstLastPara="0" vert="horz" wrap="square" lIns="60960" tIns="60960" rIns="60960" bIns="60960" numCol="1" spcCol="1270" anchor="ctr" anchorCtr="0">
-          <a:noAutofit/>
-        </a:bodyPr>
-        <a:lstStyle/>
-        <a:p>
-          <a:pPr marL="0" lvl="0" indent="0" algn="ctr" defTabSz="711200">
-            <a:lnSpc>
-              <a:spcPct val="90000"/>
-            </a:lnSpc>
-            <a:spcBef>
-              <a:spcPct val="0"/>
-            </a:spcBef>
-            <a:spcAft>
-              <a:spcPct val="35000"/>
-            </a:spcAft>
-            <a:buNone/>
-          </a:pPr>
-          <a:r>
-            <a:rPr lang="zh-TW" altLang="en-US" sz="1600" kern="1200"/>
-            <a:t>識別各項不符合事項</a:t>
-          </a:r>
-          <a:endParaRPr lang="zh-TW" altLang="en-US" sz="1600" kern="1200" dirty="0"/>
-        </a:p>
-      </dsp:txBody>
-      <dsp:txXfrm>
-        <a:off x="54306" y="1374940"/>
-        <a:ext cx="969752" cy="1658383"/>
-      </dsp:txXfrm>
-    </dsp:sp>
-    <dsp:sp modelId="{164AD606-E6F9-4E63-8F0B-00E7908C9A03}">
-      <dsp:nvSpPr>
-        <dsp:cNvPr id="0" name=""/>
-        <dsp:cNvSpPr/>
-      </dsp:nvSpPr>
-      <dsp:spPr>
-        <a:xfrm>
-          <a:off x="1130254" y="1322479"/>
-          <a:ext cx="1074674" cy="1763305"/>
-        </a:xfrm>
-        <a:prstGeom prst="roundRect">
-          <a:avLst/>
-        </a:prstGeom>
-        <a:solidFill>
-          <a:schemeClr val="accent1">
-            <a:hueOff val="0"/>
-            <a:satOff val="0"/>
-            <a:lumOff val="0"/>
-            <a:alphaOff val="0"/>
-          </a:schemeClr>
-        </a:solidFill>
-        <a:ln w="25400" cap="flat" cmpd="sng" algn="ctr">
-          <a:solidFill>
-            <a:schemeClr val="lt1">
-              <a:hueOff val="0"/>
-              <a:satOff val="0"/>
-              <a:lumOff val="0"/>
-              <a:alphaOff val="0"/>
-            </a:schemeClr>
-          </a:solidFill>
-          <a:prstDash val="solid"/>
-        </a:ln>
-        <a:effectLst/>
-      </dsp:spPr>
-      <dsp:style>
-        <a:lnRef idx="2">
-          <a:scrgbClr r="0" g="0" b="0"/>
-        </a:lnRef>
-        <a:fillRef idx="1">
-          <a:scrgbClr r="0" g="0" b="0"/>
-        </a:fillRef>
-        <a:effectRef idx="0">
-          <a:scrgbClr r="0" g="0" b="0"/>
-        </a:effectRef>
-        <a:fontRef idx="minor">
-          <a:schemeClr val="lt1"/>
-        </a:fontRef>
-      </dsp:style>
-      <dsp:txBody>
-        <a:bodyPr spcFirstLastPara="0" vert="horz" wrap="square" lIns="60960" tIns="60960" rIns="60960" bIns="60960" numCol="1" spcCol="1270" anchor="ctr" anchorCtr="0">
-          <a:noAutofit/>
-        </a:bodyPr>
-        <a:lstStyle/>
-        <a:p>
-          <a:pPr marL="0" lvl="0" indent="0" algn="ctr" defTabSz="711200">
-            <a:lnSpc>
-              <a:spcPct val="90000"/>
-            </a:lnSpc>
-            <a:spcBef>
-              <a:spcPct val="0"/>
-            </a:spcBef>
-            <a:spcAft>
-              <a:spcPct val="35000"/>
-            </a:spcAft>
-            <a:buNone/>
-          </a:pPr>
-          <a:r>
-            <a:rPr lang="zh-TW" altLang="en-US" sz="1600" kern="1200" dirty="0"/>
-            <a:t>判定各項不符合之原因</a:t>
-          </a:r>
-        </a:p>
-      </dsp:txBody>
-      <dsp:txXfrm>
-        <a:off x="1182715" y="1374940"/>
-        <a:ext cx="969752" cy="1658383"/>
-      </dsp:txXfrm>
-    </dsp:sp>
-    <dsp:sp modelId="{02B3F862-2228-45F6-9E5B-D47A7DF63954}">
-      <dsp:nvSpPr>
-        <dsp:cNvPr id="0" name=""/>
-        <dsp:cNvSpPr/>
-      </dsp:nvSpPr>
-      <dsp:spPr>
-        <a:xfrm>
-          <a:off x="2258662" y="1322479"/>
-          <a:ext cx="1074674" cy="1763305"/>
-        </a:xfrm>
-        <a:prstGeom prst="roundRect">
-          <a:avLst/>
-        </a:prstGeom>
-        <a:solidFill>
-          <a:schemeClr val="accent1">
-            <a:hueOff val="0"/>
-            <a:satOff val="0"/>
-            <a:lumOff val="0"/>
-            <a:alphaOff val="0"/>
-          </a:schemeClr>
-        </a:solidFill>
-        <a:ln w="25400" cap="flat" cmpd="sng" algn="ctr">
-          <a:solidFill>
-            <a:schemeClr val="lt1">
-              <a:hueOff val="0"/>
-              <a:satOff val="0"/>
-              <a:lumOff val="0"/>
-              <a:alphaOff val="0"/>
-            </a:schemeClr>
-          </a:solidFill>
-          <a:prstDash val="solid"/>
-        </a:ln>
-        <a:effectLst/>
-      </dsp:spPr>
-      <dsp:style>
-        <a:lnRef idx="2">
-          <a:scrgbClr r="0" g="0" b="0"/>
-        </a:lnRef>
-        <a:fillRef idx="1">
-          <a:scrgbClr r="0" g="0" b="0"/>
-        </a:fillRef>
-        <a:effectRef idx="0">
-          <a:scrgbClr r="0" g="0" b="0"/>
-        </a:effectRef>
-        <a:fontRef idx="minor">
-          <a:schemeClr val="lt1"/>
-        </a:fontRef>
-      </dsp:style>
-      <dsp:txBody>
-        <a:bodyPr spcFirstLastPara="0" vert="horz" wrap="square" lIns="60960" tIns="60960" rIns="60960" bIns="60960" numCol="1" spcCol="1270" anchor="ctr" anchorCtr="0">
-          <a:noAutofit/>
-        </a:bodyPr>
-        <a:lstStyle/>
-        <a:p>
-          <a:pPr marL="0" lvl="0" indent="0" algn="ctr" defTabSz="711200">
-            <a:lnSpc>
-              <a:spcPct val="90000"/>
-            </a:lnSpc>
-            <a:spcBef>
-              <a:spcPct val="0"/>
-            </a:spcBef>
-            <a:spcAft>
-              <a:spcPct val="35000"/>
-            </a:spcAft>
-            <a:buNone/>
-          </a:pPr>
-          <a:r>
-            <a:rPr lang="zh-TW" altLang="en-US" sz="1600" kern="1200" dirty="0"/>
-            <a:t>評估措施之需求，以確保各項不符合事項不復發</a:t>
-          </a:r>
-        </a:p>
-      </dsp:txBody>
-      <dsp:txXfrm>
-        <a:off x="2311123" y="1374940"/>
-        <a:ext cx="969752" cy="1658383"/>
-      </dsp:txXfrm>
-    </dsp:sp>
-    <dsp:sp modelId="{BC8408BF-D162-4015-8E2D-92021E91E306}">
-      <dsp:nvSpPr>
-        <dsp:cNvPr id="0" name=""/>
-        <dsp:cNvSpPr/>
-      </dsp:nvSpPr>
-      <dsp:spPr>
-        <a:xfrm>
-          <a:off x="3387070" y="1322479"/>
-          <a:ext cx="1074674" cy="1763305"/>
-        </a:xfrm>
-        <a:prstGeom prst="roundRect">
-          <a:avLst/>
-        </a:prstGeom>
-        <a:solidFill>
-          <a:schemeClr val="accent1">
-            <a:hueOff val="0"/>
-            <a:satOff val="0"/>
-            <a:lumOff val="0"/>
-            <a:alphaOff val="0"/>
-          </a:schemeClr>
-        </a:solidFill>
-        <a:ln w="25400" cap="flat" cmpd="sng" algn="ctr">
-          <a:solidFill>
-            <a:schemeClr val="lt1">
-              <a:hueOff val="0"/>
-              <a:satOff val="0"/>
-              <a:lumOff val="0"/>
-              <a:alphaOff val="0"/>
-            </a:schemeClr>
-          </a:solidFill>
-          <a:prstDash val="solid"/>
-        </a:ln>
-        <a:effectLst/>
-      </dsp:spPr>
-      <dsp:style>
-        <a:lnRef idx="2">
-          <a:scrgbClr r="0" g="0" b="0"/>
-        </a:lnRef>
-        <a:fillRef idx="1">
-          <a:scrgbClr r="0" g="0" b="0"/>
-        </a:fillRef>
-        <a:effectRef idx="0">
-          <a:scrgbClr r="0" g="0" b="0"/>
-        </a:effectRef>
-        <a:fontRef idx="minor">
-          <a:schemeClr val="lt1"/>
-        </a:fontRef>
-      </dsp:style>
-      <dsp:txBody>
-        <a:bodyPr spcFirstLastPara="0" vert="horz" wrap="square" lIns="60960" tIns="60960" rIns="60960" bIns="60960" numCol="1" spcCol="1270" anchor="ctr" anchorCtr="0">
-          <a:noAutofit/>
-        </a:bodyPr>
-        <a:lstStyle/>
-        <a:p>
-          <a:pPr marL="0" lvl="0" indent="0" algn="ctr" defTabSz="711200">
-            <a:lnSpc>
-              <a:spcPct val="90000"/>
-            </a:lnSpc>
-            <a:spcBef>
-              <a:spcPct val="0"/>
-            </a:spcBef>
-            <a:spcAft>
-              <a:spcPct val="35000"/>
-            </a:spcAft>
-            <a:buNone/>
-          </a:pPr>
-          <a:r>
-            <a:rPr lang="zh-TW" altLang="en-US" sz="1600" kern="1200" dirty="0"/>
-            <a:t>決定與實作所需之矯正措施</a:t>
-          </a:r>
-        </a:p>
-      </dsp:txBody>
-      <dsp:txXfrm>
-        <a:off x="3439531" y="1374940"/>
-        <a:ext cx="969752" cy="1658383"/>
-      </dsp:txXfrm>
-    </dsp:sp>
-    <dsp:sp modelId="{E25C9939-1DAC-44B2-BD9D-324C34C85D2F}">
-      <dsp:nvSpPr>
-        <dsp:cNvPr id="0" name=""/>
-        <dsp:cNvSpPr/>
-      </dsp:nvSpPr>
-      <dsp:spPr>
-        <a:xfrm>
-          <a:off x="4515479" y="1322479"/>
-          <a:ext cx="1074674" cy="1763305"/>
-        </a:xfrm>
-        <a:prstGeom prst="roundRect">
-          <a:avLst/>
-        </a:prstGeom>
-        <a:solidFill>
-          <a:schemeClr val="accent1">
-            <a:hueOff val="0"/>
-            <a:satOff val="0"/>
-            <a:lumOff val="0"/>
-            <a:alphaOff val="0"/>
-          </a:schemeClr>
-        </a:solidFill>
-        <a:ln w="25400" cap="flat" cmpd="sng" algn="ctr">
-          <a:solidFill>
-            <a:schemeClr val="lt1">
-              <a:hueOff val="0"/>
-              <a:satOff val="0"/>
-              <a:lumOff val="0"/>
-              <a:alphaOff val="0"/>
-            </a:schemeClr>
-          </a:solidFill>
-          <a:prstDash val="solid"/>
-        </a:ln>
-        <a:effectLst/>
-      </dsp:spPr>
-      <dsp:style>
-        <a:lnRef idx="2">
-          <a:scrgbClr r="0" g="0" b="0"/>
-        </a:lnRef>
-        <a:fillRef idx="1">
-          <a:scrgbClr r="0" g="0" b="0"/>
-        </a:fillRef>
-        <a:effectRef idx="0">
-          <a:scrgbClr r="0" g="0" b="0"/>
-        </a:effectRef>
-        <a:fontRef idx="minor">
-          <a:schemeClr val="lt1"/>
-        </a:fontRef>
-      </dsp:style>
-      <dsp:txBody>
-        <a:bodyPr spcFirstLastPara="0" vert="horz" wrap="square" lIns="60960" tIns="60960" rIns="60960" bIns="60960" numCol="1" spcCol="1270" anchor="ctr" anchorCtr="0">
-          <a:noAutofit/>
-        </a:bodyPr>
-        <a:lstStyle/>
-        <a:p>
-          <a:pPr marL="0" lvl="0" indent="0" algn="ctr" defTabSz="711200">
-            <a:lnSpc>
-              <a:spcPct val="90000"/>
-            </a:lnSpc>
-            <a:spcBef>
-              <a:spcPct val="0"/>
-            </a:spcBef>
-            <a:spcAft>
-              <a:spcPct val="35000"/>
-            </a:spcAft>
-            <a:buNone/>
-          </a:pPr>
-          <a:r>
-            <a:rPr lang="zh-TW" altLang="en-US" sz="1600" kern="1200" dirty="0"/>
-            <a:t>記錄所採取措施的結果</a:t>
-          </a:r>
-        </a:p>
-      </dsp:txBody>
-      <dsp:txXfrm>
-        <a:off x="4567940" y="1374940"/>
-        <a:ext cx="969752" cy="1658383"/>
-      </dsp:txXfrm>
-    </dsp:sp>
-    <dsp:sp modelId="{74BCA458-9B4B-49B2-87B3-5AFFD117153A}">
-      <dsp:nvSpPr>
-        <dsp:cNvPr id="0" name=""/>
-        <dsp:cNvSpPr/>
-      </dsp:nvSpPr>
-      <dsp:spPr>
-        <a:xfrm>
-          <a:off x="5643887" y="1322479"/>
-          <a:ext cx="1074674" cy="1763305"/>
-        </a:xfrm>
-        <a:prstGeom prst="roundRect">
-          <a:avLst/>
-        </a:prstGeom>
-        <a:solidFill>
-          <a:schemeClr val="accent1">
-            <a:hueOff val="0"/>
-            <a:satOff val="0"/>
-            <a:lumOff val="0"/>
-            <a:alphaOff val="0"/>
-          </a:schemeClr>
-        </a:solidFill>
-        <a:ln w="25400" cap="flat" cmpd="sng" algn="ctr">
-          <a:solidFill>
-            <a:schemeClr val="lt1">
-              <a:hueOff val="0"/>
-              <a:satOff val="0"/>
-              <a:lumOff val="0"/>
-              <a:alphaOff val="0"/>
-            </a:schemeClr>
-          </a:solidFill>
-          <a:prstDash val="solid"/>
-        </a:ln>
-        <a:effectLst/>
-      </dsp:spPr>
-      <dsp:style>
-        <a:lnRef idx="2">
-          <a:scrgbClr r="0" g="0" b="0"/>
-        </a:lnRef>
-        <a:fillRef idx="1">
-          <a:scrgbClr r="0" g="0" b="0"/>
-        </a:fillRef>
-        <a:effectRef idx="0">
-          <a:scrgbClr r="0" g="0" b="0"/>
-        </a:effectRef>
-        <a:fontRef idx="minor">
-          <a:schemeClr val="lt1"/>
-        </a:fontRef>
-      </dsp:style>
-      <dsp:txBody>
-        <a:bodyPr spcFirstLastPara="0" vert="horz" wrap="square" lIns="60960" tIns="60960" rIns="60960" bIns="60960" numCol="1" spcCol="1270" anchor="ctr" anchorCtr="0">
-          <a:noAutofit/>
-        </a:bodyPr>
-        <a:lstStyle/>
-        <a:p>
-          <a:pPr marL="0" lvl="0" indent="0" algn="ctr" defTabSz="711200">
-            <a:lnSpc>
-              <a:spcPct val="90000"/>
-            </a:lnSpc>
-            <a:spcBef>
-              <a:spcPct val="0"/>
-            </a:spcBef>
-            <a:spcAft>
-              <a:spcPct val="35000"/>
-            </a:spcAft>
-            <a:buNone/>
-          </a:pPr>
-          <a:r>
-            <a:rPr lang="zh-TW" altLang="en-US" sz="1600" kern="1200" dirty="0"/>
-            <a:t>審查所採取之矯正措施</a:t>
-          </a:r>
-        </a:p>
-      </dsp:txBody>
-      <dsp:txXfrm>
-        <a:off x="5696348" y="1374940"/>
-        <a:ext cx="969752" cy="1658383"/>
-      </dsp:txXfrm>
-    </dsp:sp>
   </dsp:spTree>
 </dsp:drawing>
 </file>
@@ -16735,7 +16561,7 @@
           <a:p>
             <a:fld id="{E806AB7B-7C80-4229-A1C9-3A385B42E740}" type="datetimeFigureOut">
               <a:rPr lang="zh-TW" altLang="en-US" smtClean="0"/>
-              <a:t>2020/7/20</a:t>
+              <a:t>2020/7/21</a:t>
             </a:fld>
             <a:endParaRPr lang="zh-TW" altLang="en-US"/>
           </a:p>
@@ -17517,7 +17343,7 @@
           <a:p>
             <a:fld id="{39FAE5E8-3BB4-4F9C-BB24-ACC26F2A5A57}" type="datetimeFigureOut">
               <a:rPr lang="zh-TW" altLang="en-US" smtClean="0"/>
-              <a:t>2020/7/20</a:t>
+              <a:t>2020/7/21</a:t>
             </a:fld>
             <a:endParaRPr lang="zh-TW" altLang="en-US"/>
           </a:p>
@@ -17685,7 +17511,7 @@
           <a:p>
             <a:fld id="{39FAE5E8-3BB4-4F9C-BB24-ACC26F2A5A57}" type="datetimeFigureOut">
               <a:rPr lang="zh-TW" altLang="en-US" smtClean="0"/>
-              <a:t>2020/7/20</a:t>
+              <a:t>2020/7/21</a:t>
             </a:fld>
             <a:endParaRPr lang="zh-TW" altLang="en-US"/>
           </a:p>
@@ -17863,7 +17689,7 @@
           <a:p>
             <a:fld id="{39FAE5E8-3BB4-4F9C-BB24-ACC26F2A5A57}" type="datetimeFigureOut">
               <a:rPr lang="zh-TW" altLang="en-US" smtClean="0"/>
-              <a:t>2020/7/20</a:t>
+              <a:t>2020/7/21</a:t>
             </a:fld>
             <a:endParaRPr lang="zh-TW" altLang="en-US"/>
           </a:p>
@@ -18031,7 +17857,7 @@
           <a:p>
             <a:fld id="{39FAE5E8-3BB4-4F9C-BB24-ACC26F2A5A57}" type="datetimeFigureOut">
               <a:rPr lang="zh-TW" altLang="en-US" smtClean="0"/>
-              <a:t>2020/7/20</a:t>
+              <a:t>2020/7/21</a:t>
             </a:fld>
             <a:endParaRPr lang="zh-TW" altLang="en-US"/>
           </a:p>
@@ -18276,7 +18102,7 @@
           <a:p>
             <a:fld id="{39FAE5E8-3BB4-4F9C-BB24-ACC26F2A5A57}" type="datetimeFigureOut">
               <a:rPr lang="zh-TW" altLang="en-US" smtClean="0"/>
-              <a:t>2020/7/20</a:t>
+              <a:t>2020/7/21</a:t>
             </a:fld>
             <a:endParaRPr lang="zh-TW" altLang="en-US"/>
           </a:p>
@@ -18561,7 +18387,7 @@
           <a:p>
             <a:fld id="{39FAE5E8-3BB4-4F9C-BB24-ACC26F2A5A57}" type="datetimeFigureOut">
               <a:rPr lang="zh-TW" altLang="en-US" smtClean="0"/>
-              <a:t>2020/7/20</a:t>
+              <a:t>2020/7/21</a:t>
             </a:fld>
             <a:endParaRPr lang="zh-TW" altLang="en-US"/>
           </a:p>
@@ -18980,7 +18806,7 @@
           <a:p>
             <a:fld id="{39FAE5E8-3BB4-4F9C-BB24-ACC26F2A5A57}" type="datetimeFigureOut">
               <a:rPr lang="zh-TW" altLang="en-US" smtClean="0"/>
-              <a:t>2020/7/20</a:t>
+              <a:t>2020/7/21</a:t>
             </a:fld>
             <a:endParaRPr lang="zh-TW" altLang="en-US"/>
           </a:p>
@@ -19097,7 +18923,7 @@
           <a:p>
             <a:fld id="{39FAE5E8-3BB4-4F9C-BB24-ACC26F2A5A57}" type="datetimeFigureOut">
               <a:rPr lang="zh-TW" altLang="en-US" smtClean="0"/>
-              <a:t>2020/7/20</a:t>
+              <a:t>2020/7/21</a:t>
             </a:fld>
             <a:endParaRPr lang="zh-TW" altLang="en-US"/>
           </a:p>
@@ -19192,7 +19018,7 @@
           <a:p>
             <a:fld id="{39FAE5E8-3BB4-4F9C-BB24-ACC26F2A5A57}" type="datetimeFigureOut">
               <a:rPr lang="zh-TW" altLang="en-US" smtClean="0"/>
-              <a:t>2020/7/20</a:t>
+              <a:t>2020/7/21</a:t>
             </a:fld>
             <a:endParaRPr lang="zh-TW" altLang="en-US"/>
           </a:p>
@@ -19467,7 +19293,7 @@
           <a:p>
             <a:fld id="{39FAE5E8-3BB4-4F9C-BB24-ACC26F2A5A57}" type="datetimeFigureOut">
               <a:rPr lang="zh-TW" altLang="en-US" smtClean="0"/>
-              <a:t>2020/7/20</a:t>
+              <a:t>2020/7/21</a:t>
             </a:fld>
             <a:endParaRPr lang="zh-TW" altLang="en-US"/>
           </a:p>
@@ -19719,7 +19545,7 @@
           <a:p>
             <a:fld id="{39FAE5E8-3BB4-4F9C-BB24-ACC26F2A5A57}" type="datetimeFigureOut">
               <a:rPr lang="zh-TW" altLang="en-US" smtClean="0"/>
-              <a:t>2020/7/20</a:t>
+              <a:t>2020/7/21</a:t>
             </a:fld>
             <a:endParaRPr lang="zh-TW" altLang="en-US"/>
           </a:p>
@@ -19930,7 +19756,7 @@
           <a:p>
             <a:fld id="{39FAE5E8-3BB4-4F9C-BB24-ACC26F2A5A57}" type="datetimeFigureOut">
               <a:rPr lang="zh-TW" altLang="en-US" smtClean="0"/>
-              <a:t>2020/7/20</a:t>
+              <a:t>2020/7/21</a:t>
             </a:fld>
             <a:endParaRPr lang="zh-TW" altLang="en-US"/>
           </a:p>
@@ -20382,7 +20208,7 @@
           <p:cNvPr id="2" name="標題 1">
             <a:extLst>
               <a:ext uri="{FF2B5EF4-FFF2-40B4-BE49-F238E27FC236}">
-                <a16:creationId xmlns:a16="http://schemas.microsoft.com/office/drawing/2014/main" id="{0E6165C1-B506-4057-BBE8-C185435EC92E}"/>
+                <a16:creationId xmlns:a16="http://schemas.microsoft.com/office/drawing/2014/main" xmlns="" id="{0E6165C1-B506-4057-BBE8-C185435EC92E}"/>
               </a:ext>
             </a:extLst>
           </p:cNvPr>
@@ -20415,7 +20241,7 @@
           <p:cNvPr id="4" name="表格 3">
             <a:extLst>
               <a:ext uri="{FF2B5EF4-FFF2-40B4-BE49-F238E27FC236}">
-                <a16:creationId xmlns:a16="http://schemas.microsoft.com/office/drawing/2014/main" id="{36E1D760-AEA4-4D2D-8DCB-7379DB2B98C1}"/>
+                <a16:creationId xmlns:a16="http://schemas.microsoft.com/office/drawing/2014/main" xmlns="" id="{36E1D760-AEA4-4D2D-8DCB-7379DB2B98C1}"/>
               </a:ext>
             </a:extLst>
           </p:cNvPr>
@@ -20444,14 +20270,14 @@
                 <a:gridCol w="1372588">
                   <a:extLst>
                     <a:ext uri="{9D8B030D-6E8A-4147-A177-3AD203B41FA5}">
-                      <a16:colId xmlns:a16="http://schemas.microsoft.com/office/drawing/2014/main" val="2352374215"/>
+                      <a16:colId xmlns:a16="http://schemas.microsoft.com/office/drawing/2014/main" xmlns="" val="2352374215"/>
                     </a:ext>
                   </a:extLst>
                 </a:gridCol>
                 <a:gridCol w="6413148">
                   <a:extLst>
                     <a:ext uri="{9D8B030D-6E8A-4147-A177-3AD203B41FA5}">
-                      <a16:colId xmlns:a16="http://schemas.microsoft.com/office/drawing/2014/main" val="1501951149"/>
+                      <a16:colId xmlns:a16="http://schemas.microsoft.com/office/drawing/2014/main" xmlns="" val="1501951149"/>
                     </a:ext>
                   </a:extLst>
                 </a:gridCol>
@@ -20479,7 +20305,7 @@
                 </a:tc>
                 <a:extLst>
                   <a:ext uri="{0D108BD9-81ED-4DB2-BD59-A6C34878D82A}">
-                    <a16:rowId xmlns:a16="http://schemas.microsoft.com/office/drawing/2014/main" val="1073605157"/>
+                    <a16:rowId xmlns:a16="http://schemas.microsoft.com/office/drawing/2014/main" xmlns="" val="1073605157"/>
                   </a:ext>
                 </a:extLst>
               </a:tr>
@@ -20558,7 +20384,7 @@
                 </a:tc>
                 <a:extLst>
                   <a:ext uri="{0D108BD9-81ED-4DB2-BD59-A6C34878D82A}">
-                    <a16:rowId xmlns:a16="http://schemas.microsoft.com/office/drawing/2014/main" val="3157688989"/>
+                    <a16:rowId xmlns:a16="http://schemas.microsoft.com/office/drawing/2014/main" xmlns="" val="3157688989"/>
                   </a:ext>
                 </a:extLst>
               </a:tr>
@@ -20596,7 +20422,7 @@
                 </a:tc>
                 <a:extLst>
                   <a:ext uri="{0D108BD9-81ED-4DB2-BD59-A6C34878D82A}">
-                    <a16:rowId xmlns:a16="http://schemas.microsoft.com/office/drawing/2014/main" val="452943782"/>
+                    <a16:rowId xmlns:a16="http://schemas.microsoft.com/office/drawing/2014/main" xmlns="" val="452943782"/>
                   </a:ext>
                 </a:extLst>
               </a:tr>
@@ -20675,7 +20501,7 @@
                 </a:tc>
                 <a:extLst>
                   <a:ext uri="{0D108BD9-81ED-4DB2-BD59-A6C34878D82A}">
-                    <a16:rowId xmlns:a16="http://schemas.microsoft.com/office/drawing/2014/main" val="3492078608"/>
+                    <a16:rowId xmlns:a16="http://schemas.microsoft.com/office/drawing/2014/main" xmlns="" val="3492078608"/>
                   </a:ext>
                 </a:extLst>
               </a:tr>
@@ -20713,7 +20539,7 @@
                 </a:tc>
                 <a:extLst>
                   <a:ext uri="{0D108BD9-81ED-4DB2-BD59-A6C34878D82A}">
-                    <a16:rowId xmlns:a16="http://schemas.microsoft.com/office/drawing/2014/main" val="2671766104"/>
+                    <a16:rowId xmlns:a16="http://schemas.microsoft.com/office/drawing/2014/main" xmlns="" val="2671766104"/>
                   </a:ext>
                 </a:extLst>
               </a:tr>
@@ -20751,7 +20577,7 @@
                 </a:tc>
                 <a:extLst>
                   <a:ext uri="{0D108BD9-81ED-4DB2-BD59-A6C34878D82A}">
-                    <a16:rowId xmlns:a16="http://schemas.microsoft.com/office/drawing/2014/main" val="3981070665"/>
+                    <a16:rowId xmlns:a16="http://schemas.microsoft.com/office/drawing/2014/main" xmlns="" val="3981070665"/>
                   </a:ext>
                 </a:extLst>
               </a:tr>
@@ -20789,7 +20615,7 @@
                 </a:tc>
                 <a:extLst>
                   <a:ext uri="{0D108BD9-81ED-4DB2-BD59-A6C34878D82A}">
-                    <a16:rowId xmlns:a16="http://schemas.microsoft.com/office/drawing/2014/main" val="2923883058"/>
+                    <a16:rowId xmlns:a16="http://schemas.microsoft.com/office/drawing/2014/main" xmlns="" val="2923883058"/>
                   </a:ext>
                 </a:extLst>
               </a:tr>
@@ -20839,7 +20665,7 @@
                 </a:tc>
                 <a:extLst>
                   <a:ext uri="{0D108BD9-81ED-4DB2-BD59-A6C34878D82A}">
-                    <a16:rowId xmlns:a16="http://schemas.microsoft.com/office/drawing/2014/main" val="2928542198"/>
+                    <a16:rowId xmlns:a16="http://schemas.microsoft.com/office/drawing/2014/main" xmlns="" val="2928542198"/>
                   </a:ext>
                 </a:extLst>
               </a:tr>
@@ -20877,7 +20703,7 @@
                 </a:tc>
                 <a:extLst>
                   <a:ext uri="{0D108BD9-81ED-4DB2-BD59-A6C34878D82A}">
-                    <a16:rowId xmlns:a16="http://schemas.microsoft.com/office/drawing/2014/main" val="1664563278"/>
+                    <a16:rowId xmlns:a16="http://schemas.microsoft.com/office/drawing/2014/main" xmlns="" val="1664563278"/>
                   </a:ext>
                 </a:extLst>
               </a:tr>
@@ -20915,7 +20741,7 @@
                 </a:tc>
                 <a:extLst>
                   <a:ext uri="{0D108BD9-81ED-4DB2-BD59-A6C34878D82A}">
-                    <a16:rowId xmlns:a16="http://schemas.microsoft.com/office/drawing/2014/main" val="1390298333"/>
+                    <a16:rowId xmlns:a16="http://schemas.microsoft.com/office/drawing/2014/main" xmlns="" val="1390298333"/>
                   </a:ext>
                 </a:extLst>
               </a:tr>
@@ -20953,7 +20779,7 @@
                 </a:tc>
                 <a:extLst>
                   <a:ext uri="{0D108BD9-81ED-4DB2-BD59-A6C34878D82A}">
-                    <a16:rowId xmlns:a16="http://schemas.microsoft.com/office/drawing/2014/main" val="2572904963"/>
+                    <a16:rowId xmlns:a16="http://schemas.microsoft.com/office/drawing/2014/main" xmlns="" val="2572904963"/>
                   </a:ext>
                 </a:extLst>
               </a:tr>
@@ -20996,7 +20822,7 @@
           <p:cNvPr id="2" name="標題 1">
             <a:extLst>
               <a:ext uri="{FF2B5EF4-FFF2-40B4-BE49-F238E27FC236}">
-                <a16:creationId xmlns:a16="http://schemas.microsoft.com/office/drawing/2014/main" id="{80C99A15-4213-406F-AC81-F944072775E2}"/>
+                <a16:creationId xmlns:a16="http://schemas.microsoft.com/office/drawing/2014/main" xmlns="" id="{80C99A15-4213-406F-AC81-F944072775E2}"/>
               </a:ext>
             </a:extLst>
           </p:cNvPr>
@@ -21033,7 +20859,7 @@
           <p:cNvPr id="4" name="內容版面配置區 3">
             <a:extLst>
               <a:ext uri="{FF2B5EF4-FFF2-40B4-BE49-F238E27FC236}">
-                <a16:creationId xmlns:a16="http://schemas.microsoft.com/office/drawing/2014/main" id="{78C34D7B-51A0-4FE0-B4F6-D0BCD0BD1175}"/>
+                <a16:creationId xmlns:a16="http://schemas.microsoft.com/office/drawing/2014/main" xmlns="" id="{78C34D7B-51A0-4FE0-B4F6-D0BCD0BD1175}"/>
               </a:ext>
             </a:extLst>
           </p:cNvPr>
@@ -21129,7 +20955,7 @@
           <p:cNvPr id="4" name="圖片 3">
             <a:extLst>
               <a:ext uri="{FF2B5EF4-FFF2-40B4-BE49-F238E27FC236}">
-                <a16:creationId xmlns:a16="http://schemas.microsoft.com/office/drawing/2014/main" id="{041D105D-E7DB-413D-B775-859EE10D415B}"/>
+                <a16:creationId xmlns:a16="http://schemas.microsoft.com/office/drawing/2014/main" xmlns="" id="{041D105D-E7DB-413D-B775-859EE10D415B}"/>
               </a:ext>
             </a:extLst>
           </p:cNvPr>
@@ -21159,7 +20985,7 @@
           <p:cNvPr id="5" name="矩形 4">
             <a:extLst>
               <a:ext uri="{FF2B5EF4-FFF2-40B4-BE49-F238E27FC236}">
-                <a16:creationId xmlns:a16="http://schemas.microsoft.com/office/drawing/2014/main" id="{F0D9C3C4-7811-4390-AD83-5A52BB6B6982}"/>
+                <a16:creationId xmlns:a16="http://schemas.microsoft.com/office/drawing/2014/main" xmlns="" id="{F0D9C3C4-7811-4390-AD83-5A52BB6B6982}"/>
               </a:ext>
             </a:extLst>
           </p:cNvPr>
@@ -21297,7 +21123,7 @@
           <p:cNvPr id="4" name="圖片 3">
             <a:extLst>
               <a:ext uri="{FF2B5EF4-FFF2-40B4-BE49-F238E27FC236}">
-                <a16:creationId xmlns:a16="http://schemas.microsoft.com/office/drawing/2014/main" id="{F981929A-19E4-47CB-944C-ACFB8A96EF3F}"/>
+                <a16:creationId xmlns:a16="http://schemas.microsoft.com/office/drawing/2014/main" xmlns="" id="{F981929A-19E4-47CB-944C-ACFB8A96EF3F}"/>
               </a:ext>
             </a:extLst>
           </p:cNvPr>
@@ -21327,7 +21153,7 @@
           <p:cNvPr id="5" name="矩形 4">
             <a:extLst>
               <a:ext uri="{FF2B5EF4-FFF2-40B4-BE49-F238E27FC236}">
-                <a16:creationId xmlns:a16="http://schemas.microsoft.com/office/drawing/2014/main" id="{F3705828-90CB-4900-B595-03E3BD15ACB8}"/>
+                <a16:creationId xmlns:a16="http://schemas.microsoft.com/office/drawing/2014/main" xmlns="" id="{F3705828-90CB-4900-B595-03E3BD15ACB8}"/>
               </a:ext>
             </a:extLst>
           </p:cNvPr>
@@ -21610,7 +21436,7 @@
           <p:cNvPr id="2" name="標題 1">
             <a:extLst>
               <a:ext uri="{FF2B5EF4-FFF2-40B4-BE49-F238E27FC236}">
-                <a16:creationId xmlns:a16="http://schemas.microsoft.com/office/drawing/2014/main" id="{1314F1D0-610C-4907-B7E8-00C6EF9421B2}"/>
+                <a16:creationId xmlns:a16="http://schemas.microsoft.com/office/drawing/2014/main" xmlns="" id="{1314F1D0-610C-4907-B7E8-00C6EF9421B2}"/>
               </a:ext>
             </a:extLst>
           </p:cNvPr>
@@ -21650,7 +21476,7 @@
           <p:cNvPr id="3" name="內容版面配置區 2">
             <a:extLst>
               <a:ext uri="{FF2B5EF4-FFF2-40B4-BE49-F238E27FC236}">
-                <a16:creationId xmlns:a16="http://schemas.microsoft.com/office/drawing/2014/main" id="{F1CAAA97-6943-427F-96BA-C607FF4D3EC5}"/>
+                <a16:creationId xmlns:a16="http://schemas.microsoft.com/office/drawing/2014/main" xmlns="" id="{F1CAAA97-6943-427F-96BA-C607FF4D3EC5}"/>
               </a:ext>
             </a:extLst>
           </p:cNvPr>
@@ -21996,7 +21822,7 @@
           <p:cNvPr id="4" name="矩形 3">
             <a:extLst>
               <a:ext uri="{FF2B5EF4-FFF2-40B4-BE49-F238E27FC236}">
-                <a16:creationId xmlns:a16="http://schemas.microsoft.com/office/drawing/2014/main" id="{C0E12836-A8C4-4BE9-9D60-99EA7513DA4E}"/>
+                <a16:creationId xmlns:a16="http://schemas.microsoft.com/office/drawing/2014/main" xmlns="" id="{C0E12836-A8C4-4BE9-9D60-99EA7513DA4E}"/>
               </a:ext>
             </a:extLst>
           </p:cNvPr>
@@ -22298,6 +22124,10 @@
               <a:rPr lang="zh-TW" altLang="en-US" dirty="0"/>
               <a:t>風險接受準則 </a:t>
             </a:r>
+            <a:r>
+              <a:rPr lang="en-US" altLang="zh-TW" dirty="0"/>
+              <a:t/>
+            </a:r>
             <a:br>
               <a:rPr lang="en-US" altLang="zh-TW" dirty="0"/>
             </a:br>
@@ -22314,7 +22144,7 @@
           <p:cNvPr id="4" name="矩形 3">
             <a:extLst>
               <a:ext uri="{FF2B5EF4-FFF2-40B4-BE49-F238E27FC236}">
-                <a16:creationId xmlns:a16="http://schemas.microsoft.com/office/drawing/2014/main" id="{26DA97BF-E08A-477F-8230-EB749A4D8F5F}"/>
+                <a16:creationId xmlns:a16="http://schemas.microsoft.com/office/drawing/2014/main" xmlns="" id="{26DA97BF-E08A-477F-8230-EB749A4D8F5F}"/>
               </a:ext>
             </a:extLst>
           </p:cNvPr>
@@ -22492,7 +22322,7 @@
           <p:cNvPr id="5" name="矩形 4">
             <a:extLst>
               <a:ext uri="{FF2B5EF4-FFF2-40B4-BE49-F238E27FC236}">
-                <a16:creationId xmlns:a16="http://schemas.microsoft.com/office/drawing/2014/main" id="{B4E03178-4BC0-4716-B910-BC487E848873}"/>
+                <a16:creationId xmlns:a16="http://schemas.microsoft.com/office/drawing/2014/main" xmlns="" id="{B4E03178-4BC0-4716-B910-BC487E848873}"/>
               </a:ext>
             </a:extLst>
           </p:cNvPr>
@@ -22717,7 +22547,7 @@
           <p:cNvPr id="5" name="文字方塊 4">
             <a:extLst>
               <a:ext uri="{FF2B5EF4-FFF2-40B4-BE49-F238E27FC236}">
-                <a16:creationId xmlns:a16="http://schemas.microsoft.com/office/drawing/2014/main" id="{730DB56B-5DAA-4E2B-AB0C-8B6264390748}"/>
+                <a16:creationId xmlns:a16="http://schemas.microsoft.com/office/drawing/2014/main" xmlns="" id="{730DB56B-5DAA-4E2B-AB0C-8B6264390748}"/>
               </a:ext>
             </a:extLst>
           </p:cNvPr>
@@ -22785,7 +22615,7 @@
           <p:cNvPr id="2" name="標題 1">
             <a:extLst>
               <a:ext uri="{FF2B5EF4-FFF2-40B4-BE49-F238E27FC236}">
-                <a16:creationId xmlns:a16="http://schemas.microsoft.com/office/drawing/2014/main" id="{40A77045-F0D5-4B18-B132-A8E2D82F06E8}"/>
+                <a16:creationId xmlns:a16="http://schemas.microsoft.com/office/drawing/2014/main" xmlns="" id="{40A77045-F0D5-4B18-B132-A8E2D82F06E8}"/>
               </a:ext>
             </a:extLst>
           </p:cNvPr>
@@ -22818,7 +22648,7 @@
           <p:cNvPr id="3" name="矩形 2">
             <a:extLst>
               <a:ext uri="{FF2B5EF4-FFF2-40B4-BE49-F238E27FC236}">
-                <a16:creationId xmlns:a16="http://schemas.microsoft.com/office/drawing/2014/main" id="{63DBBDA2-1F8F-497E-84D9-34326F73A7A1}"/>
+                <a16:creationId xmlns:a16="http://schemas.microsoft.com/office/drawing/2014/main" xmlns="" id="{63DBBDA2-1F8F-497E-84D9-34326F73A7A1}"/>
               </a:ext>
             </a:extLst>
           </p:cNvPr>
@@ -23016,7 +22846,7 @@
           <p:cNvPr id="2" name="標題 1">
             <a:extLst>
               <a:ext uri="{FF2B5EF4-FFF2-40B4-BE49-F238E27FC236}">
-                <a16:creationId xmlns:a16="http://schemas.microsoft.com/office/drawing/2014/main" id="{459D6387-CD78-43DB-B264-26505C401B83}"/>
+                <a16:creationId xmlns:a16="http://schemas.microsoft.com/office/drawing/2014/main" xmlns="" id="{459D6387-CD78-43DB-B264-26505C401B83}"/>
               </a:ext>
             </a:extLst>
           </p:cNvPr>
@@ -23049,7 +22879,7 @@
           <p:cNvPr id="3" name="矩形 2">
             <a:extLst>
               <a:ext uri="{FF2B5EF4-FFF2-40B4-BE49-F238E27FC236}">
-                <a16:creationId xmlns:a16="http://schemas.microsoft.com/office/drawing/2014/main" id="{A323FFF8-CB30-4677-B172-2C14581D67C1}"/>
+                <a16:creationId xmlns:a16="http://schemas.microsoft.com/office/drawing/2014/main" xmlns="" id="{A323FFF8-CB30-4677-B172-2C14581D67C1}"/>
               </a:ext>
             </a:extLst>
           </p:cNvPr>
@@ -23434,7 +23264,7 @@
           <p:cNvPr id="2" name="標題 1">
             <a:extLst>
               <a:ext uri="{FF2B5EF4-FFF2-40B4-BE49-F238E27FC236}">
-                <a16:creationId xmlns:a16="http://schemas.microsoft.com/office/drawing/2014/main" id="{3FCCC980-0D52-4815-8E86-BED3A3F87138}"/>
+                <a16:creationId xmlns:a16="http://schemas.microsoft.com/office/drawing/2014/main" xmlns="" id="{3FCCC980-0D52-4815-8E86-BED3A3F87138}"/>
               </a:ext>
             </a:extLst>
           </p:cNvPr>
@@ -23467,7 +23297,7 @@
           <p:cNvPr id="7" name="表格 6">
             <a:extLst>
               <a:ext uri="{FF2B5EF4-FFF2-40B4-BE49-F238E27FC236}">
-                <a16:creationId xmlns:a16="http://schemas.microsoft.com/office/drawing/2014/main" id="{57D5E812-6486-4878-9E06-78F34E861FBA}"/>
+                <a16:creationId xmlns:a16="http://schemas.microsoft.com/office/drawing/2014/main" xmlns="" id="{57D5E812-6486-4878-9E06-78F34E861FBA}"/>
               </a:ext>
             </a:extLst>
           </p:cNvPr>
@@ -23496,14 +23326,14 @@
                 <a:gridCol w="692468">
                   <a:extLst>
                     <a:ext uri="{9D8B030D-6E8A-4147-A177-3AD203B41FA5}">
-                      <a16:colId xmlns:a16="http://schemas.microsoft.com/office/drawing/2014/main" val="1727514666"/>
+                      <a16:colId xmlns:a16="http://schemas.microsoft.com/office/drawing/2014/main" xmlns="" val="1727514666"/>
                     </a:ext>
                   </a:extLst>
                 </a:gridCol>
                 <a:gridCol w="6766504">
                   <a:extLst>
                     <a:ext uri="{9D8B030D-6E8A-4147-A177-3AD203B41FA5}">
-                      <a16:colId xmlns:a16="http://schemas.microsoft.com/office/drawing/2014/main" val="3943805312"/>
+                      <a16:colId xmlns:a16="http://schemas.microsoft.com/office/drawing/2014/main" xmlns="" val="3943805312"/>
                     </a:ext>
                   </a:extLst>
                 </a:gridCol>
@@ -23539,7 +23369,7 @@
                 </a:tc>
                 <a:extLst>
                   <a:ext uri="{0D108BD9-81ED-4DB2-BD59-A6C34878D82A}">
-                    <a16:rowId xmlns:a16="http://schemas.microsoft.com/office/drawing/2014/main" val="681383779"/>
+                    <a16:rowId xmlns:a16="http://schemas.microsoft.com/office/drawing/2014/main" xmlns="" val="681383779"/>
                   </a:ext>
                 </a:extLst>
               </a:tr>
@@ -23613,7 +23443,7 @@
                 </a:tc>
                 <a:extLst>
                   <a:ext uri="{0D108BD9-81ED-4DB2-BD59-A6C34878D82A}">
-                    <a16:rowId xmlns:a16="http://schemas.microsoft.com/office/drawing/2014/main" val="112000514"/>
+                    <a16:rowId xmlns:a16="http://schemas.microsoft.com/office/drawing/2014/main" xmlns="" val="112000514"/>
                   </a:ext>
                 </a:extLst>
               </a:tr>
@@ -23685,7 +23515,7 @@
                 </a:tc>
                 <a:extLst>
                   <a:ext uri="{0D108BD9-81ED-4DB2-BD59-A6C34878D82A}">
-                    <a16:rowId xmlns:a16="http://schemas.microsoft.com/office/drawing/2014/main" val="400608614"/>
+                    <a16:rowId xmlns:a16="http://schemas.microsoft.com/office/drawing/2014/main" xmlns="" val="400608614"/>
                   </a:ext>
                 </a:extLst>
               </a:tr>
@@ -23741,7 +23571,7 @@
                 </a:tc>
                 <a:extLst>
                   <a:ext uri="{0D108BD9-81ED-4DB2-BD59-A6C34878D82A}">
-                    <a16:rowId xmlns:a16="http://schemas.microsoft.com/office/drawing/2014/main" val="1187979239"/>
+                    <a16:rowId xmlns:a16="http://schemas.microsoft.com/office/drawing/2014/main" xmlns="" val="1187979239"/>
                   </a:ext>
                 </a:extLst>
               </a:tr>
@@ -23754,7 +23584,7 @@
           <p:cNvPr id="8" name="矩形 7">
             <a:extLst>
               <a:ext uri="{FF2B5EF4-FFF2-40B4-BE49-F238E27FC236}">
-                <a16:creationId xmlns:a16="http://schemas.microsoft.com/office/drawing/2014/main" id="{8CF41334-6285-4AB5-9634-BFD1F3AB0467}"/>
+                <a16:creationId xmlns:a16="http://schemas.microsoft.com/office/drawing/2014/main" xmlns="" id="{8CF41334-6285-4AB5-9634-BFD1F3AB0467}"/>
               </a:ext>
             </a:extLst>
           </p:cNvPr>
@@ -24009,7 +23839,7 @@
           <p:cNvPr id="2" name="標題 1">
             <a:extLst>
               <a:ext uri="{FF2B5EF4-FFF2-40B4-BE49-F238E27FC236}">
-                <a16:creationId xmlns:a16="http://schemas.microsoft.com/office/drawing/2014/main" id="{1FA4F11A-F250-433A-824B-26450B55BC7D}"/>
+                <a16:creationId xmlns:a16="http://schemas.microsoft.com/office/drawing/2014/main" xmlns="" id="{1FA4F11A-F250-433A-824B-26450B55BC7D}"/>
               </a:ext>
             </a:extLst>
           </p:cNvPr>
@@ -24042,7 +23872,7 @@
           <p:cNvPr id="3" name="資料庫圖表 2">
             <a:extLst>
               <a:ext uri="{FF2B5EF4-FFF2-40B4-BE49-F238E27FC236}">
-                <a16:creationId xmlns:a16="http://schemas.microsoft.com/office/drawing/2014/main" id="{3A7CB4F3-78B6-49D8-A85A-44D303AE9334}"/>
+                <a16:creationId xmlns:a16="http://schemas.microsoft.com/office/drawing/2014/main" xmlns="" id="{3A7CB4F3-78B6-49D8-A85A-44D303AE9334}"/>
               </a:ext>
             </a:extLst>
           </p:cNvPr>
@@ -24100,7 +23930,7 @@
           <p:cNvPr id="2" name="標題 1">
             <a:extLst>
               <a:ext uri="{FF2B5EF4-FFF2-40B4-BE49-F238E27FC236}">
-                <a16:creationId xmlns:a16="http://schemas.microsoft.com/office/drawing/2014/main" id="{7C12CD82-64F9-46E7-A787-56AF21F511DF}"/>
+                <a16:creationId xmlns:a16="http://schemas.microsoft.com/office/drawing/2014/main" xmlns="" id="{7C12CD82-64F9-46E7-A787-56AF21F511DF}"/>
               </a:ext>
             </a:extLst>
           </p:cNvPr>
@@ -24133,7 +23963,7 @@
           <p:cNvPr id="3" name="矩形 2">
             <a:extLst>
               <a:ext uri="{FF2B5EF4-FFF2-40B4-BE49-F238E27FC236}">
-                <a16:creationId xmlns:a16="http://schemas.microsoft.com/office/drawing/2014/main" id="{D2541255-DAC3-49C1-A658-017440D2C8A7}"/>
+                <a16:creationId xmlns:a16="http://schemas.microsoft.com/office/drawing/2014/main" xmlns="" id="{D2541255-DAC3-49C1-A658-017440D2C8A7}"/>
               </a:ext>
             </a:extLst>
           </p:cNvPr>
@@ -24210,7 +24040,7 @@
           <p:cNvPr id="5" name="圖片 4">
             <a:extLst>
               <a:ext uri="{FF2B5EF4-FFF2-40B4-BE49-F238E27FC236}">
-                <a16:creationId xmlns:a16="http://schemas.microsoft.com/office/drawing/2014/main" id="{77C6FBBB-21BC-4595-8128-1C2895771718}"/>
+                <a16:creationId xmlns:a16="http://schemas.microsoft.com/office/drawing/2014/main" xmlns="" id="{77C6FBBB-21BC-4595-8128-1C2895771718}"/>
               </a:ext>
             </a:extLst>
           </p:cNvPr>
@@ -24307,7 +24137,7 @@
           <p:cNvPr id="6" name="矩形 5">
             <a:extLst>
               <a:ext uri="{FF2B5EF4-FFF2-40B4-BE49-F238E27FC236}">
-                <a16:creationId xmlns:a16="http://schemas.microsoft.com/office/drawing/2014/main" id="{3919B961-F6B6-4709-A918-2E5B41E05F0D}"/>
+                <a16:creationId xmlns:a16="http://schemas.microsoft.com/office/drawing/2014/main" xmlns="" id="{3919B961-F6B6-4709-A918-2E5B41E05F0D}"/>
               </a:ext>
             </a:extLst>
           </p:cNvPr>
@@ -24403,7 +24233,7 @@
           <p:cNvPr id="2" name="標題 1">
             <a:extLst>
               <a:ext uri="{FF2B5EF4-FFF2-40B4-BE49-F238E27FC236}">
-                <a16:creationId xmlns:a16="http://schemas.microsoft.com/office/drawing/2014/main" id="{78BA677F-E526-47FE-8033-29BFBDB6DCB5}"/>
+                <a16:creationId xmlns:a16="http://schemas.microsoft.com/office/drawing/2014/main" xmlns="" id="{78BA677F-E526-47FE-8033-29BFBDB6DCB5}"/>
               </a:ext>
             </a:extLst>
           </p:cNvPr>
@@ -24440,7 +24270,7 @@
           <p:cNvPr id="3" name="圖片 2">
             <a:extLst>
               <a:ext uri="{FF2B5EF4-FFF2-40B4-BE49-F238E27FC236}">
-                <a16:creationId xmlns:a16="http://schemas.microsoft.com/office/drawing/2014/main" id="{8E5ABB56-CDA5-4FF4-BF78-239E1CB46DC6}"/>
+                <a16:creationId xmlns:a16="http://schemas.microsoft.com/office/drawing/2014/main" xmlns="" id="{8E5ABB56-CDA5-4FF4-BF78-239E1CB46DC6}"/>
               </a:ext>
             </a:extLst>
           </p:cNvPr>
@@ -24470,7 +24300,7 @@
           <p:cNvPr id="4" name="矩形 3">
             <a:extLst>
               <a:ext uri="{FF2B5EF4-FFF2-40B4-BE49-F238E27FC236}">
-                <a16:creationId xmlns:a16="http://schemas.microsoft.com/office/drawing/2014/main" id="{C799F4DA-C4D8-498D-A7EB-918F5A639603}"/>
+                <a16:creationId xmlns:a16="http://schemas.microsoft.com/office/drawing/2014/main" xmlns="" id="{C799F4DA-C4D8-498D-A7EB-918F5A639603}"/>
               </a:ext>
             </a:extLst>
           </p:cNvPr>
@@ -24686,7 +24516,7 @@
           <p:cNvPr id="2" name="標題 1">
             <a:extLst>
               <a:ext uri="{FF2B5EF4-FFF2-40B4-BE49-F238E27FC236}">
-                <a16:creationId xmlns:a16="http://schemas.microsoft.com/office/drawing/2014/main" id="{6E655655-E291-4860-A420-80807763B870}"/>
+                <a16:creationId xmlns:a16="http://schemas.microsoft.com/office/drawing/2014/main" xmlns="" id="{6E655655-E291-4860-A420-80807763B870}"/>
               </a:ext>
             </a:extLst>
           </p:cNvPr>
@@ -24719,7 +24549,7 @@
           <p:cNvPr id="3" name="表格 2">
             <a:extLst>
               <a:ext uri="{FF2B5EF4-FFF2-40B4-BE49-F238E27FC236}">
-                <a16:creationId xmlns:a16="http://schemas.microsoft.com/office/drawing/2014/main" id="{3C9A1639-D114-4586-9526-81895D20BFB3}"/>
+                <a16:creationId xmlns:a16="http://schemas.microsoft.com/office/drawing/2014/main" xmlns="" id="{3C9A1639-D114-4586-9526-81895D20BFB3}"/>
               </a:ext>
             </a:extLst>
           </p:cNvPr>
@@ -24748,14 +24578,14 @@
                 <a:gridCol w="860743">
                   <a:extLst>
                     <a:ext uri="{9D8B030D-6E8A-4147-A177-3AD203B41FA5}">
-                      <a16:colId xmlns:a16="http://schemas.microsoft.com/office/drawing/2014/main" val="2691018692"/>
+                      <a16:colId xmlns:a16="http://schemas.microsoft.com/office/drawing/2014/main" xmlns="" val="2691018692"/>
                     </a:ext>
                   </a:extLst>
                 </a:gridCol>
                 <a:gridCol w="4823143">
                   <a:extLst>
                     <a:ext uri="{9D8B030D-6E8A-4147-A177-3AD203B41FA5}">
-                      <a16:colId xmlns:a16="http://schemas.microsoft.com/office/drawing/2014/main" val="3272579035"/>
+                      <a16:colId xmlns:a16="http://schemas.microsoft.com/office/drawing/2014/main" xmlns="" val="3272579035"/>
                     </a:ext>
                   </a:extLst>
                 </a:gridCol>
@@ -24791,7 +24621,7 @@
                 </a:tc>
                 <a:extLst>
                   <a:ext uri="{0D108BD9-81ED-4DB2-BD59-A6C34878D82A}">
-                    <a16:rowId xmlns:a16="http://schemas.microsoft.com/office/drawing/2014/main" val="2854841722"/>
+                    <a16:rowId xmlns:a16="http://schemas.microsoft.com/office/drawing/2014/main" xmlns="" val="2854841722"/>
                   </a:ext>
                 </a:extLst>
               </a:tr>
@@ -24848,7 +24678,7 @@
                 </a:tc>
                 <a:extLst>
                   <a:ext uri="{0D108BD9-81ED-4DB2-BD59-A6C34878D82A}">
-                    <a16:rowId xmlns:a16="http://schemas.microsoft.com/office/drawing/2014/main" val="3341647223"/>
+                    <a16:rowId xmlns:a16="http://schemas.microsoft.com/office/drawing/2014/main" xmlns="" val="3341647223"/>
                   </a:ext>
                 </a:extLst>
               </a:tr>
@@ -24884,7 +24714,7 @@
                 </a:tc>
                 <a:extLst>
                   <a:ext uri="{0D108BD9-81ED-4DB2-BD59-A6C34878D82A}">
-                    <a16:rowId xmlns:a16="http://schemas.microsoft.com/office/drawing/2014/main" val="850319083"/>
+                    <a16:rowId xmlns:a16="http://schemas.microsoft.com/office/drawing/2014/main" xmlns="" val="850319083"/>
                   </a:ext>
                 </a:extLst>
               </a:tr>
@@ -24920,7 +24750,7 @@
                 </a:tc>
                 <a:extLst>
                   <a:ext uri="{0D108BD9-81ED-4DB2-BD59-A6C34878D82A}">
-                    <a16:rowId xmlns:a16="http://schemas.microsoft.com/office/drawing/2014/main" val="970594559"/>
+                    <a16:rowId xmlns:a16="http://schemas.microsoft.com/office/drawing/2014/main" xmlns="" val="970594559"/>
                   </a:ext>
                 </a:extLst>
               </a:tr>
@@ -24933,7 +24763,7 @@
           <p:cNvPr id="4" name="矩形 3">
             <a:extLst>
               <a:ext uri="{FF2B5EF4-FFF2-40B4-BE49-F238E27FC236}">
-                <a16:creationId xmlns:a16="http://schemas.microsoft.com/office/drawing/2014/main" id="{21ADDC3F-232B-444D-8E8C-63E7BB2B5A69}"/>
+                <a16:creationId xmlns:a16="http://schemas.microsoft.com/office/drawing/2014/main" xmlns="" id="{21ADDC3F-232B-444D-8E8C-63E7BB2B5A69}"/>
               </a:ext>
             </a:extLst>
           </p:cNvPr>
@@ -25147,7 +24977,7 @@
           <p:cNvPr id="2" name="標題 1">
             <a:extLst>
               <a:ext uri="{FF2B5EF4-FFF2-40B4-BE49-F238E27FC236}">
-                <a16:creationId xmlns:a16="http://schemas.microsoft.com/office/drawing/2014/main" id="{28A3826C-4BA4-42F6-A875-2E1B2EA183FE}"/>
+                <a16:creationId xmlns:a16="http://schemas.microsoft.com/office/drawing/2014/main" xmlns="" id="{28A3826C-4BA4-42F6-A875-2E1B2EA183FE}"/>
               </a:ext>
             </a:extLst>
           </p:cNvPr>
@@ -25180,7 +25010,7 @@
           <p:cNvPr id="4" name="表格 3">
             <a:extLst>
               <a:ext uri="{FF2B5EF4-FFF2-40B4-BE49-F238E27FC236}">
-                <a16:creationId xmlns:a16="http://schemas.microsoft.com/office/drawing/2014/main" id="{3EB290D3-C458-4212-8601-B73B32CDB248}"/>
+                <a16:creationId xmlns:a16="http://schemas.microsoft.com/office/drawing/2014/main" xmlns="" id="{3EB290D3-C458-4212-8601-B73B32CDB248}"/>
               </a:ext>
             </a:extLst>
           </p:cNvPr>
@@ -25209,14 +25039,14 @@
                 <a:gridCol w="1256030">
                   <a:extLst>
                     <a:ext uri="{9D8B030D-6E8A-4147-A177-3AD203B41FA5}">
-                      <a16:colId xmlns:a16="http://schemas.microsoft.com/office/drawing/2014/main" val="359601411"/>
+                      <a16:colId xmlns:a16="http://schemas.microsoft.com/office/drawing/2014/main" xmlns="" val="359601411"/>
                     </a:ext>
                   </a:extLst>
                 </a:gridCol>
                 <a:gridCol w="3973757">
                   <a:extLst>
                     <a:ext uri="{9D8B030D-6E8A-4147-A177-3AD203B41FA5}">
-                      <a16:colId xmlns:a16="http://schemas.microsoft.com/office/drawing/2014/main" val="853488993"/>
+                      <a16:colId xmlns:a16="http://schemas.microsoft.com/office/drawing/2014/main" xmlns="" val="853488993"/>
                     </a:ext>
                   </a:extLst>
                 </a:gridCol>
@@ -25252,7 +25082,7 @@
                 </a:tc>
                 <a:extLst>
                   <a:ext uri="{0D108BD9-81ED-4DB2-BD59-A6C34878D82A}">
-                    <a16:rowId xmlns:a16="http://schemas.microsoft.com/office/drawing/2014/main" val="2306573981"/>
+                    <a16:rowId xmlns:a16="http://schemas.microsoft.com/office/drawing/2014/main" xmlns="" val="2306573981"/>
                   </a:ext>
                 </a:extLst>
               </a:tr>
@@ -25341,7 +25171,7 @@
                 </a:tc>
                 <a:extLst>
                   <a:ext uri="{0D108BD9-81ED-4DB2-BD59-A6C34878D82A}">
-                    <a16:rowId xmlns:a16="http://schemas.microsoft.com/office/drawing/2014/main" val="1771589764"/>
+                    <a16:rowId xmlns:a16="http://schemas.microsoft.com/office/drawing/2014/main" xmlns="" val="1771589764"/>
                   </a:ext>
                 </a:extLst>
               </a:tr>
@@ -25415,7 +25245,7 @@
                 </a:tc>
                 <a:extLst>
                   <a:ext uri="{0D108BD9-81ED-4DB2-BD59-A6C34878D82A}">
-                    <a16:rowId xmlns:a16="http://schemas.microsoft.com/office/drawing/2014/main" val="2191570639"/>
+                    <a16:rowId xmlns:a16="http://schemas.microsoft.com/office/drawing/2014/main" xmlns="" val="2191570639"/>
                   </a:ext>
                 </a:extLst>
               </a:tr>
@@ -25485,7 +25315,7 @@
                 </a:tc>
                 <a:extLst>
                   <a:ext uri="{0D108BD9-81ED-4DB2-BD59-A6C34878D82A}">
-                    <a16:rowId xmlns:a16="http://schemas.microsoft.com/office/drawing/2014/main" val="781064601"/>
+                    <a16:rowId xmlns:a16="http://schemas.microsoft.com/office/drawing/2014/main" xmlns="" val="781064601"/>
                   </a:ext>
                 </a:extLst>
               </a:tr>
@@ -25536,7 +25366,7 @@
                 </a:tc>
                 <a:extLst>
                   <a:ext uri="{0D108BD9-81ED-4DB2-BD59-A6C34878D82A}">
-                    <a16:rowId xmlns:a16="http://schemas.microsoft.com/office/drawing/2014/main" val="1738102458"/>
+                    <a16:rowId xmlns:a16="http://schemas.microsoft.com/office/drawing/2014/main" xmlns="" val="1738102458"/>
                   </a:ext>
                 </a:extLst>
               </a:tr>
@@ -25607,7 +25437,7 @@
                 </a:tc>
                 <a:extLst>
                   <a:ext uri="{0D108BD9-81ED-4DB2-BD59-A6C34878D82A}">
-                    <a16:rowId xmlns:a16="http://schemas.microsoft.com/office/drawing/2014/main" val="2486233188"/>
+                    <a16:rowId xmlns:a16="http://schemas.microsoft.com/office/drawing/2014/main" xmlns="" val="2486233188"/>
                   </a:ext>
                 </a:extLst>
               </a:tr>
@@ -25680,7 +25510,7 @@
                 </a:tc>
                 <a:extLst>
                   <a:ext uri="{0D108BD9-81ED-4DB2-BD59-A6C34878D82A}">
-                    <a16:rowId xmlns:a16="http://schemas.microsoft.com/office/drawing/2014/main" val="1423153836"/>
+                    <a16:rowId xmlns:a16="http://schemas.microsoft.com/office/drawing/2014/main" xmlns="" val="1423153836"/>
                   </a:ext>
                 </a:extLst>
               </a:tr>
@@ -25749,7 +25579,7 @@
                 </a:tc>
                 <a:extLst>
                   <a:ext uri="{0D108BD9-81ED-4DB2-BD59-A6C34878D82A}">
-                    <a16:rowId xmlns:a16="http://schemas.microsoft.com/office/drawing/2014/main" val="254494279"/>
+                    <a16:rowId xmlns:a16="http://schemas.microsoft.com/office/drawing/2014/main" xmlns="" val="254494279"/>
                   </a:ext>
                 </a:extLst>
               </a:tr>
@@ -25842,7 +25672,7 @@
                 </a:tc>
                 <a:extLst>
                   <a:ext uri="{0D108BD9-81ED-4DB2-BD59-A6C34878D82A}">
-                    <a16:rowId xmlns:a16="http://schemas.microsoft.com/office/drawing/2014/main" val="1054894727"/>
+                    <a16:rowId xmlns:a16="http://schemas.microsoft.com/office/drawing/2014/main" xmlns="" val="1054894727"/>
                   </a:ext>
                 </a:extLst>
               </a:tr>
@@ -25885,7 +25715,7 @@
           <p:cNvPr id="2" name="標題 1">
             <a:extLst>
               <a:ext uri="{FF2B5EF4-FFF2-40B4-BE49-F238E27FC236}">
-                <a16:creationId xmlns:a16="http://schemas.microsoft.com/office/drawing/2014/main" id="{BE615A6B-E075-4D5B-A3B3-EE705657C9BF}"/>
+                <a16:creationId xmlns:a16="http://schemas.microsoft.com/office/drawing/2014/main" xmlns="" id="{BE615A6B-E075-4D5B-A3B3-EE705657C9BF}"/>
               </a:ext>
             </a:extLst>
           </p:cNvPr>
@@ -25918,7 +25748,7 @@
           <p:cNvPr id="3" name="圖片 2">
             <a:extLst>
               <a:ext uri="{FF2B5EF4-FFF2-40B4-BE49-F238E27FC236}">
-                <a16:creationId xmlns:a16="http://schemas.microsoft.com/office/drawing/2014/main" id="{121936EC-F1D0-4934-B903-53F230ACCF42}"/>
+                <a16:creationId xmlns:a16="http://schemas.microsoft.com/office/drawing/2014/main" xmlns="" id="{121936EC-F1D0-4934-B903-53F230ACCF42}"/>
               </a:ext>
             </a:extLst>
           </p:cNvPr>
@@ -25948,7 +25778,7 @@
           <p:cNvPr id="4" name="資料庫圖表 3">
             <a:extLst>
               <a:ext uri="{FF2B5EF4-FFF2-40B4-BE49-F238E27FC236}">
-                <a16:creationId xmlns:a16="http://schemas.microsoft.com/office/drawing/2014/main" id="{60B62872-2673-41A6-B0CF-1BE4B1236221}"/>
+                <a16:creationId xmlns:a16="http://schemas.microsoft.com/office/drawing/2014/main" xmlns="" id="{60B62872-2673-41A6-B0CF-1BE4B1236221}"/>
               </a:ext>
             </a:extLst>
           </p:cNvPr>
@@ -25976,7 +25806,7 @@
           <p:cNvPr id="5" name="矩形 4">
             <a:extLst>
               <a:ext uri="{FF2B5EF4-FFF2-40B4-BE49-F238E27FC236}">
-                <a16:creationId xmlns:a16="http://schemas.microsoft.com/office/drawing/2014/main" id="{65D18DF7-ADE6-48A5-96F8-9265A0AB7DC5}"/>
+                <a16:creationId xmlns:a16="http://schemas.microsoft.com/office/drawing/2014/main" xmlns="" id="{65D18DF7-ADE6-48A5-96F8-9265A0AB7DC5}"/>
               </a:ext>
             </a:extLst>
           </p:cNvPr>
@@ -26066,7 +25896,7 @@
           <p:cNvPr id="6" name="矩形: 圓角 5">
             <a:extLst>
               <a:ext uri="{FF2B5EF4-FFF2-40B4-BE49-F238E27FC236}">
-                <a16:creationId xmlns:a16="http://schemas.microsoft.com/office/drawing/2014/main" id="{758B184E-4A66-4960-8F11-4B93B07B43F3}"/>
+                <a16:creationId xmlns:a16="http://schemas.microsoft.com/office/drawing/2014/main" xmlns="" id="{758B184E-4A66-4960-8F11-4B93B07B43F3}"/>
               </a:ext>
             </a:extLst>
           </p:cNvPr>
@@ -26148,7 +25978,7 @@
           <p:cNvPr id="2" name="標題 1">
             <a:extLst>
               <a:ext uri="{FF2B5EF4-FFF2-40B4-BE49-F238E27FC236}">
-                <a16:creationId xmlns:a16="http://schemas.microsoft.com/office/drawing/2014/main" id="{DC3346D2-4634-45A0-AC0C-156840E16501}"/>
+                <a16:creationId xmlns:a16="http://schemas.microsoft.com/office/drawing/2014/main" xmlns="" id="{DC3346D2-4634-45A0-AC0C-156840E16501}"/>
               </a:ext>
             </a:extLst>
           </p:cNvPr>
@@ -26181,7 +26011,7 @@
           <p:cNvPr id="3" name="資料庫圖表 2">
             <a:extLst>
               <a:ext uri="{FF2B5EF4-FFF2-40B4-BE49-F238E27FC236}">
-                <a16:creationId xmlns:a16="http://schemas.microsoft.com/office/drawing/2014/main" id="{886C2C14-8D93-411B-9B29-D3F565874793}"/>
+                <a16:creationId xmlns:a16="http://schemas.microsoft.com/office/drawing/2014/main" xmlns="" id="{886C2C14-8D93-411B-9B29-D3F565874793}"/>
               </a:ext>
             </a:extLst>
           </p:cNvPr>
@@ -26209,7 +26039,7 @@
           <p:cNvPr id="4" name="矩形 3">
             <a:extLst>
               <a:ext uri="{FF2B5EF4-FFF2-40B4-BE49-F238E27FC236}">
-                <a16:creationId xmlns:a16="http://schemas.microsoft.com/office/drawing/2014/main" id="{F86E545B-EFA6-4D13-9A53-C683311C084A}"/>
+                <a16:creationId xmlns:a16="http://schemas.microsoft.com/office/drawing/2014/main" xmlns="" id="{F86E545B-EFA6-4D13-9A53-C683311C084A}"/>
               </a:ext>
             </a:extLst>
           </p:cNvPr>
@@ -26273,7 +26103,7 @@
           <p:cNvPr id="2" name="標題 1">
             <a:extLst>
               <a:ext uri="{FF2B5EF4-FFF2-40B4-BE49-F238E27FC236}">
-                <a16:creationId xmlns:a16="http://schemas.microsoft.com/office/drawing/2014/main" id="{436865AD-0292-48AD-BC21-892308281EEA}"/>
+                <a16:creationId xmlns:a16="http://schemas.microsoft.com/office/drawing/2014/main" xmlns="" id="{436865AD-0292-48AD-BC21-892308281EEA}"/>
               </a:ext>
             </a:extLst>
           </p:cNvPr>
@@ -26308,7 +26138,7 @@
           <p:cNvPr id="3" name="矩形 2">
             <a:extLst>
               <a:ext uri="{FF2B5EF4-FFF2-40B4-BE49-F238E27FC236}">
-                <a16:creationId xmlns:a16="http://schemas.microsoft.com/office/drawing/2014/main" id="{96315390-EAFB-404E-B622-C212F5E5B1E6}"/>
+                <a16:creationId xmlns:a16="http://schemas.microsoft.com/office/drawing/2014/main" xmlns="" id="{96315390-EAFB-404E-B622-C212F5E5B1E6}"/>
               </a:ext>
             </a:extLst>
           </p:cNvPr>
@@ -26470,7 +26300,7 @@
           <p:cNvPr id="4" name="矩形 3">
             <a:extLst>
               <a:ext uri="{FF2B5EF4-FFF2-40B4-BE49-F238E27FC236}">
-                <a16:creationId xmlns:a16="http://schemas.microsoft.com/office/drawing/2014/main" id="{AFADE272-8A77-4859-8CBE-24F77926591B}"/>
+                <a16:creationId xmlns:a16="http://schemas.microsoft.com/office/drawing/2014/main" xmlns="" id="{AFADE272-8A77-4859-8CBE-24F77926591B}"/>
               </a:ext>
             </a:extLst>
           </p:cNvPr>
@@ -26600,7 +26430,7 @@
           <p:cNvPr id="2" name="標題 1">
             <a:extLst>
               <a:ext uri="{FF2B5EF4-FFF2-40B4-BE49-F238E27FC236}">
-                <a16:creationId xmlns:a16="http://schemas.microsoft.com/office/drawing/2014/main" id="{253F803C-992F-4193-BE89-9D9AE4459F12}"/>
+                <a16:creationId xmlns:a16="http://schemas.microsoft.com/office/drawing/2014/main" xmlns="" id="{253F803C-992F-4193-BE89-9D9AE4459F12}"/>
               </a:ext>
             </a:extLst>
           </p:cNvPr>
@@ -26633,7 +26463,7 @@
           <p:cNvPr id="3" name="矩形 2">
             <a:extLst>
               <a:ext uri="{FF2B5EF4-FFF2-40B4-BE49-F238E27FC236}">
-                <a16:creationId xmlns:a16="http://schemas.microsoft.com/office/drawing/2014/main" id="{661CAD8C-05DB-4F59-8CCF-13D5CD21C8A2}"/>
+                <a16:creationId xmlns:a16="http://schemas.microsoft.com/office/drawing/2014/main" xmlns="" id="{661CAD8C-05DB-4F59-8CCF-13D5CD21C8A2}"/>
               </a:ext>
             </a:extLst>
           </p:cNvPr>
@@ -26923,7 +26753,7 @@
           <p:cNvPr id="5" name="文字方塊 4">
             <a:extLst>
               <a:ext uri="{FF2B5EF4-FFF2-40B4-BE49-F238E27FC236}">
-                <a16:creationId xmlns:a16="http://schemas.microsoft.com/office/drawing/2014/main" id="{730DB56B-5DAA-4E2B-AB0C-8B6264390748}"/>
+                <a16:creationId xmlns:a16="http://schemas.microsoft.com/office/drawing/2014/main" xmlns="" id="{730DB56B-5DAA-4E2B-AB0C-8B6264390748}"/>
               </a:ext>
             </a:extLst>
           </p:cNvPr>
@@ -26991,7 +26821,7 @@
           <p:cNvPr id="2" name="標題 1">
             <a:extLst>
               <a:ext uri="{FF2B5EF4-FFF2-40B4-BE49-F238E27FC236}">
-                <a16:creationId xmlns:a16="http://schemas.microsoft.com/office/drawing/2014/main" id="{D56357B9-09CF-4BB1-9CF0-9D04C0B8D62F}"/>
+                <a16:creationId xmlns:a16="http://schemas.microsoft.com/office/drawing/2014/main" xmlns="" id="{D56357B9-09CF-4BB1-9CF0-9D04C0B8D62F}"/>
               </a:ext>
             </a:extLst>
           </p:cNvPr>
@@ -27024,7 +26854,7 @@
           <p:cNvPr id="3" name="矩形 2">
             <a:extLst>
               <a:ext uri="{FF2B5EF4-FFF2-40B4-BE49-F238E27FC236}">
-                <a16:creationId xmlns:a16="http://schemas.microsoft.com/office/drawing/2014/main" id="{407ABDD0-1F47-4538-82D5-FF6117B66E8C}"/>
+                <a16:creationId xmlns:a16="http://schemas.microsoft.com/office/drawing/2014/main" xmlns="" id="{407ABDD0-1F47-4538-82D5-FF6117B66E8C}"/>
               </a:ext>
             </a:extLst>
           </p:cNvPr>
@@ -27293,7 +27123,7 @@
           <p:cNvPr id="2" name="標題 1">
             <a:extLst>
               <a:ext uri="{FF2B5EF4-FFF2-40B4-BE49-F238E27FC236}">
-                <a16:creationId xmlns:a16="http://schemas.microsoft.com/office/drawing/2014/main" id="{E27EA6AA-68CA-45E8-A574-7E80C61252D2}"/>
+                <a16:creationId xmlns:a16="http://schemas.microsoft.com/office/drawing/2014/main" xmlns="" id="{E27EA6AA-68CA-45E8-A574-7E80C61252D2}"/>
               </a:ext>
             </a:extLst>
           </p:cNvPr>
@@ -27326,7 +27156,7 @@
           <p:cNvPr id="3" name="矩形 2">
             <a:extLst>
               <a:ext uri="{FF2B5EF4-FFF2-40B4-BE49-F238E27FC236}">
-                <a16:creationId xmlns:a16="http://schemas.microsoft.com/office/drawing/2014/main" id="{1E616D07-CC91-4B73-894D-DE87A319AE96}"/>
+                <a16:creationId xmlns:a16="http://schemas.microsoft.com/office/drawing/2014/main" xmlns="" id="{1E616D07-CC91-4B73-894D-DE87A319AE96}"/>
               </a:ext>
             </a:extLst>
           </p:cNvPr>
@@ -27414,7 +27244,7 @@
           <p:cNvPr id="2" name="標題 1">
             <a:extLst>
               <a:ext uri="{FF2B5EF4-FFF2-40B4-BE49-F238E27FC236}">
-                <a16:creationId xmlns:a16="http://schemas.microsoft.com/office/drawing/2014/main" id="{362FE74B-DD9F-40B8-BEA5-F57A31C48D43}"/>
+                <a16:creationId xmlns:a16="http://schemas.microsoft.com/office/drawing/2014/main" xmlns="" id="{362FE74B-DD9F-40B8-BEA5-F57A31C48D43}"/>
               </a:ext>
             </a:extLst>
           </p:cNvPr>
@@ -27455,7 +27285,7 @@
           <p:cNvPr id="3" name="矩形 2">
             <a:extLst>
               <a:ext uri="{FF2B5EF4-FFF2-40B4-BE49-F238E27FC236}">
-                <a16:creationId xmlns:a16="http://schemas.microsoft.com/office/drawing/2014/main" id="{F8686B89-C7A8-4229-BF88-A99AFAEB3699}"/>
+                <a16:creationId xmlns:a16="http://schemas.microsoft.com/office/drawing/2014/main" xmlns="" id="{F8686B89-C7A8-4229-BF88-A99AFAEB3699}"/>
               </a:ext>
             </a:extLst>
           </p:cNvPr>
@@ -27578,7 +27408,7 @@
           <p:cNvPr id="4" name="表格 3">
             <a:extLst>
               <a:ext uri="{FF2B5EF4-FFF2-40B4-BE49-F238E27FC236}">
-                <a16:creationId xmlns:a16="http://schemas.microsoft.com/office/drawing/2014/main" id="{6E26C7F3-8405-41C6-8697-A49F6F5967FD}"/>
+                <a16:creationId xmlns:a16="http://schemas.microsoft.com/office/drawing/2014/main" xmlns="" id="{6E26C7F3-8405-41C6-8697-A49F6F5967FD}"/>
               </a:ext>
             </a:extLst>
           </p:cNvPr>
@@ -27607,14 +27437,14 @@
                 <a:gridCol w="692468">
                   <a:extLst>
                     <a:ext uri="{9D8B030D-6E8A-4147-A177-3AD203B41FA5}">
-                      <a16:colId xmlns:a16="http://schemas.microsoft.com/office/drawing/2014/main" val="3586763528"/>
+                      <a16:colId xmlns:a16="http://schemas.microsoft.com/office/drawing/2014/main" xmlns="" val="3586763528"/>
                     </a:ext>
                   </a:extLst>
                 </a:gridCol>
                 <a:gridCol w="6415293">
                   <a:extLst>
                     <a:ext uri="{9D8B030D-6E8A-4147-A177-3AD203B41FA5}">
-                      <a16:colId xmlns:a16="http://schemas.microsoft.com/office/drawing/2014/main" val="2419213838"/>
+                      <a16:colId xmlns:a16="http://schemas.microsoft.com/office/drawing/2014/main" xmlns="" val="2419213838"/>
                     </a:ext>
                   </a:extLst>
                 </a:gridCol>
@@ -27650,7 +27480,7 @@
                 </a:tc>
                 <a:extLst>
                   <a:ext uri="{0D108BD9-81ED-4DB2-BD59-A6C34878D82A}">
-                    <a16:rowId xmlns:a16="http://schemas.microsoft.com/office/drawing/2014/main" val="46921222"/>
+                    <a16:rowId xmlns:a16="http://schemas.microsoft.com/office/drawing/2014/main" xmlns="" val="46921222"/>
                   </a:ext>
                 </a:extLst>
               </a:tr>
@@ -27713,7 +27543,7 @@
                 </a:tc>
                 <a:extLst>
                   <a:ext uri="{0D108BD9-81ED-4DB2-BD59-A6C34878D82A}">
-                    <a16:rowId xmlns:a16="http://schemas.microsoft.com/office/drawing/2014/main" val="832492201"/>
+                    <a16:rowId xmlns:a16="http://schemas.microsoft.com/office/drawing/2014/main" xmlns="" val="832492201"/>
                   </a:ext>
                 </a:extLst>
               </a:tr>
@@ -27767,7 +27597,7 @@
                 </a:tc>
                 <a:extLst>
                   <a:ext uri="{0D108BD9-81ED-4DB2-BD59-A6C34878D82A}">
-                    <a16:rowId xmlns:a16="http://schemas.microsoft.com/office/drawing/2014/main" val="1521402129"/>
+                    <a16:rowId xmlns:a16="http://schemas.microsoft.com/office/drawing/2014/main" xmlns="" val="1521402129"/>
                   </a:ext>
                 </a:extLst>
               </a:tr>
@@ -27821,7 +27651,7 @@
                 </a:tc>
                 <a:extLst>
                   <a:ext uri="{0D108BD9-81ED-4DB2-BD59-A6C34878D82A}">
-                    <a16:rowId xmlns:a16="http://schemas.microsoft.com/office/drawing/2014/main" val="2263113094"/>
+                    <a16:rowId xmlns:a16="http://schemas.microsoft.com/office/drawing/2014/main" xmlns="" val="2263113094"/>
                   </a:ext>
                 </a:extLst>
               </a:tr>
@@ -27865,7 +27695,7 @@
                 </a:tc>
                 <a:extLst>
                   <a:ext uri="{0D108BD9-81ED-4DB2-BD59-A6C34878D82A}">
-                    <a16:rowId xmlns:a16="http://schemas.microsoft.com/office/drawing/2014/main" val="3196459450"/>
+                    <a16:rowId xmlns:a16="http://schemas.microsoft.com/office/drawing/2014/main" xmlns="" val="3196459450"/>
                   </a:ext>
                 </a:extLst>
               </a:tr>
@@ -27908,7 +27738,7 @@
           <p:cNvPr id="2" name="標題 1">
             <a:extLst>
               <a:ext uri="{FF2B5EF4-FFF2-40B4-BE49-F238E27FC236}">
-                <a16:creationId xmlns:a16="http://schemas.microsoft.com/office/drawing/2014/main" id="{FEAD8794-42C7-491E-8D11-96641D8E6507}"/>
+                <a16:creationId xmlns:a16="http://schemas.microsoft.com/office/drawing/2014/main" xmlns="" id="{FEAD8794-42C7-491E-8D11-96641D8E6507}"/>
               </a:ext>
             </a:extLst>
           </p:cNvPr>
@@ -27949,7 +27779,7 @@
           <p:cNvPr id="3" name="矩形 2">
             <a:extLst>
               <a:ext uri="{FF2B5EF4-FFF2-40B4-BE49-F238E27FC236}">
-                <a16:creationId xmlns:a16="http://schemas.microsoft.com/office/drawing/2014/main" id="{5E0912E9-B640-4876-BE79-B1971D5859DE}"/>
+                <a16:creationId xmlns:a16="http://schemas.microsoft.com/office/drawing/2014/main" xmlns="" id="{5E0912E9-B640-4876-BE79-B1971D5859DE}"/>
               </a:ext>
             </a:extLst>
           </p:cNvPr>
@@ -28072,7 +27902,7 @@
           <p:cNvPr id="4" name="表格 3">
             <a:extLst>
               <a:ext uri="{FF2B5EF4-FFF2-40B4-BE49-F238E27FC236}">
-                <a16:creationId xmlns:a16="http://schemas.microsoft.com/office/drawing/2014/main" id="{B6DD14FA-DD88-49B6-8994-6FB1FB522BCF}"/>
+                <a16:creationId xmlns:a16="http://schemas.microsoft.com/office/drawing/2014/main" xmlns="" id="{B6DD14FA-DD88-49B6-8994-6FB1FB522BCF}"/>
               </a:ext>
             </a:extLst>
           </p:cNvPr>
@@ -28101,14 +27931,14 @@
                 <a:gridCol w="692468">
                   <a:extLst>
                     <a:ext uri="{9D8B030D-6E8A-4147-A177-3AD203B41FA5}">
-                      <a16:colId xmlns:a16="http://schemas.microsoft.com/office/drawing/2014/main" val="3586763528"/>
+                      <a16:colId xmlns:a16="http://schemas.microsoft.com/office/drawing/2014/main" xmlns="" val="3586763528"/>
                     </a:ext>
                   </a:extLst>
                 </a:gridCol>
                 <a:gridCol w="6499268">
                   <a:extLst>
                     <a:ext uri="{9D8B030D-6E8A-4147-A177-3AD203B41FA5}">
-                      <a16:colId xmlns:a16="http://schemas.microsoft.com/office/drawing/2014/main" val="2419213838"/>
+                      <a16:colId xmlns:a16="http://schemas.microsoft.com/office/drawing/2014/main" xmlns="" val="2419213838"/>
                     </a:ext>
                   </a:extLst>
                 </a:gridCol>
@@ -28144,7 +27974,7 @@
                 </a:tc>
                 <a:extLst>
                   <a:ext uri="{0D108BD9-81ED-4DB2-BD59-A6C34878D82A}">
-                    <a16:rowId xmlns:a16="http://schemas.microsoft.com/office/drawing/2014/main" val="46921222"/>
+                    <a16:rowId xmlns:a16="http://schemas.microsoft.com/office/drawing/2014/main" xmlns="" val="46921222"/>
                   </a:ext>
                 </a:extLst>
               </a:tr>
@@ -28238,7 +28068,7 @@
                 </a:tc>
                 <a:extLst>
                   <a:ext uri="{0D108BD9-81ED-4DB2-BD59-A6C34878D82A}">
-                    <a16:rowId xmlns:a16="http://schemas.microsoft.com/office/drawing/2014/main" val="832492201"/>
+                    <a16:rowId xmlns:a16="http://schemas.microsoft.com/office/drawing/2014/main" xmlns="" val="832492201"/>
                   </a:ext>
                 </a:extLst>
               </a:tr>
@@ -28310,7 +28140,7 @@
                 </a:tc>
                 <a:extLst>
                   <a:ext uri="{0D108BD9-81ED-4DB2-BD59-A6C34878D82A}">
-                    <a16:rowId xmlns:a16="http://schemas.microsoft.com/office/drawing/2014/main" val="1521402129"/>
+                    <a16:rowId xmlns:a16="http://schemas.microsoft.com/office/drawing/2014/main" xmlns="" val="1521402129"/>
                   </a:ext>
                 </a:extLst>
               </a:tr>
@@ -28382,7 +28212,7 @@
                 </a:tc>
                 <a:extLst>
                   <a:ext uri="{0D108BD9-81ED-4DB2-BD59-A6C34878D82A}">
-                    <a16:rowId xmlns:a16="http://schemas.microsoft.com/office/drawing/2014/main" val="2263113094"/>
+                    <a16:rowId xmlns:a16="http://schemas.microsoft.com/office/drawing/2014/main" xmlns="" val="2263113094"/>
                   </a:ext>
                 </a:extLst>
               </a:tr>
@@ -28454,7 +28284,7 @@
                 </a:tc>
                 <a:extLst>
                   <a:ext uri="{0D108BD9-81ED-4DB2-BD59-A6C34878D82A}">
-                    <a16:rowId xmlns:a16="http://schemas.microsoft.com/office/drawing/2014/main" val="3196459450"/>
+                    <a16:rowId xmlns:a16="http://schemas.microsoft.com/office/drawing/2014/main" xmlns="" val="3196459450"/>
                   </a:ext>
                 </a:extLst>
               </a:tr>
@@ -28497,7 +28327,7 @@
           <p:cNvPr id="2" name="標題 1">
             <a:extLst>
               <a:ext uri="{FF2B5EF4-FFF2-40B4-BE49-F238E27FC236}">
-                <a16:creationId xmlns:a16="http://schemas.microsoft.com/office/drawing/2014/main" id="{5F37A2D4-E823-4269-BBE4-7EFB5A8E0EB0}"/>
+                <a16:creationId xmlns:a16="http://schemas.microsoft.com/office/drawing/2014/main" xmlns="" id="{5F37A2D4-E823-4269-BBE4-7EFB5A8E0EB0}"/>
               </a:ext>
             </a:extLst>
           </p:cNvPr>
@@ -28538,7 +28368,7 @@
           <p:cNvPr id="3" name="矩形 2">
             <a:extLst>
               <a:ext uri="{FF2B5EF4-FFF2-40B4-BE49-F238E27FC236}">
-                <a16:creationId xmlns:a16="http://schemas.microsoft.com/office/drawing/2014/main" id="{23399F33-A7D7-4D87-BECF-CB380DA8C773}"/>
+                <a16:creationId xmlns:a16="http://schemas.microsoft.com/office/drawing/2014/main" xmlns="" id="{23399F33-A7D7-4D87-BECF-CB380DA8C773}"/>
               </a:ext>
             </a:extLst>
           </p:cNvPr>
@@ -28615,7 +28445,7 @@
           <p:cNvPr id="5" name="表格 4">
             <a:extLst>
               <a:ext uri="{FF2B5EF4-FFF2-40B4-BE49-F238E27FC236}">
-                <a16:creationId xmlns:a16="http://schemas.microsoft.com/office/drawing/2014/main" id="{23FEC9E2-63D3-4394-B78D-A03CDF9EE765}"/>
+                <a16:creationId xmlns:a16="http://schemas.microsoft.com/office/drawing/2014/main" xmlns="" id="{23FEC9E2-63D3-4394-B78D-A03CDF9EE765}"/>
               </a:ext>
             </a:extLst>
           </p:cNvPr>
@@ -28644,14 +28474,14 @@
                 <a:gridCol w="692468">
                   <a:extLst>
                     <a:ext uri="{9D8B030D-6E8A-4147-A177-3AD203B41FA5}">
-                      <a16:colId xmlns:a16="http://schemas.microsoft.com/office/drawing/2014/main" val="3586763528"/>
+                      <a16:colId xmlns:a16="http://schemas.microsoft.com/office/drawing/2014/main" xmlns="" val="3586763528"/>
                     </a:ext>
                   </a:extLst>
                 </a:gridCol>
                 <a:gridCol w="6415293">
                   <a:extLst>
                     <a:ext uri="{9D8B030D-6E8A-4147-A177-3AD203B41FA5}">
-                      <a16:colId xmlns:a16="http://schemas.microsoft.com/office/drawing/2014/main" val="2419213838"/>
+                      <a16:colId xmlns:a16="http://schemas.microsoft.com/office/drawing/2014/main" xmlns="" val="2419213838"/>
                     </a:ext>
                   </a:extLst>
                 </a:gridCol>
@@ -28687,7 +28517,7 @@
                 </a:tc>
                 <a:extLst>
                   <a:ext uri="{0D108BD9-81ED-4DB2-BD59-A6C34878D82A}">
-                    <a16:rowId xmlns:a16="http://schemas.microsoft.com/office/drawing/2014/main" val="46921222"/>
+                    <a16:rowId xmlns:a16="http://schemas.microsoft.com/office/drawing/2014/main" xmlns="" val="46921222"/>
                   </a:ext>
                 </a:extLst>
               </a:tr>
@@ -28754,7 +28584,7 @@
                 </a:tc>
                 <a:extLst>
                   <a:ext uri="{0D108BD9-81ED-4DB2-BD59-A6C34878D82A}">
-                    <a16:rowId xmlns:a16="http://schemas.microsoft.com/office/drawing/2014/main" val="832492201"/>
+                    <a16:rowId xmlns:a16="http://schemas.microsoft.com/office/drawing/2014/main" xmlns="" val="832492201"/>
                   </a:ext>
                 </a:extLst>
               </a:tr>
@@ -28823,7 +28653,7 @@
                 </a:tc>
                 <a:extLst>
                   <a:ext uri="{0D108BD9-81ED-4DB2-BD59-A6C34878D82A}">
-                    <a16:rowId xmlns:a16="http://schemas.microsoft.com/office/drawing/2014/main" val="1521402129"/>
+                    <a16:rowId xmlns:a16="http://schemas.microsoft.com/office/drawing/2014/main" xmlns="" val="1521402129"/>
                   </a:ext>
                 </a:extLst>
               </a:tr>
@@ -28882,7 +28712,7 @@
                 </a:tc>
                 <a:extLst>
                   <a:ext uri="{0D108BD9-81ED-4DB2-BD59-A6C34878D82A}">
-                    <a16:rowId xmlns:a16="http://schemas.microsoft.com/office/drawing/2014/main" val="2263113094"/>
+                    <a16:rowId xmlns:a16="http://schemas.microsoft.com/office/drawing/2014/main" xmlns="" val="2263113094"/>
                   </a:ext>
                 </a:extLst>
               </a:tr>
@@ -28951,7 +28781,7 @@
                 </a:tc>
                 <a:extLst>
                   <a:ext uri="{0D108BD9-81ED-4DB2-BD59-A6C34878D82A}">
-                    <a16:rowId xmlns:a16="http://schemas.microsoft.com/office/drawing/2014/main" val="3196459450"/>
+                    <a16:rowId xmlns:a16="http://schemas.microsoft.com/office/drawing/2014/main" xmlns="" val="3196459450"/>
                   </a:ext>
                 </a:extLst>
               </a:tr>
@@ -28994,7 +28824,7 @@
           <p:cNvPr id="4" name="標題 3">
             <a:extLst>
               <a:ext uri="{FF2B5EF4-FFF2-40B4-BE49-F238E27FC236}">
-                <a16:creationId xmlns:a16="http://schemas.microsoft.com/office/drawing/2014/main" id="{C1DE314C-2B29-4814-AB79-910020FE5816}"/>
+                <a16:creationId xmlns:a16="http://schemas.microsoft.com/office/drawing/2014/main" xmlns="" id="{C1DE314C-2B29-4814-AB79-910020FE5816}"/>
               </a:ext>
             </a:extLst>
           </p:cNvPr>
@@ -29027,7 +28857,7 @@
           <p:cNvPr id="5" name="矩形 4">
             <a:extLst>
               <a:ext uri="{FF2B5EF4-FFF2-40B4-BE49-F238E27FC236}">
-                <a16:creationId xmlns:a16="http://schemas.microsoft.com/office/drawing/2014/main" id="{8ACAC489-7C38-4CA3-A806-295AFF7E34DF}"/>
+                <a16:creationId xmlns:a16="http://schemas.microsoft.com/office/drawing/2014/main" xmlns="" id="{8ACAC489-7C38-4CA3-A806-295AFF7E34DF}"/>
               </a:ext>
             </a:extLst>
           </p:cNvPr>
@@ -29240,7 +29070,7 @@
           <p:cNvPr id="7" name="矩形 6">
             <a:extLst>
               <a:ext uri="{FF2B5EF4-FFF2-40B4-BE49-F238E27FC236}">
-                <a16:creationId xmlns:a16="http://schemas.microsoft.com/office/drawing/2014/main" id="{1C298E46-FDD6-486F-95E5-A5C400831352}"/>
+                <a16:creationId xmlns:a16="http://schemas.microsoft.com/office/drawing/2014/main" xmlns="" id="{1C298E46-FDD6-486F-95E5-A5C400831352}"/>
               </a:ext>
             </a:extLst>
           </p:cNvPr>
@@ -29323,7 +29153,7 @@
           <p:cNvPr id="2" name="標題 1">
             <a:extLst>
               <a:ext uri="{FF2B5EF4-FFF2-40B4-BE49-F238E27FC236}">
-                <a16:creationId xmlns:a16="http://schemas.microsoft.com/office/drawing/2014/main" id="{508B18A4-A147-4D7E-AC9A-ED5AAAC51852}"/>
+                <a16:creationId xmlns:a16="http://schemas.microsoft.com/office/drawing/2014/main" xmlns="" id="{508B18A4-A147-4D7E-AC9A-ED5AAAC51852}"/>
               </a:ext>
             </a:extLst>
           </p:cNvPr>
@@ -29356,7 +29186,7 @@
           <p:cNvPr id="6" name="圖片 5">
             <a:extLst>
               <a:ext uri="{FF2B5EF4-FFF2-40B4-BE49-F238E27FC236}">
-                <a16:creationId xmlns:a16="http://schemas.microsoft.com/office/drawing/2014/main" id="{93F0D31B-A32E-4DEF-BE58-428C5CF1D160}"/>
+                <a16:creationId xmlns:a16="http://schemas.microsoft.com/office/drawing/2014/main" xmlns="" id="{93F0D31B-A32E-4DEF-BE58-428C5CF1D160}"/>
               </a:ext>
             </a:extLst>
           </p:cNvPr>
@@ -29416,7 +29246,7 @@
           <p:cNvPr id="2" name="標題 1">
             <a:extLst>
               <a:ext uri="{FF2B5EF4-FFF2-40B4-BE49-F238E27FC236}">
-                <a16:creationId xmlns:a16="http://schemas.microsoft.com/office/drawing/2014/main" id="{0D1D3509-4C8F-4840-9757-4BC445BA861B}"/>
+                <a16:creationId xmlns:a16="http://schemas.microsoft.com/office/drawing/2014/main" xmlns="" id="{0D1D3509-4C8F-4840-9757-4BC445BA861B}"/>
               </a:ext>
             </a:extLst>
           </p:cNvPr>
@@ -29449,7 +29279,7 @@
           <p:cNvPr id="3" name="表格 2">
             <a:extLst>
               <a:ext uri="{FF2B5EF4-FFF2-40B4-BE49-F238E27FC236}">
-                <a16:creationId xmlns:a16="http://schemas.microsoft.com/office/drawing/2014/main" id="{56E05528-769C-4E22-BF90-B1AB1FB36BB0}"/>
+                <a16:creationId xmlns:a16="http://schemas.microsoft.com/office/drawing/2014/main" xmlns="" id="{56E05528-769C-4E22-BF90-B1AB1FB36BB0}"/>
               </a:ext>
             </a:extLst>
           </p:cNvPr>
@@ -29478,14 +29308,14 @@
                 <a:gridCol w="748030">
                   <a:extLst>
                     <a:ext uri="{9D8B030D-6E8A-4147-A177-3AD203B41FA5}">
-                      <a16:colId xmlns:a16="http://schemas.microsoft.com/office/drawing/2014/main" val="2155003235"/>
+                      <a16:colId xmlns:a16="http://schemas.microsoft.com/office/drawing/2014/main" xmlns="" val="2155003235"/>
                     </a:ext>
                   </a:extLst>
                 </a:gridCol>
                 <a:gridCol w="6624736">
                   <a:extLst>
                     <a:ext uri="{9D8B030D-6E8A-4147-A177-3AD203B41FA5}">
-                      <a16:colId xmlns:a16="http://schemas.microsoft.com/office/drawing/2014/main" val="1032324863"/>
+                      <a16:colId xmlns:a16="http://schemas.microsoft.com/office/drawing/2014/main" xmlns="" val="1032324863"/>
                     </a:ext>
                   </a:extLst>
                 </a:gridCol>
@@ -29521,7 +29351,7 @@
                 </a:tc>
                 <a:extLst>
                   <a:ext uri="{0D108BD9-81ED-4DB2-BD59-A6C34878D82A}">
-                    <a16:rowId xmlns:a16="http://schemas.microsoft.com/office/drawing/2014/main" val="2874595714"/>
+                    <a16:rowId xmlns:a16="http://schemas.microsoft.com/office/drawing/2014/main" xmlns="" val="2874595714"/>
                   </a:ext>
                 </a:extLst>
               </a:tr>
@@ -29611,7 +29441,7 @@
                 </a:tc>
                 <a:extLst>
                   <a:ext uri="{0D108BD9-81ED-4DB2-BD59-A6C34878D82A}">
-                    <a16:rowId xmlns:a16="http://schemas.microsoft.com/office/drawing/2014/main" val="2191122605"/>
+                    <a16:rowId xmlns:a16="http://schemas.microsoft.com/office/drawing/2014/main" xmlns="" val="2191122605"/>
                   </a:ext>
                 </a:extLst>
               </a:tr>
@@ -29699,7 +29529,7 @@
                 </a:tc>
                 <a:extLst>
                   <a:ext uri="{0D108BD9-81ED-4DB2-BD59-A6C34878D82A}">
-                    <a16:rowId xmlns:a16="http://schemas.microsoft.com/office/drawing/2014/main" val="6180670"/>
+                    <a16:rowId xmlns:a16="http://schemas.microsoft.com/office/drawing/2014/main" xmlns="" val="6180670"/>
                   </a:ext>
                 </a:extLst>
               </a:tr>
@@ -29787,7 +29617,7 @@
                 </a:tc>
                 <a:extLst>
                   <a:ext uri="{0D108BD9-81ED-4DB2-BD59-A6C34878D82A}">
-                    <a16:rowId xmlns:a16="http://schemas.microsoft.com/office/drawing/2014/main" val="848028970"/>
+                    <a16:rowId xmlns:a16="http://schemas.microsoft.com/office/drawing/2014/main" xmlns="" val="848028970"/>
                   </a:ext>
                 </a:extLst>
               </a:tr>
@@ -29875,7 +29705,7 @@
                 </a:tc>
                 <a:extLst>
                   <a:ext uri="{0D108BD9-81ED-4DB2-BD59-A6C34878D82A}">
-                    <a16:rowId xmlns:a16="http://schemas.microsoft.com/office/drawing/2014/main" val="185436813"/>
+                    <a16:rowId xmlns:a16="http://schemas.microsoft.com/office/drawing/2014/main" xmlns="" val="185436813"/>
                   </a:ext>
                 </a:extLst>
               </a:tr>
@@ -29888,7 +29718,7 @@
           <p:cNvPr id="4" name="矩形 3">
             <a:extLst>
               <a:ext uri="{FF2B5EF4-FFF2-40B4-BE49-F238E27FC236}">
-                <a16:creationId xmlns:a16="http://schemas.microsoft.com/office/drawing/2014/main" id="{73BF7578-BF29-4425-AFE6-E0AFC4C62E30}"/>
+                <a16:creationId xmlns:a16="http://schemas.microsoft.com/office/drawing/2014/main" xmlns="" id="{73BF7578-BF29-4425-AFE6-E0AFC4C62E30}"/>
               </a:ext>
             </a:extLst>
           </p:cNvPr>
@@ -29952,7 +29782,7 @@
           <p:cNvPr id="2" name="標題 1">
             <a:extLst>
               <a:ext uri="{FF2B5EF4-FFF2-40B4-BE49-F238E27FC236}">
-                <a16:creationId xmlns:a16="http://schemas.microsoft.com/office/drawing/2014/main" id="{0D1D3509-4C8F-4840-9757-4BC445BA861B}"/>
+                <a16:creationId xmlns:a16="http://schemas.microsoft.com/office/drawing/2014/main" xmlns="" id="{0D1D3509-4C8F-4840-9757-4BC445BA861B}"/>
               </a:ext>
             </a:extLst>
           </p:cNvPr>
@@ -29987,7 +29817,7 @@
           <p:cNvPr id="37" name="群組 36">
             <a:extLst>
               <a:ext uri="{FF2B5EF4-FFF2-40B4-BE49-F238E27FC236}">
-                <a16:creationId xmlns:a16="http://schemas.microsoft.com/office/drawing/2014/main" id="{8AC05A3E-8170-4460-A140-B97DB24450CF}"/>
+                <a16:creationId xmlns:a16="http://schemas.microsoft.com/office/drawing/2014/main" xmlns="" id="{8AC05A3E-8170-4460-A140-B97DB24450CF}"/>
               </a:ext>
             </a:extLst>
           </p:cNvPr>
@@ -30007,7 +29837,7 @@
             <p:cNvPr id="5" name="橢圓 4">
               <a:extLst>
                 <a:ext uri="{FF2B5EF4-FFF2-40B4-BE49-F238E27FC236}">
-                  <a16:creationId xmlns:a16="http://schemas.microsoft.com/office/drawing/2014/main" id="{5C51FA1E-EBD8-488B-8C6C-41822BF822D1}"/>
+                  <a16:creationId xmlns:a16="http://schemas.microsoft.com/office/drawing/2014/main" xmlns="" id="{5C51FA1E-EBD8-488B-8C6C-41822BF822D1}"/>
                 </a:ext>
               </a:extLst>
             </p:cNvPr>
@@ -30061,7 +29891,7 @@
             <p:cNvPr id="7" name="直線單箭頭接點 6">
               <a:extLst>
                 <a:ext uri="{FF2B5EF4-FFF2-40B4-BE49-F238E27FC236}">
-                  <a16:creationId xmlns:a16="http://schemas.microsoft.com/office/drawing/2014/main" id="{D1C8C39E-8154-4342-BD37-617800280B3E}"/>
+                  <a16:creationId xmlns:a16="http://schemas.microsoft.com/office/drawing/2014/main" xmlns="" id="{D1C8C39E-8154-4342-BD37-617800280B3E}"/>
                 </a:ext>
               </a:extLst>
             </p:cNvPr>
@@ -30102,7 +29932,7 @@
             <p:cNvPr id="8" name="流程圖: 決策 7">
               <a:extLst>
                 <a:ext uri="{FF2B5EF4-FFF2-40B4-BE49-F238E27FC236}">
-                  <a16:creationId xmlns:a16="http://schemas.microsoft.com/office/drawing/2014/main" id="{067904AE-3C04-433D-B071-DF6EE75B768D}"/>
+                  <a16:creationId xmlns:a16="http://schemas.microsoft.com/office/drawing/2014/main" xmlns="" id="{067904AE-3C04-433D-B071-DF6EE75B768D}"/>
                 </a:ext>
               </a:extLst>
             </p:cNvPr>
@@ -30156,7 +29986,7 @@
             <p:cNvPr id="9" name="矩形 8">
               <a:extLst>
                 <a:ext uri="{FF2B5EF4-FFF2-40B4-BE49-F238E27FC236}">
-                  <a16:creationId xmlns:a16="http://schemas.microsoft.com/office/drawing/2014/main" id="{1588DEBD-3DB8-477C-AA5E-63C6002BF6A3}"/>
+                  <a16:creationId xmlns:a16="http://schemas.microsoft.com/office/drawing/2014/main" xmlns="" id="{1588DEBD-3DB8-477C-AA5E-63C6002BF6A3}"/>
                 </a:ext>
               </a:extLst>
             </p:cNvPr>
@@ -30210,7 +30040,7 @@
             <p:cNvPr id="11" name="直線接點 10">
               <a:extLst>
                 <a:ext uri="{FF2B5EF4-FFF2-40B4-BE49-F238E27FC236}">
-                  <a16:creationId xmlns:a16="http://schemas.microsoft.com/office/drawing/2014/main" id="{79ECE286-3DF6-49DD-A85F-C289409610C4}"/>
+                  <a16:creationId xmlns:a16="http://schemas.microsoft.com/office/drawing/2014/main" xmlns="" id="{79ECE286-3DF6-49DD-A85F-C289409610C4}"/>
                 </a:ext>
               </a:extLst>
             </p:cNvPr>
@@ -30250,7 +30080,7 @@
             <p:cNvPr id="13" name="直線接點 12">
               <a:extLst>
                 <a:ext uri="{FF2B5EF4-FFF2-40B4-BE49-F238E27FC236}">
-                  <a16:creationId xmlns:a16="http://schemas.microsoft.com/office/drawing/2014/main" id="{70A04732-039D-4501-8DE3-111A79575C6D}"/>
+                  <a16:creationId xmlns:a16="http://schemas.microsoft.com/office/drawing/2014/main" xmlns="" id="{70A04732-039D-4501-8DE3-111A79575C6D}"/>
                 </a:ext>
               </a:extLst>
             </p:cNvPr>
@@ -30287,7 +30117,7 @@
             <p:cNvPr id="15" name="直線接點 14">
               <a:extLst>
                 <a:ext uri="{FF2B5EF4-FFF2-40B4-BE49-F238E27FC236}">
-                  <a16:creationId xmlns:a16="http://schemas.microsoft.com/office/drawing/2014/main" id="{1D9E33E5-05FD-4C64-BD0C-CEF8ECB73CEB}"/>
+                  <a16:creationId xmlns:a16="http://schemas.microsoft.com/office/drawing/2014/main" xmlns="" id="{1D9E33E5-05FD-4C64-BD0C-CEF8ECB73CEB}"/>
                 </a:ext>
               </a:extLst>
             </p:cNvPr>
@@ -30326,7 +30156,7 @@
             <p:cNvPr id="17" name="直線單箭頭接點 16">
               <a:extLst>
                 <a:ext uri="{FF2B5EF4-FFF2-40B4-BE49-F238E27FC236}">
-                  <a16:creationId xmlns:a16="http://schemas.microsoft.com/office/drawing/2014/main" id="{7881256B-33C1-4FD9-AB63-68389336A5B7}"/>
+                  <a16:creationId xmlns:a16="http://schemas.microsoft.com/office/drawing/2014/main" xmlns="" id="{7881256B-33C1-4FD9-AB63-68389336A5B7}"/>
                 </a:ext>
               </a:extLst>
             </p:cNvPr>
@@ -30365,7 +30195,7 @@
             <p:cNvPr id="18" name="直線單箭頭接點 17">
               <a:extLst>
                 <a:ext uri="{FF2B5EF4-FFF2-40B4-BE49-F238E27FC236}">
-                  <a16:creationId xmlns:a16="http://schemas.microsoft.com/office/drawing/2014/main" id="{7D3766CF-76C0-4C18-A6A9-1E32055D6C01}"/>
+                  <a16:creationId xmlns:a16="http://schemas.microsoft.com/office/drawing/2014/main" xmlns="" id="{7D3766CF-76C0-4C18-A6A9-1E32055D6C01}"/>
                 </a:ext>
               </a:extLst>
             </p:cNvPr>
@@ -30404,7 +30234,7 @@
             <p:cNvPr id="19" name="直線單箭頭接點 18">
               <a:extLst>
                 <a:ext uri="{FF2B5EF4-FFF2-40B4-BE49-F238E27FC236}">
-                  <a16:creationId xmlns:a16="http://schemas.microsoft.com/office/drawing/2014/main" id="{EF491CE5-0D18-4F88-A0AE-F982F862E804}"/>
+                  <a16:creationId xmlns:a16="http://schemas.microsoft.com/office/drawing/2014/main" xmlns="" id="{EF491CE5-0D18-4F88-A0AE-F982F862E804}"/>
                 </a:ext>
               </a:extLst>
             </p:cNvPr>
@@ -30443,7 +30273,7 @@
             <p:cNvPr id="20" name="直線單箭頭接點 19">
               <a:extLst>
                 <a:ext uri="{FF2B5EF4-FFF2-40B4-BE49-F238E27FC236}">
-                  <a16:creationId xmlns:a16="http://schemas.microsoft.com/office/drawing/2014/main" id="{0517C17D-96CC-477D-8FFC-CF1429FFC4BB}"/>
+                  <a16:creationId xmlns:a16="http://schemas.microsoft.com/office/drawing/2014/main" xmlns="" id="{0517C17D-96CC-477D-8FFC-CF1429FFC4BB}"/>
                 </a:ext>
               </a:extLst>
             </p:cNvPr>
@@ -30482,7 +30312,7 @@
             <p:cNvPr id="21" name="直線單箭頭接點 20">
               <a:extLst>
                 <a:ext uri="{FF2B5EF4-FFF2-40B4-BE49-F238E27FC236}">
-                  <a16:creationId xmlns:a16="http://schemas.microsoft.com/office/drawing/2014/main" id="{752FF3FB-A8E1-4CA3-9144-531E57B6139F}"/>
+                  <a16:creationId xmlns:a16="http://schemas.microsoft.com/office/drawing/2014/main" xmlns="" id="{752FF3FB-A8E1-4CA3-9144-531E57B6139F}"/>
                 </a:ext>
               </a:extLst>
             </p:cNvPr>
@@ -30521,7 +30351,7 @@
             <p:cNvPr id="23" name="矩形 22">
               <a:extLst>
                 <a:ext uri="{FF2B5EF4-FFF2-40B4-BE49-F238E27FC236}">
-                  <a16:creationId xmlns:a16="http://schemas.microsoft.com/office/drawing/2014/main" id="{DE3F5828-B2CA-4521-B0F7-FE72A021CADF}"/>
+                  <a16:creationId xmlns:a16="http://schemas.microsoft.com/office/drawing/2014/main" xmlns="" id="{DE3F5828-B2CA-4521-B0F7-FE72A021CADF}"/>
                 </a:ext>
               </a:extLst>
             </p:cNvPr>
@@ -30575,7 +30405,7 @@
             <p:cNvPr id="24" name="矩形 23">
               <a:extLst>
                 <a:ext uri="{FF2B5EF4-FFF2-40B4-BE49-F238E27FC236}">
-                  <a16:creationId xmlns:a16="http://schemas.microsoft.com/office/drawing/2014/main" id="{DE326C4F-DDF7-4A6C-9B70-BCA642E8451D}"/>
+                  <a16:creationId xmlns:a16="http://schemas.microsoft.com/office/drawing/2014/main" xmlns="" id="{DE326C4F-DDF7-4A6C-9B70-BCA642E8451D}"/>
                 </a:ext>
               </a:extLst>
             </p:cNvPr>
@@ -30629,7 +30459,7 @@
             <p:cNvPr id="25" name="矩形 24">
               <a:extLst>
                 <a:ext uri="{FF2B5EF4-FFF2-40B4-BE49-F238E27FC236}">
-                  <a16:creationId xmlns:a16="http://schemas.microsoft.com/office/drawing/2014/main" id="{545C4096-BEF1-4CF1-9E1D-B258661099DD}"/>
+                  <a16:creationId xmlns:a16="http://schemas.microsoft.com/office/drawing/2014/main" xmlns="" id="{545C4096-BEF1-4CF1-9E1D-B258661099DD}"/>
                 </a:ext>
               </a:extLst>
             </p:cNvPr>
@@ -30683,7 +30513,7 @@
             <p:cNvPr id="26" name="矩形 25">
               <a:extLst>
                 <a:ext uri="{FF2B5EF4-FFF2-40B4-BE49-F238E27FC236}">
-                  <a16:creationId xmlns:a16="http://schemas.microsoft.com/office/drawing/2014/main" id="{048CA70C-380F-4743-9664-A3CAEF3344F0}"/>
+                  <a16:creationId xmlns:a16="http://schemas.microsoft.com/office/drawing/2014/main" xmlns="" id="{048CA70C-380F-4743-9664-A3CAEF3344F0}"/>
                 </a:ext>
               </a:extLst>
             </p:cNvPr>
@@ -30737,7 +30567,7 @@
             <p:cNvPr id="27" name="直線接點 26">
               <a:extLst>
                 <a:ext uri="{FF2B5EF4-FFF2-40B4-BE49-F238E27FC236}">
-                  <a16:creationId xmlns:a16="http://schemas.microsoft.com/office/drawing/2014/main" id="{58F45BFC-878E-4AD4-92F5-45BB734D4F8F}"/>
+                  <a16:creationId xmlns:a16="http://schemas.microsoft.com/office/drawing/2014/main" xmlns="" id="{58F45BFC-878E-4AD4-92F5-45BB734D4F8F}"/>
                 </a:ext>
               </a:extLst>
             </p:cNvPr>
@@ -30774,7 +30604,7 @@
             <p:cNvPr id="28" name="直線接點 27">
               <a:extLst>
                 <a:ext uri="{FF2B5EF4-FFF2-40B4-BE49-F238E27FC236}">
-                  <a16:creationId xmlns:a16="http://schemas.microsoft.com/office/drawing/2014/main" id="{AC6F7FFF-B490-4F9F-BB93-20C2E7076278}"/>
+                  <a16:creationId xmlns:a16="http://schemas.microsoft.com/office/drawing/2014/main" xmlns="" id="{AC6F7FFF-B490-4F9F-BB93-20C2E7076278}"/>
                 </a:ext>
               </a:extLst>
             </p:cNvPr>
@@ -30813,7 +30643,7 @@
             <p:cNvPr id="29" name="直線接點 28">
               <a:extLst>
                 <a:ext uri="{FF2B5EF4-FFF2-40B4-BE49-F238E27FC236}">
-                  <a16:creationId xmlns:a16="http://schemas.microsoft.com/office/drawing/2014/main" id="{C9B8B1CD-0C71-43B8-A9E4-9420A7090399}"/>
+                  <a16:creationId xmlns:a16="http://schemas.microsoft.com/office/drawing/2014/main" xmlns="" id="{C9B8B1CD-0C71-43B8-A9E4-9420A7090399}"/>
                 </a:ext>
               </a:extLst>
             </p:cNvPr>
@@ -30852,7 +30682,7 @@
             <p:cNvPr id="30" name="直線接點 29">
               <a:extLst>
                 <a:ext uri="{FF2B5EF4-FFF2-40B4-BE49-F238E27FC236}">
-                  <a16:creationId xmlns:a16="http://schemas.microsoft.com/office/drawing/2014/main" id="{8DAC78F7-336E-47E5-9D51-57E2580B059D}"/>
+                  <a16:creationId xmlns:a16="http://schemas.microsoft.com/office/drawing/2014/main" xmlns="" id="{8DAC78F7-336E-47E5-9D51-57E2580B059D}"/>
                 </a:ext>
               </a:extLst>
             </p:cNvPr>
@@ -30891,7 +30721,7 @@
             <p:cNvPr id="31" name="直線接點 30">
               <a:extLst>
                 <a:ext uri="{FF2B5EF4-FFF2-40B4-BE49-F238E27FC236}">
-                  <a16:creationId xmlns:a16="http://schemas.microsoft.com/office/drawing/2014/main" id="{EE4E32DE-7357-479F-A969-6CEB0E04E4B5}"/>
+                  <a16:creationId xmlns:a16="http://schemas.microsoft.com/office/drawing/2014/main" xmlns="" id="{EE4E32DE-7357-479F-A969-6CEB0E04E4B5}"/>
                 </a:ext>
               </a:extLst>
             </p:cNvPr>
@@ -30930,7 +30760,7 @@
             <p:cNvPr id="32" name="直線接點 31">
               <a:extLst>
                 <a:ext uri="{FF2B5EF4-FFF2-40B4-BE49-F238E27FC236}">
-                  <a16:creationId xmlns:a16="http://schemas.microsoft.com/office/drawing/2014/main" id="{1ACD4E3D-A3C5-4937-9D51-B85843F02655}"/>
+                  <a16:creationId xmlns:a16="http://schemas.microsoft.com/office/drawing/2014/main" xmlns="" id="{1ACD4E3D-A3C5-4937-9D51-B85843F02655}"/>
                 </a:ext>
               </a:extLst>
             </p:cNvPr>
@@ -30969,7 +30799,7 @@
             <p:cNvPr id="35" name="直線單箭頭接點 34">
               <a:extLst>
                 <a:ext uri="{FF2B5EF4-FFF2-40B4-BE49-F238E27FC236}">
-                  <a16:creationId xmlns:a16="http://schemas.microsoft.com/office/drawing/2014/main" id="{3E121252-4154-451C-9D0D-F48091BF5590}"/>
+                  <a16:creationId xmlns:a16="http://schemas.microsoft.com/office/drawing/2014/main" xmlns="" id="{3E121252-4154-451C-9D0D-F48091BF5590}"/>
                 </a:ext>
               </a:extLst>
             </p:cNvPr>
@@ -31008,7 +30838,7 @@
             <p:cNvPr id="36" name="橢圓 35">
               <a:extLst>
                 <a:ext uri="{FF2B5EF4-FFF2-40B4-BE49-F238E27FC236}">
-                  <a16:creationId xmlns:a16="http://schemas.microsoft.com/office/drawing/2014/main" id="{C2E63651-1408-452C-A177-A27C0C79A365}"/>
+                  <a16:creationId xmlns:a16="http://schemas.microsoft.com/office/drawing/2014/main" xmlns="" id="{C2E63651-1408-452C-A177-A27C0C79A365}"/>
                 </a:ext>
               </a:extLst>
             </p:cNvPr>
@@ -31093,7 +30923,7 @@
           <p:cNvPr id="2" name="標題 1">
             <a:extLst>
               <a:ext uri="{FF2B5EF4-FFF2-40B4-BE49-F238E27FC236}">
-                <a16:creationId xmlns:a16="http://schemas.microsoft.com/office/drawing/2014/main" id="{DAFD5D23-F000-4DDB-96CB-7823DE917E67}"/>
+                <a16:creationId xmlns:a16="http://schemas.microsoft.com/office/drawing/2014/main" xmlns="" id="{DAFD5D23-F000-4DDB-96CB-7823DE917E67}"/>
               </a:ext>
             </a:extLst>
           </p:cNvPr>
@@ -31126,7 +30956,7 @@
           <p:cNvPr id="3" name="圖片 2">
             <a:extLst>
               <a:ext uri="{FF2B5EF4-FFF2-40B4-BE49-F238E27FC236}">
-                <a16:creationId xmlns:a16="http://schemas.microsoft.com/office/drawing/2014/main" id="{D651AF75-5225-4FAA-960F-D28CE1804063}"/>
+                <a16:creationId xmlns:a16="http://schemas.microsoft.com/office/drawing/2014/main" xmlns="" id="{D651AF75-5225-4FAA-960F-D28CE1804063}"/>
               </a:ext>
             </a:extLst>
           </p:cNvPr>
@@ -31156,7 +30986,7 @@
           <p:cNvPr id="4" name="矩形 3">
             <a:extLst>
               <a:ext uri="{FF2B5EF4-FFF2-40B4-BE49-F238E27FC236}">
-                <a16:creationId xmlns:a16="http://schemas.microsoft.com/office/drawing/2014/main" id="{E07E07BE-9BC0-490E-836B-98B66A18996F}"/>
+                <a16:creationId xmlns:a16="http://schemas.microsoft.com/office/drawing/2014/main" xmlns="" id="{E07E07BE-9BC0-490E-836B-98B66A18996F}"/>
               </a:ext>
             </a:extLst>
           </p:cNvPr>
@@ -31403,7 +31233,7 @@
           <p:cNvPr id="2" name="標題 1">
             <a:extLst>
               <a:ext uri="{FF2B5EF4-FFF2-40B4-BE49-F238E27FC236}">
-                <a16:creationId xmlns:a16="http://schemas.microsoft.com/office/drawing/2014/main" id="{5E0D5FC2-2CD6-49C8-8FCE-653FFA0888B5}"/>
+                <a16:creationId xmlns:a16="http://schemas.microsoft.com/office/drawing/2014/main" xmlns="" id="{5E0D5FC2-2CD6-49C8-8FCE-653FFA0888B5}"/>
               </a:ext>
             </a:extLst>
           </p:cNvPr>
@@ -31436,7 +31266,7 @@
           <p:cNvPr id="4" name="矩形 3">
             <a:extLst>
               <a:ext uri="{FF2B5EF4-FFF2-40B4-BE49-F238E27FC236}">
-                <a16:creationId xmlns:a16="http://schemas.microsoft.com/office/drawing/2014/main" id="{AF557CA3-788A-4217-B162-FFBF83FF422B}"/>
+                <a16:creationId xmlns:a16="http://schemas.microsoft.com/office/drawing/2014/main" xmlns="" id="{AF557CA3-788A-4217-B162-FFBF83FF422B}"/>
               </a:ext>
             </a:extLst>
           </p:cNvPr>
@@ -31601,7 +31431,7 @@
           <p:cNvPr id="2" name="標題 1">
             <a:extLst>
               <a:ext uri="{FF2B5EF4-FFF2-40B4-BE49-F238E27FC236}">
-                <a16:creationId xmlns:a16="http://schemas.microsoft.com/office/drawing/2014/main" id="{E92A521D-70DE-4C2B-BC35-6A8400156EE5}"/>
+                <a16:creationId xmlns:a16="http://schemas.microsoft.com/office/drawing/2014/main" xmlns="" id="{E92A521D-70DE-4C2B-BC35-6A8400156EE5}"/>
               </a:ext>
             </a:extLst>
           </p:cNvPr>
@@ -31634,7 +31464,7 @@
           <p:cNvPr id="3" name="資料庫圖表 2">
             <a:extLst>
               <a:ext uri="{FF2B5EF4-FFF2-40B4-BE49-F238E27FC236}">
-                <a16:creationId xmlns:a16="http://schemas.microsoft.com/office/drawing/2014/main" id="{A561D5B0-0F96-4F2D-93E5-B24F90B0DEE7}"/>
+                <a16:creationId xmlns:a16="http://schemas.microsoft.com/office/drawing/2014/main" xmlns="" id="{A561D5B0-0F96-4F2D-93E5-B24F90B0DEE7}"/>
               </a:ext>
             </a:extLst>
           </p:cNvPr>
@@ -31860,7 +31690,7 @@
           <p:cNvPr id="3" name="矩形 2">
             <a:extLst>
               <a:ext uri="{FF2B5EF4-FFF2-40B4-BE49-F238E27FC236}">
-                <a16:creationId xmlns:a16="http://schemas.microsoft.com/office/drawing/2014/main" id="{76D2C540-C43D-4F0F-A9E7-D64165CCC475}"/>
+                <a16:creationId xmlns:a16="http://schemas.microsoft.com/office/drawing/2014/main" xmlns="" id="{76D2C540-C43D-4F0F-A9E7-D64165CCC475}"/>
               </a:ext>
             </a:extLst>
           </p:cNvPr>
@@ -31941,7 +31771,7 @@
           <p:cNvPr id="6" name="矩形 5">
             <a:extLst>
               <a:ext uri="{FF2B5EF4-FFF2-40B4-BE49-F238E27FC236}">
-                <a16:creationId xmlns:a16="http://schemas.microsoft.com/office/drawing/2014/main" id="{FF10A1BA-FEA0-4012-9A8F-F5A19B4A0A51}"/>
+                <a16:creationId xmlns:a16="http://schemas.microsoft.com/office/drawing/2014/main" xmlns="" id="{FF10A1BA-FEA0-4012-9A8F-F5A19B4A0A51}"/>
               </a:ext>
             </a:extLst>
           </p:cNvPr>
@@ -32122,14 +31952,14 @@
                 <a:gridCol w="1296144">
                   <a:extLst>
                     <a:ext uri="{9D8B030D-6E8A-4147-A177-3AD203B41FA5}">
-                      <a16:colId xmlns:a16="http://schemas.microsoft.com/office/drawing/2014/main" val="20000"/>
+                      <a16:colId xmlns:a16="http://schemas.microsoft.com/office/drawing/2014/main" xmlns="" val="20000"/>
                     </a:ext>
                   </a:extLst>
                 </a:gridCol>
                 <a:gridCol w="6192688">
                   <a:extLst>
                     <a:ext uri="{9D8B030D-6E8A-4147-A177-3AD203B41FA5}">
-                      <a16:colId xmlns:a16="http://schemas.microsoft.com/office/drawing/2014/main" val="20001"/>
+                      <a16:colId xmlns:a16="http://schemas.microsoft.com/office/drawing/2014/main" xmlns="" val="20001"/>
                     </a:ext>
                   </a:extLst>
                 </a:gridCol>
@@ -32166,7 +31996,7 @@
                 </a:tc>
                 <a:extLst>
                   <a:ext uri="{0D108BD9-81ED-4DB2-BD59-A6C34878D82A}">
-                    <a16:rowId xmlns:a16="http://schemas.microsoft.com/office/drawing/2014/main" val="10000"/>
+                    <a16:rowId xmlns:a16="http://schemas.microsoft.com/office/drawing/2014/main" xmlns="" val="10000"/>
                   </a:ext>
                 </a:extLst>
               </a:tr>
@@ -32276,7 +32106,7 @@
                 </a:tc>
                 <a:extLst>
                   <a:ext uri="{0D108BD9-81ED-4DB2-BD59-A6C34878D82A}">
-                    <a16:rowId xmlns:a16="http://schemas.microsoft.com/office/drawing/2014/main" val="10001"/>
+                    <a16:rowId xmlns:a16="http://schemas.microsoft.com/office/drawing/2014/main" xmlns="" val="10001"/>
                   </a:ext>
                 </a:extLst>
               </a:tr>
@@ -32346,7 +32176,7 @@
                 </a:tc>
                 <a:extLst>
                   <a:ext uri="{0D108BD9-81ED-4DB2-BD59-A6C34878D82A}">
-                    <a16:rowId xmlns:a16="http://schemas.microsoft.com/office/drawing/2014/main" val="10002"/>
+                    <a16:rowId xmlns:a16="http://schemas.microsoft.com/office/drawing/2014/main" xmlns="" val="10002"/>
                   </a:ext>
                 </a:extLst>
               </a:tr>
@@ -32437,7 +32267,7 @@
                 </a:tc>
                 <a:extLst>
                   <a:ext uri="{0D108BD9-81ED-4DB2-BD59-A6C34878D82A}">
-                    <a16:rowId xmlns:a16="http://schemas.microsoft.com/office/drawing/2014/main" val="10003"/>
+                    <a16:rowId xmlns:a16="http://schemas.microsoft.com/office/drawing/2014/main" xmlns="" val="10003"/>
                   </a:ext>
                 </a:extLst>
               </a:tr>
@@ -32529,7 +32359,7 @@
                 </a:tc>
                 <a:extLst>
                   <a:ext uri="{0D108BD9-81ED-4DB2-BD59-A6C34878D82A}">
-                    <a16:rowId xmlns:a16="http://schemas.microsoft.com/office/drawing/2014/main" val="10004"/>
+                    <a16:rowId xmlns:a16="http://schemas.microsoft.com/office/drawing/2014/main" xmlns="" val="10004"/>
                   </a:ext>
                 </a:extLst>
               </a:tr>
@@ -32621,7 +32451,7 @@
                 </a:tc>
                 <a:extLst>
                   <a:ext uri="{0D108BD9-81ED-4DB2-BD59-A6C34878D82A}">
-                    <a16:rowId xmlns:a16="http://schemas.microsoft.com/office/drawing/2014/main" val="10005"/>
+                    <a16:rowId xmlns:a16="http://schemas.microsoft.com/office/drawing/2014/main" xmlns="" val="10005"/>
                   </a:ext>
                 </a:extLst>
               </a:tr>
@@ -32742,7 +32572,7 @@
                 </a:tc>
                 <a:extLst>
                   <a:ext uri="{0D108BD9-81ED-4DB2-BD59-A6C34878D82A}">
-                    <a16:rowId xmlns:a16="http://schemas.microsoft.com/office/drawing/2014/main" val="10006"/>
+                    <a16:rowId xmlns:a16="http://schemas.microsoft.com/office/drawing/2014/main" xmlns="" val="10006"/>
                   </a:ext>
                 </a:extLst>
               </a:tr>
@@ -32855,7 +32685,7 @@
                 </a:tc>
                 <a:extLst>
                   <a:ext uri="{0D108BD9-81ED-4DB2-BD59-A6C34878D82A}">
-                    <a16:rowId xmlns:a16="http://schemas.microsoft.com/office/drawing/2014/main" val="10007"/>
+                    <a16:rowId xmlns:a16="http://schemas.microsoft.com/office/drawing/2014/main" xmlns="" val="10007"/>
                   </a:ext>
                 </a:extLst>
               </a:tr>
@@ -32907,7 +32737,7 @@
                 </a:tc>
                 <a:extLst>
                   <a:ext uri="{0D108BD9-81ED-4DB2-BD59-A6C34878D82A}">
-                    <a16:rowId xmlns:a16="http://schemas.microsoft.com/office/drawing/2014/main" val="10008"/>
+                    <a16:rowId xmlns:a16="http://schemas.microsoft.com/office/drawing/2014/main" xmlns="" val="10008"/>
                   </a:ext>
                 </a:extLst>
               </a:tr>
@@ -33000,7 +32830,7 @@
                 </a:tc>
                 <a:extLst>
                   <a:ext uri="{0D108BD9-81ED-4DB2-BD59-A6C34878D82A}">
-                    <a16:rowId xmlns:a16="http://schemas.microsoft.com/office/drawing/2014/main" val="10009"/>
+                    <a16:rowId xmlns:a16="http://schemas.microsoft.com/office/drawing/2014/main" xmlns="" val="10009"/>
                   </a:ext>
                 </a:extLst>
               </a:tr>
@@ -33069,7 +32899,7 @@
                 </a:tc>
                 <a:extLst>
                   <a:ext uri="{0D108BD9-81ED-4DB2-BD59-A6C34878D82A}">
-                    <a16:rowId xmlns:a16="http://schemas.microsoft.com/office/drawing/2014/main" val="10010"/>
+                    <a16:rowId xmlns:a16="http://schemas.microsoft.com/office/drawing/2014/main" xmlns="" val="10010"/>
                   </a:ext>
                 </a:extLst>
               </a:tr>
@@ -33184,7 +33014,7 @@
                 </a:tc>
                 <a:extLst>
                   <a:ext uri="{0D108BD9-81ED-4DB2-BD59-A6C34878D82A}">
-                    <a16:rowId xmlns:a16="http://schemas.microsoft.com/office/drawing/2014/main" val="10011"/>
+                    <a16:rowId xmlns:a16="http://schemas.microsoft.com/office/drawing/2014/main" xmlns="" val="10011"/>
                   </a:ext>
                 </a:extLst>
               </a:tr>
@@ -33275,7 +33105,7 @@
                 </a:tc>
                 <a:extLst>
                   <a:ext uri="{0D108BD9-81ED-4DB2-BD59-A6C34878D82A}">
-                    <a16:rowId xmlns:a16="http://schemas.microsoft.com/office/drawing/2014/main" val="10012"/>
+                    <a16:rowId xmlns:a16="http://schemas.microsoft.com/office/drawing/2014/main" xmlns="" val="10012"/>
                   </a:ext>
                 </a:extLst>
               </a:tr>
@@ -33388,7 +33218,7 @@
                 </a:tc>
                 <a:extLst>
                   <a:ext uri="{0D108BD9-81ED-4DB2-BD59-A6C34878D82A}">
-                    <a16:rowId xmlns:a16="http://schemas.microsoft.com/office/drawing/2014/main" val="10013"/>
+                    <a16:rowId xmlns:a16="http://schemas.microsoft.com/office/drawing/2014/main" xmlns="" val="10013"/>
                   </a:ext>
                 </a:extLst>
               </a:tr>
@@ -33458,7 +33288,7 @@
           <p:cNvPr id="4" name="圖片 3">
             <a:extLst>
               <a:ext uri="{FF2B5EF4-FFF2-40B4-BE49-F238E27FC236}">
-                <a16:creationId xmlns:a16="http://schemas.microsoft.com/office/drawing/2014/main" id="{BB47A9BF-450F-441C-8C6B-6D2B2C381840}"/>
+                <a16:creationId xmlns:a16="http://schemas.microsoft.com/office/drawing/2014/main" xmlns="" id="{BB47A9BF-450F-441C-8C6B-6D2B2C381840}"/>
               </a:ext>
             </a:extLst>
           </p:cNvPr>
@@ -33488,7 +33318,7 @@
           <p:cNvPr id="6" name="矩形 5">
             <a:extLst>
               <a:ext uri="{FF2B5EF4-FFF2-40B4-BE49-F238E27FC236}">
-                <a16:creationId xmlns:a16="http://schemas.microsoft.com/office/drawing/2014/main" id="{F1DAAF86-0440-4CCE-A657-7053A15DA85A}"/>
+                <a16:creationId xmlns:a16="http://schemas.microsoft.com/office/drawing/2014/main" xmlns="" id="{F1DAAF86-0440-4CCE-A657-7053A15DA85A}"/>
               </a:ext>
             </a:extLst>
           </p:cNvPr>
@@ -33618,7 +33448,7 @@
           <p:cNvPr id="2" name="標題 1">
             <a:extLst>
               <a:ext uri="{FF2B5EF4-FFF2-40B4-BE49-F238E27FC236}">
-                <a16:creationId xmlns:a16="http://schemas.microsoft.com/office/drawing/2014/main" id="{4C77D1C3-E29B-40FE-A566-46920A6E6D0D}"/>
+                <a16:creationId xmlns:a16="http://schemas.microsoft.com/office/drawing/2014/main" xmlns="" id="{4C77D1C3-E29B-40FE-A566-46920A6E6D0D}"/>
               </a:ext>
             </a:extLst>
           </p:cNvPr>
@@ -33651,7 +33481,7 @@
           <p:cNvPr id="4" name="表格 3">
             <a:extLst>
               <a:ext uri="{FF2B5EF4-FFF2-40B4-BE49-F238E27FC236}">
-                <a16:creationId xmlns:a16="http://schemas.microsoft.com/office/drawing/2014/main" id="{CB4114C5-7090-47FF-8CB2-5A7F3A5DE040}"/>
+                <a16:creationId xmlns:a16="http://schemas.microsoft.com/office/drawing/2014/main" xmlns="" id="{CB4114C5-7090-47FF-8CB2-5A7F3A5DE040}"/>
               </a:ext>
             </a:extLst>
           </p:cNvPr>
@@ -33680,14 +33510,14 @@
                 <a:gridCol w="2064068">
                   <a:extLst>
                     <a:ext uri="{9D8B030D-6E8A-4147-A177-3AD203B41FA5}">
-                      <a16:colId xmlns:a16="http://schemas.microsoft.com/office/drawing/2014/main" val="1985761553"/>
+                      <a16:colId xmlns:a16="http://schemas.microsoft.com/office/drawing/2014/main" xmlns="" val="1985761553"/>
                     </a:ext>
                   </a:extLst>
                 </a:gridCol>
                 <a:gridCol w="5703564">
                   <a:extLst>
                     <a:ext uri="{9D8B030D-6E8A-4147-A177-3AD203B41FA5}">
-                      <a16:colId xmlns:a16="http://schemas.microsoft.com/office/drawing/2014/main" val="2389564488"/>
+                      <a16:colId xmlns:a16="http://schemas.microsoft.com/office/drawing/2014/main" xmlns="" val="2389564488"/>
                     </a:ext>
                   </a:extLst>
                 </a:gridCol>
@@ -33715,7 +33545,7 @@
                 </a:tc>
                 <a:extLst>
                   <a:ext uri="{0D108BD9-81ED-4DB2-BD59-A6C34878D82A}">
-                    <a16:rowId xmlns:a16="http://schemas.microsoft.com/office/drawing/2014/main" val="1980829579"/>
+                    <a16:rowId xmlns:a16="http://schemas.microsoft.com/office/drawing/2014/main" xmlns="" val="1980829579"/>
                   </a:ext>
                 </a:extLst>
               </a:tr>
@@ -33765,7 +33595,7 @@
                 </a:tc>
                 <a:extLst>
                   <a:ext uri="{0D108BD9-81ED-4DB2-BD59-A6C34878D82A}">
-                    <a16:rowId xmlns:a16="http://schemas.microsoft.com/office/drawing/2014/main" val="1639494307"/>
+                    <a16:rowId xmlns:a16="http://schemas.microsoft.com/office/drawing/2014/main" xmlns="" val="1639494307"/>
                   </a:ext>
                 </a:extLst>
               </a:tr>
@@ -33803,7 +33633,7 @@
                 </a:tc>
                 <a:extLst>
                   <a:ext uri="{0D108BD9-81ED-4DB2-BD59-A6C34878D82A}">
-                    <a16:rowId xmlns:a16="http://schemas.microsoft.com/office/drawing/2014/main" val="2956675824"/>
+                    <a16:rowId xmlns:a16="http://schemas.microsoft.com/office/drawing/2014/main" xmlns="" val="2956675824"/>
                   </a:ext>
                 </a:extLst>
               </a:tr>
@@ -33841,7 +33671,7 @@
                 </a:tc>
                 <a:extLst>
                   <a:ext uri="{0D108BD9-81ED-4DB2-BD59-A6C34878D82A}">
-                    <a16:rowId xmlns:a16="http://schemas.microsoft.com/office/drawing/2014/main" val="1502847595"/>
+                    <a16:rowId xmlns:a16="http://schemas.microsoft.com/office/drawing/2014/main" xmlns="" val="1502847595"/>
                   </a:ext>
                 </a:extLst>
               </a:tr>
@@ -33969,7 +33799,7 @@
                 </a:tc>
                 <a:extLst>
                   <a:ext uri="{0D108BD9-81ED-4DB2-BD59-A6C34878D82A}">
-                    <a16:rowId xmlns:a16="http://schemas.microsoft.com/office/drawing/2014/main" val="3767355334"/>
+                    <a16:rowId xmlns:a16="http://schemas.microsoft.com/office/drawing/2014/main" xmlns="" val="3767355334"/>
                   </a:ext>
                 </a:extLst>
               </a:tr>
@@ -34048,7 +33878,7 @@
                 </a:tc>
                 <a:extLst>
                   <a:ext uri="{0D108BD9-81ED-4DB2-BD59-A6C34878D82A}">
-                    <a16:rowId xmlns:a16="http://schemas.microsoft.com/office/drawing/2014/main" val="790018570"/>
+                    <a16:rowId xmlns:a16="http://schemas.microsoft.com/office/drawing/2014/main" xmlns="" val="790018570"/>
                   </a:ext>
                 </a:extLst>
               </a:tr>
@@ -34086,7 +33916,7 @@
                 </a:tc>
                 <a:extLst>
                   <a:ext uri="{0D108BD9-81ED-4DB2-BD59-A6C34878D82A}">
-                    <a16:rowId xmlns:a16="http://schemas.microsoft.com/office/drawing/2014/main" val="119662622"/>
+                    <a16:rowId xmlns:a16="http://schemas.microsoft.com/office/drawing/2014/main" xmlns="" val="119662622"/>
                   </a:ext>
                 </a:extLst>
               </a:tr>
@@ -34153,7 +33983,7 @@
                 </a:tc>
                 <a:extLst>
                   <a:ext uri="{0D108BD9-81ED-4DB2-BD59-A6C34878D82A}">
-                    <a16:rowId xmlns:a16="http://schemas.microsoft.com/office/drawing/2014/main" val="1869009090"/>
+                    <a16:rowId xmlns:a16="http://schemas.microsoft.com/office/drawing/2014/main" xmlns="" val="1869009090"/>
                   </a:ext>
                 </a:extLst>
               </a:tr>
@@ -34191,7 +34021,7 @@
                 </a:tc>
                 <a:extLst>
                   <a:ext uri="{0D108BD9-81ED-4DB2-BD59-A6C34878D82A}">
-                    <a16:rowId xmlns:a16="http://schemas.microsoft.com/office/drawing/2014/main" val="3524505082"/>
+                    <a16:rowId xmlns:a16="http://schemas.microsoft.com/office/drawing/2014/main" xmlns="" val="3524505082"/>
                   </a:ext>
                 </a:extLst>
               </a:tr>
@@ -34270,7 +34100,7 @@
                 </a:tc>
                 <a:extLst>
                   <a:ext uri="{0D108BD9-81ED-4DB2-BD59-A6C34878D82A}">
-                    <a16:rowId xmlns:a16="http://schemas.microsoft.com/office/drawing/2014/main" val="1356592476"/>
+                    <a16:rowId xmlns:a16="http://schemas.microsoft.com/office/drawing/2014/main" xmlns="" val="1356592476"/>
                   </a:ext>
                 </a:extLst>
               </a:tr>
@@ -34366,7 +34196,7 @@
                 </a:tc>
                 <a:extLst>
                   <a:ext uri="{0D108BD9-81ED-4DB2-BD59-A6C34878D82A}">
-                    <a16:rowId xmlns:a16="http://schemas.microsoft.com/office/drawing/2014/main" val="2211664907"/>
+                    <a16:rowId xmlns:a16="http://schemas.microsoft.com/office/drawing/2014/main" xmlns="" val="2211664907"/>
                   </a:ext>
                 </a:extLst>
               </a:tr>
@@ -34404,7 +34234,7 @@
                 </a:tc>
                 <a:extLst>
                   <a:ext uri="{0D108BD9-81ED-4DB2-BD59-A6C34878D82A}">
-                    <a16:rowId xmlns:a16="http://schemas.microsoft.com/office/drawing/2014/main" val="2216699545"/>
+                    <a16:rowId xmlns:a16="http://schemas.microsoft.com/office/drawing/2014/main" xmlns="" val="2216699545"/>
                   </a:ext>
                 </a:extLst>
               </a:tr>
@@ -34999,7 +34829,7 @@
   <a:extraClrSchemeLst/>
   <a:extLst>
     <a:ext uri="{05A4C25C-085E-4340-85A3-A5531E510DB2}">
-      <thm15:themeFamily xmlns:thm15="http://schemas.microsoft.com/office/thememl/2012/main" name="Office Theme" id="{62F939B6-93AF-4DB8-9C6B-D6C7DFDC589F}" vid="{4A3C46E8-61CC-4603-A589-7422A47A8E4A}"/>
+      <thm15:themeFamily xmlns:thm15="http://schemas.microsoft.com/office/thememl/2012/main" xmlns="" name="Office Theme" id="{62F939B6-93AF-4DB8-9C6B-D6C7DFDC589F}" vid="{4A3C46E8-61CC-4603-A589-7422A47A8E4A}"/>
     </a:ext>
   </a:extLst>
 </a:theme>
